--- a/figures.pptx
+++ b/figures.pptx
@@ -4,9 +4,14 @@
   <p:sldMasterIdLst>
     <p:sldMasterId id="2147483648" r:id="rId1"/>
   </p:sldMasterIdLst>
+  <p:notesMasterIdLst>
+    <p:notesMasterId r:id="rId6"/>
+  </p:notesMasterIdLst>
   <p:sldIdLst>
     <p:sldId id="256" r:id="rId2"/>
     <p:sldId id="257" r:id="rId3"/>
+    <p:sldId id="258" r:id="rId4"/>
+    <p:sldId id="259" r:id="rId5"/>
   </p:sldIdLst>
   <p:sldSz cx="12192000" cy="6858000"/>
   <p:notesSz cx="6858000" cy="9144000"/>
@@ -105,6 +110,11 @@
       </a:defRPr>
     </a:lvl9pPr>
   </p:defaultTextStyle>
+  <p:extLst>
+    <p:ext uri="{EFAFB233-063F-42B5-8137-9DF3F51BA10A}">
+      <p15:sldGuideLst xmlns:p15="http://schemas.microsoft.com/office/powerpoint/2012/main"/>
+    </p:ext>
+  </p:extLst>
 </p:presentation>
 </file>
 
@@ -856,6 +866,925 @@
   <dgm:styleLbl name="fgShp">
     <dgm:fillClrLst meth="repeat">
       <a:schemeClr val="accent5">
+        <a:tint val="40000"/>
+      </a:schemeClr>
+    </dgm:fillClrLst>
+    <dgm:linClrLst meth="repeat">
+      <a:schemeClr val="lt1"/>
+    </dgm:linClrLst>
+    <dgm:effectClrLst/>
+    <dgm:txLinClrLst/>
+    <dgm:txFillClrLst meth="repeat">
+      <a:schemeClr val="dk1"/>
+    </dgm:txFillClrLst>
+    <dgm:txEffectClrLst/>
+  </dgm:styleLbl>
+  <dgm:styleLbl name="revTx">
+    <dgm:fillClrLst meth="repeat">
+      <a:schemeClr val="lt1">
+        <a:alpha val="0"/>
+      </a:schemeClr>
+    </dgm:fillClrLst>
+    <dgm:linClrLst meth="repeat">
+      <a:schemeClr val="dk1">
+        <a:alpha val="0"/>
+      </a:schemeClr>
+    </dgm:linClrLst>
+    <dgm:effectClrLst/>
+    <dgm:txLinClrLst/>
+    <dgm:txFillClrLst meth="repeat">
+      <a:schemeClr val="tx1"/>
+    </dgm:txFillClrLst>
+    <dgm:txEffectClrLst/>
+  </dgm:styleLbl>
+</dgm:colorsDef>
+</file>
+
+<file path=ppt/diagrams/colors2.xml><?xml version="1.0" encoding="utf-8"?>
+<dgm:colorsDef xmlns:dgm="http://schemas.openxmlformats.org/drawingml/2006/diagram" xmlns:a="http://schemas.openxmlformats.org/drawingml/2006/main" uniqueId="urn:microsoft.com/office/officeart/2005/8/colors/colorful1">
+  <dgm:title val=""/>
+  <dgm:desc val=""/>
+  <dgm:catLst>
+    <dgm:cat type="colorful" pri="10100"/>
+  </dgm:catLst>
+  <dgm:styleLbl name="node0">
+    <dgm:fillClrLst meth="repeat">
+      <a:schemeClr val="accent1"/>
+    </dgm:fillClrLst>
+    <dgm:linClrLst meth="repeat">
+      <a:schemeClr val="lt1"/>
+    </dgm:linClrLst>
+    <dgm:effectClrLst/>
+    <dgm:txLinClrLst/>
+    <dgm:txFillClrLst/>
+    <dgm:txEffectClrLst/>
+  </dgm:styleLbl>
+  <dgm:styleLbl name="node1">
+    <dgm:fillClrLst meth="repeat">
+      <a:schemeClr val="accent2"/>
+      <a:schemeClr val="accent3"/>
+      <a:schemeClr val="accent4"/>
+      <a:schemeClr val="accent5"/>
+      <a:schemeClr val="accent6"/>
+    </dgm:fillClrLst>
+    <dgm:linClrLst meth="repeat">
+      <a:schemeClr val="lt1"/>
+    </dgm:linClrLst>
+    <dgm:effectClrLst/>
+    <dgm:txLinClrLst/>
+    <dgm:txFillClrLst/>
+    <dgm:txEffectClrLst/>
+  </dgm:styleLbl>
+  <dgm:styleLbl name="alignNode1">
+    <dgm:fillClrLst meth="repeat">
+      <a:schemeClr val="accent2"/>
+      <a:schemeClr val="accent3"/>
+      <a:schemeClr val="accent4"/>
+      <a:schemeClr val="accent5"/>
+      <a:schemeClr val="accent6"/>
+    </dgm:fillClrLst>
+    <dgm:linClrLst meth="repeat">
+      <a:schemeClr val="accent2"/>
+      <a:schemeClr val="accent3"/>
+      <a:schemeClr val="accent4"/>
+      <a:schemeClr val="accent5"/>
+      <a:schemeClr val="accent6"/>
+    </dgm:linClrLst>
+    <dgm:effectClrLst/>
+    <dgm:txLinClrLst/>
+    <dgm:txFillClrLst/>
+    <dgm:txEffectClrLst/>
+  </dgm:styleLbl>
+  <dgm:styleLbl name="lnNode1">
+    <dgm:fillClrLst meth="repeat">
+      <a:schemeClr val="accent2"/>
+      <a:schemeClr val="accent3"/>
+      <a:schemeClr val="accent4"/>
+      <a:schemeClr val="accent5"/>
+      <a:schemeClr val="accent6"/>
+    </dgm:fillClrLst>
+    <dgm:linClrLst meth="repeat">
+      <a:schemeClr val="lt1"/>
+    </dgm:linClrLst>
+    <dgm:effectClrLst/>
+    <dgm:txLinClrLst/>
+    <dgm:txFillClrLst/>
+    <dgm:txEffectClrLst/>
+  </dgm:styleLbl>
+  <dgm:styleLbl name="vennNode1">
+    <dgm:fillClrLst meth="repeat">
+      <a:schemeClr val="accent2">
+        <a:alpha val="50000"/>
+      </a:schemeClr>
+      <a:schemeClr val="accent3">
+        <a:alpha val="50000"/>
+      </a:schemeClr>
+      <a:schemeClr val="accent4">
+        <a:alpha val="50000"/>
+      </a:schemeClr>
+      <a:schemeClr val="accent5">
+        <a:alpha val="50000"/>
+      </a:schemeClr>
+      <a:schemeClr val="accent6">
+        <a:alpha val="50000"/>
+      </a:schemeClr>
+    </dgm:fillClrLst>
+    <dgm:linClrLst meth="repeat">
+      <a:schemeClr val="lt1"/>
+    </dgm:linClrLst>
+    <dgm:effectClrLst/>
+    <dgm:txLinClrLst/>
+    <dgm:txFillClrLst/>
+    <dgm:txEffectClrLst/>
+  </dgm:styleLbl>
+  <dgm:styleLbl name="node2">
+    <dgm:fillClrLst>
+      <a:schemeClr val="accent2"/>
+    </dgm:fillClrLst>
+    <dgm:linClrLst meth="repeat">
+      <a:schemeClr val="lt1"/>
+    </dgm:linClrLst>
+    <dgm:effectClrLst/>
+    <dgm:txLinClrLst/>
+    <dgm:txFillClrLst/>
+    <dgm:txEffectClrLst/>
+  </dgm:styleLbl>
+  <dgm:styleLbl name="node3">
+    <dgm:fillClrLst>
+      <a:schemeClr val="accent3"/>
+    </dgm:fillClrLst>
+    <dgm:linClrLst meth="repeat">
+      <a:schemeClr val="lt1"/>
+    </dgm:linClrLst>
+    <dgm:effectClrLst/>
+    <dgm:txLinClrLst/>
+    <dgm:txFillClrLst/>
+    <dgm:txEffectClrLst/>
+  </dgm:styleLbl>
+  <dgm:styleLbl name="node4">
+    <dgm:fillClrLst>
+      <a:schemeClr val="accent4"/>
+    </dgm:fillClrLst>
+    <dgm:linClrLst meth="repeat">
+      <a:schemeClr val="lt1"/>
+    </dgm:linClrLst>
+    <dgm:effectClrLst/>
+    <dgm:txLinClrLst/>
+    <dgm:txFillClrLst/>
+    <dgm:txEffectClrLst/>
+  </dgm:styleLbl>
+  <dgm:styleLbl name="fgImgPlace1">
+    <dgm:fillClrLst meth="repeat">
+      <a:schemeClr val="accent2">
+        <a:tint val="50000"/>
+      </a:schemeClr>
+      <a:schemeClr val="accent3">
+        <a:tint val="50000"/>
+      </a:schemeClr>
+      <a:schemeClr val="accent4">
+        <a:tint val="50000"/>
+      </a:schemeClr>
+      <a:schemeClr val="accent5">
+        <a:tint val="50000"/>
+      </a:schemeClr>
+      <a:schemeClr val="accent6">
+        <a:tint val="50000"/>
+      </a:schemeClr>
+    </dgm:fillClrLst>
+    <dgm:linClrLst meth="repeat">
+      <a:schemeClr val="lt1"/>
+    </dgm:linClrLst>
+    <dgm:effectClrLst/>
+    <dgm:txLinClrLst/>
+    <dgm:txFillClrLst meth="repeat">
+      <a:schemeClr val="lt1"/>
+    </dgm:txFillClrLst>
+    <dgm:txEffectClrLst/>
+  </dgm:styleLbl>
+  <dgm:styleLbl name="alignImgPlace1">
+    <dgm:fillClrLst>
+      <a:schemeClr val="accent1">
+        <a:tint val="50000"/>
+      </a:schemeClr>
+      <a:schemeClr val="accent2">
+        <a:tint val="20000"/>
+      </a:schemeClr>
+    </dgm:fillClrLst>
+    <dgm:linClrLst meth="repeat">
+      <a:schemeClr val="lt1"/>
+    </dgm:linClrLst>
+    <dgm:effectClrLst/>
+    <dgm:txLinClrLst/>
+    <dgm:txFillClrLst meth="repeat">
+      <a:schemeClr val="lt1"/>
+    </dgm:txFillClrLst>
+    <dgm:txEffectClrLst/>
+  </dgm:styleLbl>
+  <dgm:styleLbl name="bgImgPlace1">
+    <dgm:fillClrLst>
+      <a:schemeClr val="accent1">
+        <a:tint val="50000"/>
+      </a:schemeClr>
+      <a:schemeClr val="accent2">
+        <a:tint val="20000"/>
+      </a:schemeClr>
+    </dgm:fillClrLst>
+    <dgm:linClrLst meth="repeat">
+      <a:schemeClr val="lt1"/>
+    </dgm:linClrLst>
+    <dgm:effectClrLst/>
+    <dgm:txLinClrLst/>
+    <dgm:txFillClrLst meth="repeat">
+      <a:schemeClr val="lt1"/>
+    </dgm:txFillClrLst>
+    <dgm:txEffectClrLst/>
+  </dgm:styleLbl>
+  <dgm:styleLbl name="sibTrans2D1">
+    <dgm:fillClrLst meth="repeat">
+      <a:schemeClr val="accent2"/>
+      <a:schemeClr val="accent3"/>
+      <a:schemeClr val="accent4"/>
+      <a:schemeClr val="accent5"/>
+      <a:schemeClr val="accent6"/>
+    </dgm:fillClrLst>
+    <dgm:linClrLst meth="cycle">
+      <a:schemeClr val="lt1"/>
+    </dgm:linClrLst>
+    <dgm:effectClrLst/>
+    <dgm:txLinClrLst/>
+    <dgm:txFillClrLst/>
+    <dgm:txEffectClrLst/>
+  </dgm:styleLbl>
+  <dgm:styleLbl name="fgSibTrans2D1">
+    <dgm:fillClrLst meth="repeat">
+      <a:schemeClr val="accent2"/>
+      <a:schemeClr val="accent3"/>
+      <a:schemeClr val="accent4"/>
+      <a:schemeClr val="accent5"/>
+      <a:schemeClr val="accent6"/>
+    </dgm:fillClrLst>
+    <dgm:linClrLst meth="cycle">
+      <a:schemeClr val="lt1"/>
+    </dgm:linClrLst>
+    <dgm:effectClrLst/>
+    <dgm:txLinClrLst/>
+    <dgm:txFillClrLst meth="repeat">
+      <a:schemeClr val="lt1"/>
+    </dgm:txFillClrLst>
+    <dgm:txEffectClrLst/>
+  </dgm:styleLbl>
+  <dgm:styleLbl name="bgSibTrans2D1">
+    <dgm:fillClrLst meth="repeat">
+      <a:schemeClr val="accent2"/>
+      <a:schemeClr val="accent3"/>
+      <a:schemeClr val="accent4"/>
+      <a:schemeClr val="accent5"/>
+      <a:schemeClr val="accent6"/>
+    </dgm:fillClrLst>
+    <dgm:linClrLst meth="cycle">
+      <a:schemeClr val="lt1"/>
+    </dgm:linClrLst>
+    <dgm:effectClrLst/>
+    <dgm:txLinClrLst/>
+    <dgm:txFillClrLst meth="repeat">
+      <a:schemeClr val="lt1"/>
+    </dgm:txFillClrLst>
+    <dgm:txEffectClrLst/>
+  </dgm:styleLbl>
+  <dgm:styleLbl name="sibTrans1D1">
+    <dgm:fillClrLst meth="repeat">
+      <a:schemeClr val="accent2"/>
+      <a:schemeClr val="accent3"/>
+      <a:schemeClr val="accent4"/>
+      <a:schemeClr val="accent5"/>
+      <a:schemeClr val="accent6"/>
+    </dgm:fillClrLst>
+    <dgm:linClrLst meth="repeat">
+      <a:schemeClr val="accent2"/>
+      <a:schemeClr val="accent3"/>
+      <a:schemeClr val="accent4"/>
+      <a:schemeClr val="accent5"/>
+      <a:schemeClr val="accent6"/>
+    </dgm:linClrLst>
+    <dgm:effectClrLst/>
+    <dgm:txLinClrLst/>
+    <dgm:txFillClrLst meth="repeat">
+      <a:schemeClr val="tx1"/>
+    </dgm:txFillClrLst>
+    <dgm:txEffectClrLst/>
+  </dgm:styleLbl>
+  <dgm:styleLbl name="callout">
+    <dgm:fillClrLst meth="repeat">
+      <a:schemeClr val="accent2"/>
+    </dgm:fillClrLst>
+    <dgm:linClrLst meth="repeat">
+      <a:schemeClr val="accent2">
+        <a:tint val="50000"/>
+      </a:schemeClr>
+    </dgm:linClrLst>
+    <dgm:effectClrLst/>
+    <dgm:txLinClrLst/>
+    <dgm:txFillClrLst meth="repeat">
+      <a:schemeClr val="tx1"/>
+    </dgm:txFillClrLst>
+    <dgm:txEffectClrLst/>
+  </dgm:styleLbl>
+  <dgm:styleLbl name="asst0">
+    <dgm:fillClrLst meth="repeat">
+      <a:schemeClr val="accent1"/>
+    </dgm:fillClrLst>
+    <dgm:linClrLst meth="repeat">
+      <a:schemeClr val="lt1"/>
+    </dgm:linClrLst>
+    <dgm:effectClrLst/>
+    <dgm:txLinClrLst/>
+    <dgm:txFillClrLst/>
+    <dgm:txEffectClrLst/>
+  </dgm:styleLbl>
+  <dgm:styleLbl name="asst1">
+    <dgm:fillClrLst meth="repeat">
+      <a:schemeClr val="accent2"/>
+    </dgm:fillClrLst>
+    <dgm:linClrLst meth="repeat">
+      <a:schemeClr val="lt1"/>
+    </dgm:linClrLst>
+    <dgm:effectClrLst/>
+    <dgm:txLinClrLst/>
+    <dgm:txFillClrLst/>
+    <dgm:txEffectClrLst/>
+  </dgm:styleLbl>
+  <dgm:styleLbl name="asst2">
+    <dgm:fillClrLst>
+      <a:schemeClr val="accent3"/>
+    </dgm:fillClrLst>
+    <dgm:linClrLst meth="repeat">
+      <a:schemeClr val="lt1"/>
+    </dgm:linClrLst>
+    <dgm:effectClrLst/>
+    <dgm:txLinClrLst/>
+    <dgm:txFillClrLst/>
+    <dgm:txEffectClrLst/>
+  </dgm:styleLbl>
+  <dgm:styleLbl name="asst3">
+    <dgm:fillClrLst>
+      <a:schemeClr val="accent4"/>
+    </dgm:fillClrLst>
+    <dgm:linClrLst meth="repeat">
+      <a:schemeClr val="lt1"/>
+    </dgm:linClrLst>
+    <dgm:effectClrLst/>
+    <dgm:txLinClrLst/>
+    <dgm:txFillClrLst/>
+    <dgm:txEffectClrLst/>
+  </dgm:styleLbl>
+  <dgm:styleLbl name="asst4">
+    <dgm:fillClrLst>
+      <a:schemeClr val="accent5"/>
+    </dgm:fillClrLst>
+    <dgm:linClrLst meth="repeat">
+      <a:schemeClr val="lt1"/>
+    </dgm:linClrLst>
+    <dgm:effectClrLst/>
+    <dgm:txLinClrLst/>
+    <dgm:txFillClrLst/>
+    <dgm:txEffectClrLst/>
+  </dgm:styleLbl>
+  <dgm:styleLbl name="parChTrans2D1">
+    <dgm:fillClrLst meth="repeat">
+      <a:schemeClr val="accent2"/>
+    </dgm:fillClrLst>
+    <dgm:linClrLst meth="repeat">
+      <a:schemeClr val="lt1"/>
+    </dgm:linClrLst>
+    <dgm:effectClrLst/>
+    <dgm:txLinClrLst/>
+    <dgm:txFillClrLst meth="repeat">
+      <a:schemeClr val="lt1"/>
+    </dgm:txFillClrLst>
+    <dgm:txEffectClrLst/>
+  </dgm:styleLbl>
+  <dgm:styleLbl name="parChTrans2D2">
+    <dgm:fillClrLst meth="repeat">
+      <a:schemeClr val="accent3"/>
+    </dgm:fillClrLst>
+    <dgm:linClrLst meth="repeat">
+      <a:schemeClr val="lt1"/>
+    </dgm:linClrLst>
+    <dgm:effectClrLst/>
+    <dgm:txLinClrLst/>
+    <dgm:txFillClrLst/>
+    <dgm:txEffectClrLst/>
+  </dgm:styleLbl>
+  <dgm:styleLbl name="parChTrans2D3">
+    <dgm:fillClrLst meth="repeat">
+      <a:schemeClr val="accent4"/>
+    </dgm:fillClrLst>
+    <dgm:linClrLst meth="repeat">
+      <a:schemeClr val="lt1"/>
+    </dgm:linClrLst>
+    <dgm:effectClrLst/>
+    <dgm:txLinClrLst/>
+    <dgm:txFillClrLst/>
+    <dgm:txEffectClrLst/>
+  </dgm:styleLbl>
+  <dgm:styleLbl name="parChTrans2D4">
+    <dgm:fillClrLst meth="repeat">
+      <a:schemeClr val="accent5"/>
+    </dgm:fillClrLst>
+    <dgm:linClrLst meth="repeat">
+      <a:schemeClr val="lt1"/>
+    </dgm:linClrLst>
+    <dgm:effectClrLst/>
+    <dgm:txLinClrLst/>
+    <dgm:txFillClrLst meth="repeat">
+      <a:schemeClr val="lt1"/>
+    </dgm:txFillClrLst>
+    <dgm:txEffectClrLst/>
+  </dgm:styleLbl>
+  <dgm:styleLbl name="parChTrans1D1">
+    <dgm:fillClrLst meth="repeat">
+      <a:schemeClr val="accent2"/>
+    </dgm:fillClrLst>
+    <dgm:linClrLst meth="repeat">
+      <a:schemeClr val="accent1"/>
+    </dgm:linClrLst>
+    <dgm:effectClrLst/>
+    <dgm:txLinClrLst/>
+    <dgm:txFillClrLst meth="repeat">
+      <a:schemeClr val="tx1"/>
+    </dgm:txFillClrLst>
+    <dgm:txEffectClrLst/>
+  </dgm:styleLbl>
+  <dgm:styleLbl name="parChTrans1D2">
+    <dgm:fillClrLst meth="repeat">
+      <a:schemeClr val="accent3">
+        <a:tint val="90000"/>
+      </a:schemeClr>
+    </dgm:fillClrLst>
+    <dgm:linClrLst meth="repeat">
+      <a:schemeClr val="accent2"/>
+    </dgm:linClrLst>
+    <dgm:effectClrLst/>
+    <dgm:txLinClrLst/>
+    <dgm:txFillClrLst meth="repeat">
+      <a:schemeClr val="tx1"/>
+    </dgm:txFillClrLst>
+    <dgm:txEffectClrLst/>
+  </dgm:styleLbl>
+  <dgm:styleLbl name="parChTrans1D3">
+    <dgm:fillClrLst meth="repeat">
+      <a:schemeClr val="accent4">
+        <a:tint val="70000"/>
+      </a:schemeClr>
+    </dgm:fillClrLst>
+    <dgm:linClrLst meth="repeat">
+      <a:schemeClr val="accent3"/>
+    </dgm:linClrLst>
+    <dgm:effectClrLst/>
+    <dgm:txLinClrLst/>
+    <dgm:txFillClrLst meth="repeat">
+      <a:schemeClr val="tx1"/>
+    </dgm:txFillClrLst>
+    <dgm:txEffectClrLst/>
+  </dgm:styleLbl>
+  <dgm:styleLbl name="parChTrans1D4">
+    <dgm:fillClrLst meth="repeat">
+      <a:schemeClr val="accent5">
+        <a:tint val="50000"/>
+      </a:schemeClr>
+    </dgm:fillClrLst>
+    <dgm:linClrLst meth="repeat">
+      <a:schemeClr val="accent4"/>
+    </dgm:linClrLst>
+    <dgm:effectClrLst/>
+    <dgm:txLinClrLst/>
+    <dgm:txFillClrLst meth="repeat">
+      <a:schemeClr val="tx1"/>
+    </dgm:txFillClrLst>
+    <dgm:txEffectClrLst/>
+  </dgm:styleLbl>
+  <dgm:styleLbl name="fgAcc1">
+    <dgm:fillClrLst meth="repeat">
+      <a:schemeClr val="lt1">
+        <a:alpha val="90000"/>
+      </a:schemeClr>
+    </dgm:fillClrLst>
+    <dgm:linClrLst meth="repeat">
+      <a:schemeClr val="accent2"/>
+      <a:schemeClr val="accent3"/>
+      <a:schemeClr val="accent4"/>
+      <a:schemeClr val="accent5"/>
+      <a:schemeClr val="accent6"/>
+    </dgm:linClrLst>
+    <dgm:effectClrLst/>
+    <dgm:txLinClrLst/>
+    <dgm:txFillClrLst meth="repeat">
+      <a:schemeClr val="dk1"/>
+    </dgm:txFillClrLst>
+    <dgm:txEffectClrLst/>
+  </dgm:styleLbl>
+  <dgm:styleLbl name="conFgAcc1">
+    <dgm:fillClrLst meth="repeat">
+      <a:schemeClr val="lt1">
+        <a:alpha val="90000"/>
+      </a:schemeClr>
+    </dgm:fillClrLst>
+    <dgm:linClrLst meth="repeat">
+      <a:schemeClr val="accent2"/>
+      <a:schemeClr val="accent3"/>
+      <a:schemeClr val="accent4"/>
+      <a:schemeClr val="accent5"/>
+      <a:schemeClr val="accent6"/>
+    </dgm:linClrLst>
+    <dgm:effectClrLst/>
+    <dgm:txLinClrLst/>
+    <dgm:txFillClrLst meth="repeat">
+      <a:schemeClr val="dk1"/>
+    </dgm:txFillClrLst>
+    <dgm:txEffectClrLst/>
+  </dgm:styleLbl>
+  <dgm:styleLbl name="alignAcc1">
+    <dgm:fillClrLst meth="repeat">
+      <a:schemeClr val="lt1">
+        <a:alpha val="90000"/>
+      </a:schemeClr>
+    </dgm:fillClrLst>
+    <dgm:linClrLst meth="repeat">
+      <a:schemeClr val="accent2"/>
+      <a:schemeClr val="accent3"/>
+      <a:schemeClr val="accent4"/>
+      <a:schemeClr val="accent5"/>
+      <a:schemeClr val="accent6"/>
+    </dgm:linClrLst>
+    <dgm:effectClrLst/>
+    <dgm:txLinClrLst/>
+    <dgm:txFillClrLst meth="repeat">
+      <a:schemeClr val="dk1"/>
+    </dgm:txFillClrLst>
+    <dgm:txEffectClrLst/>
+  </dgm:styleLbl>
+  <dgm:styleLbl name="trAlignAcc1">
+    <dgm:fillClrLst meth="repeat">
+      <a:schemeClr val="lt1">
+        <a:alpha val="40000"/>
+      </a:schemeClr>
+    </dgm:fillClrLst>
+    <dgm:linClrLst meth="repeat">
+      <a:schemeClr val="accent1"/>
+    </dgm:linClrLst>
+    <dgm:effectClrLst/>
+    <dgm:txLinClrLst/>
+    <dgm:txFillClrLst meth="repeat">
+      <a:schemeClr val="dk1"/>
+    </dgm:txFillClrLst>
+    <dgm:txEffectClrLst/>
+  </dgm:styleLbl>
+  <dgm:styleLbl name="bgAcc1">
+    <dgm:fillClrLst meth="repeat">
+      <a:schemeClr val="lt1">
+        <a:alpha val="90000"/>
+      </a:schemeClr>
+    </dgm:fillClrLst>
+    <dgm:linClrLst meth="repeat">
+      <a:schemeClr val="accent2"/>
+      <a:schemeClr val="accent3"/>
+      <a:schemeClr val="accent4"/>
+      <a:schemeClr val="accent5"/>
+      <a:schemeClr val="accent6"/>
+    </dgm:linClrLst>
+    <dgm:effectClrLst/>
+    <dgm:txLinClrLst/>
+    <dgm:txFillClrLst meth="repeat">
+      <a:schemeClr val="dk1"/>
+    </dgm:txFillClrLst>
+    <dgm:txEffectClrLst/>
+  </dgm:styleLbl>
+  <dgm:styleLbl name="solidFgAcc1">
+    <dgm:fillClrLst meth="repeat">
+      <a:schemeClr val="lt1"/>
+    </dgm:fillClrLst>
+    <dgm:linClrLst meth="repeat">
+      <a:schemeClr val="accent2"/>
+      <a:schemeClr val="accent3"/>
+      <a:schemeClr val="accent4"/>
+      <a:schemeClr val="accent5"/>
+      <a:schemeClr val="accent6"/>
+    </dgm:linClrLst>
+    <dgm:effectClrLst/>
+    <dgm:txLinClrLst/>
+    <dgm:txFillClrLst meth="repeat">
+      <a:schemeClr val="dk1"/>
+    </dgm:txFillClrLst>
+    <dgm:txEffectClrLst/>
+  </dgm:styleLbl>
+  <dgm:styleLbl name="solidAlignAcc1">
+    <dgm:fillClrLst meth="repeat">
+      <a:schemeClr val="lt1"/>
+    </dgm:fillClrLst>
+    <dgm:linClrLst meth="repeat">
+      <a:schemeClr val="accent2"/>
+      <a:schemeClr val="accent3"/>
+      <a:schemeClr val="accent4"/>
+      <a:schemeClr val="accent5"/>
+      <a:schemeClr val="accent6"/>
+    </dgm:linClrLst>
+    <dgm:effectClrLst/>
+    <dgm:txLinClrLst/>
+    <dgm:txFillClrLst meth="repeat">
+      <a:schemeClr val="dk1"/>
+    </dgm:txFillClrLst>
+    <dgm:txEffectClrLst/>
+  </dgm:styleLbl>
+  <dgm:styleLbl name="solidBgAcc1">
+    <dgm:fillClrLst meth="repeat">
+      <a:schemeClr val="lt1"/>
+    </dgm:fillClrLst>
+    <dgm:linClrLst meth="repeat">
+      <a:schemeClr val="accent2"/>
+      <a:schemeClr val="accent3"/>
+      <a:schemeClr val="accent4"/>
+      <a:schemeClr val="accent5"/>
+      <a:schemeClr val="accent6"/>
+    </dgm:linClrLst>
+    <dgm:effectClrLst/>
+    <dgm:txLinClrLst/>
+    <dgm:txFillClrLst meth="repeat">
+      <a:schemeClr val="dk1"/>
+    </dgm:txFillClrLst>
+    <dgm:txEffectClrLst/>
+  </dgm:styleLbl>
+  <dgm:styleLbl name="fgAccFollowNode1">
+    <dgm:fillClrLst meth="repeat">
+      <a:schemeClr val="accent2">
+        <a:tint val="40000"/>
+        <a:alpha val="90000"/>
+      </a:schemeClr>
+      <a:schemeClr val="accent3">
+        <a:tint val="40000"/>
+        <a:alpha val="90000"/>
+      </a:schemeClr>
+      <a:schemeClr val="accent4">
+        <a:tint val="40000"/>
+        <a:alpha val="90000"/>
+      </a:schemeClr>
+      <a:schemeClr val="accent5">
+        <a:tint val="40000"/>
+        <a:alpha val="90000"/>
+      </a:schemeClr>
+      <a:schemeClr val="accent6">
+        <a:tint val="40000"/>
+        <a:alpha val="90000"/>
+      </a:schemeClr>
+    </dgm:fillClrLst>
+    <dgm:linClrLst meth="repeat">
+      <a:schemeClr val="accent2">
+        <a:tint val="40000"/>
+        <a:alpha val="90000"/>
+      </a:schemeClr>
+      <a:schemeClr val="accent3">
+        <a:tint val="40000"/>
+        <a:alpha val="90000"/>
+      </a:schemeClr>
+      <a:schemeClr val="accent4">
+        <a:tint val="40000"/>
+        <a:alpha val="90000"/>
+      </a:schemeClr>
+      <a:schemeClr val="accent5">
+        <a:tint val="40000"/>
+        <a:alpha val="90000"/>
+      </a:schemeClr>
+      <a:schemeClr val="accent6">
+        <a:tint val="40000"/>
+        <a:alpha val="90000"/>
+      </a:schemeClr>
+    </dgm:linClrLst>
+    <dgm:effectClrLst/>
+    <dgm:txLinClrLst/>
+    <dgm:txFillClrLst meth="repeat">
+      <a:schemeClr val="dk1"/>
+    </dgm:txFillClrLst>
+    <dgm:txEffectClrLst/>
+  </dgm:styleLbl>
+  <dgm:styleLbl name="alignAccFollowNode1">
+    <dgm:fillClrLst meth="repeat">
+      <a:schemeClr val="accent2">
+        <a:tint val="40000"/>
+        <a:alpha val="90000"/>
+      </a:schemeClr>
+      <a:schemeClr val="accent3">
+        <a:tint val="40000"/>
+        <a:alpha val="90000"/>
+      </a:schemeClr>
+      <a:schemeClr val="accent4">
+        <a:tint val="40000"/>
+        <a:alpha val="90000"/>
+      </a:schemeClr>
+      <a:schemeClr val="accent5">
+        <a:tint val="40000"/>
+        <a:alpha val="90000"/>
+      </a:schemeClr>
+      <a:schemeClr val="accent6">
+        <a:tint val="40000"/>
+        <a:alpha val="90000"/>
+      </a:schemeClr>
+    </dgm:fillClrLst>
+    <dgm:linClrLst meth="repeat">
+      <a:schemeClr val="accent2">
+        <a:tint val="40000"/>
+        <a:alpha val="90000"/>
+      </a:schemeClr>
+      <a:schemeClr val="accent3">
+        <a:tint val="40000"/>
+        <a:alpha val="90000"/>
+      </a:schemeClr>
+      <a:schemeClr val="accent4">
+        <a:tint val="40000"/>
+        <a:alpha val="90000"/>
+      </a:schemeClr>
+      <a:schemeClr val="accent5">
+        <a:tint val="40000"/>
+        <a:alpha val="90000"/>
+      </a:schemeClr>
+      <a:schemeClr val="accent6">
+        <a:tint val="40000"/>
+        <a:alpha val="90000"/>
+      </a:schemeClr>
+    </dgm:linClrLst>
+    <dgm:effectClrLst/>
+    <dgm:txLinClrLst/>
+    <dgm:txFillClrLst meth="repeat">
+      <a:schemeClr val="dk1"/>
+    </dgm:txFillClrLst>
+    <dgm:txEffectClrLst/>
+  </dgm:styleLbl>
+  <dgm:styleLbl name="bgAccFollowNode1">
+    <dgm:fillClrLst meth="repeat">
+      <a:schemeClr val="accent2">
+        <a:tint val="40000"/>
+        <a:alpha val="90000"/>
+      </a:schemeClr>
+      <a:schemeClr val="accent3">
+        <a:tint val="40000"/>
+        <a:alpha val="90000"/>
+      </a:schemeClr>
+      <a:schemeClr val="accent4">
+        <a:tint val="40000"/>
+        <a:alpha val="90000"/>
+      </a:schemeClr>
+      <a:schemeClr val="accent5">
+        <a:tint val="40000"/>
+        <a:alpha val="90000"/>
+      </a:schemeClr>
+      <a:schemeClr val="accent6">
+        <a:tint val="40000"/>
+        <a:alpha val="90000"/>
+      </a:schemeClr>
+    </dgm:fillClrLst>
+    <dgm:linClrLst meth="repeat">
+      <a:schemeClr val="accent2">
+        <a:tint val="40000"/>
+        <a:alpha val="90000"/>
+      </a:schemeClr>
+      <a:schemeClr val="accent3">
+        <a:tint val="40000"/>
+        <a:alpha val="90000"/>
+      </a:schemeClr>
+      <a:schemeClr val="accent4">
+        <a:tint val="40000"/>
+        <a:alpha val="90000"/>
+      </a:schemeClr>
+      <a:schemeClr val="accent5">
+        <a:tint val="40000"/>
+        <a:alpha val="90000"/>
+      </a:schemeClr>
+      <a:schemeClr val="accent6">
+        <a:tint val="40000"/>
+        <a:alpha val="90000"/>
+      </a:schemeClr>
+    </dgm:linClrLst>
+    <dgm:effectClrLst/>
+    <dgm:txLinClrLst/>
+    <dgm:txFillClrLst meth="repeat">
+      <a:schemeClr val="dk1"/>
+    </dgm:txFillClrLst>
+    <dgm:txEffectClrLst/>
+  </dgm:styleLbl>
+  <dgm:styleLbl name="fgAcc0">
+    <dgm:fillClrLst meth="repeat">
+      <a:schemeClr val="lt1">
+        <a:alpha val="90000"/>
+      </a:schemeClr>
+    </dgm:fillClrLst>
+    <dgm:linClrLst>
+      <a:schemeClr val="accent1"/>
+    </dgm:linClrLst>
+    <dgm:effectClrLst/>
+    <dgm:txLinClrLst/>
+    <dgm:txFillClrLst meth="repeat">
+      <a:schemeClr val="dk1"/>
+    </dgm:txFillClrLst>
+    <dgm:txEffectClrLst/>
+  </dgm:styleLbl>
+  <dgm:styleLbl name="fgAcc2">
+    <dgm:fillClrLst meth="repeat">
+      <a:schemeClr val="lt1">
+        <a:alpha val="90000"/>
+      </a:schemeClr>
+    </dgm:fillClrLst>
+    <dgm:linClrLst>
+      <a:schemeClr val="accent2"/>
+    </dgm:linClrLst>
+    <dgm:effectClrLst/>
+    <dgm:txLinClrLst/>
+    <dgm:txFillClrLst meth="repeat">
+      <a:schemeClr val="dk1"/>
+    </dgm:txFillClrLst>
+    <dgm:txEffectClrLst/>
+  </dgm:styleLbl>
+  <dgm:styleLbl name="fgAcc3">
+    <dgm:fillClrLst meth="repeat">
+      <a:schemeClr val="lt1">
+        <a:alpha val="90000"/>
+      </a:schemeClr>
+    </dgm:fillClrLst>
+    <dgm:linClrLst>
+      <a:schemeClr val="accent3"/>
+    </dgm:linClrLst>
+    <dgm:effectClrLst/>
+    <dgm:txLinClrLst/>
+    <dgm:txFillClrLst meth="repeat">
+      <a:schemeClr val="dk1"/>
+    </dgm:txFillClrLst>
+    <dgm:txEffectClrLst/>
+  </dgm:styleLbl>
+  <dgm:styleLbl name="fgAcc4">
+    <dgm:fillClrLst meth="repeat">
+      <a:schemeClr val="lt1">
+        <a:alpha val="90000"/>
+      </a:schemeClr>
+    </dgm:fillClrLst>
+    <dgm:linClrLst>
+      <a:schemeClr val="accent4"/>
+    </dgm:linClrLst>
+    <dgm:effectClrLst/>
+    <dgm:txLinClrLst/>
+    <dgm:txFillClrLst meth="repeat">
+      <a:schemeClr val="dk1"/>
+    </dgm:txFillClrLst>
+    <dgm:txEffectClrLst/>
+  </dgm:styleLbl>
+  <dgm:styleLbl name="bgShp">
+    <dgm:fillClrLst meth="repeat">
+      <a:schemeClr val="accent2">
+        <a:tint val="40000"/>
+      </a:schemeClr>
+    </dgm:fillClrLst>
+    <dgm:linClrLst meth="repeat">
+      <a:schemeClr val="dk1"/>
+    </dgm:linClrLst>
+    <dgm:effectClrLst/>
+    <dgm:txLinClrLst/>
+    <dgm:txFillClrLst meth="repeat">
+      <a:schemeClr val="dk1"/>
+    </dgm:txFillClrLst>
+    <dgm:txEffectClrLst/>
+  </dgm:styleLbl>
+  <dgm:styleLbl name="dkBgShp">
+    <dgm:fillClrLst meth="repeat">
+      <a:schemeClr val="accent2">
+        <a:shade val="90000"/>
+      </a:schemeClr>
+    </dgm:fillClrLst>
+    <dgm:linClrLst meth="repeat">
+      <a:schemeClr val="dk1"/>
+    </dgm:linClrLst>
+    <dgm:effectClrLst/>
+    <dgm:txLinClrLst/>
+    <dgm:txFillClrLst meth="repeat">
+      <a:schemeClr val="lt1"/>
+    </dgm:txFillClrLst>
+    <dgm:txEffectClrLst/>
+  </dgm:styleLbl>
+  <dgm:styleLbl name="trBgShp">
+    <dgm:fillClrLst meth="repeat">
+      <a:schemeClr val="accent1">
+        <a:tint val="50000"/>
+        <a:alpha val="40000"/>
+      </a:schemeClr>
+    </dgm:fillClrLst>
+    <dgm:linClrLst meth="repeat">
+      <a:schemeClr val="accent2"/>
+    </dgm:linClrLst>
+    <dgm:effectClrLst/>
+    <dgm:txLinClrLst/>
+    <dgm:txFillClrLst meth="repeat">
+      <a:schemeClr val="lt1"/>
+    </dgm:txFillClrLst>
+    <dgm:txEffectClrLst/>
+  </dgm:styleLbl>
+  <dgm:styleLbl name="fgShp">
+    <dgm:fillClrLst meth="repeat">
+      <a:schemeClr val="accent2">
         <a:tint val="40000"/>
       </a:schemeClr>
     </dgm:fillClrLst>
@@ -1152,6 +2081,575 @@
     <dgm:cxn modelId="{AABF71C5-A84F-4371-B4F3-129DB9137022}" type="presParOf" srcId="{1DA7157F-DD5C-4B36-B80A-0FB5E6ACA410}" destId="{7B7B1DD7-E252-4DCB-9B73-4F3A532BDA41}" srcOrd="3" destOrd="0" presId="urn:microsoft.com/office/officeart/2005/8/layout/venn2"/>
     <dgm:cxn modelId="{F9ADD243-219D-40FB-BBBE-F2C4BB726FEA}" type="presParOf" srcId="{7B7B1DD7-E252-4DCB-9B73-4F3A532BDA41}" destId="{6053196E-C283-4710-A3D3-FFD79BB4E504}" srcOrd="0" destOrd="0" presId="urn:microsoft.com/office/officeart/2005/8/layout/venn2"/>
     <dgm:cxn modelId="{212A2103-DDBA-4DDC-BF94-23D424B632A4}" type="presParOf" srcId="{7B7B1DD7-E252-4DCB-9B73-4F3A532BDA41}" destId="{70A82270-0D5F-4A81-81A1-F22EF70E622B}" srcOrd="1" destOrd="0" presId="urn:microsoft.com/office/officeart/2005/8/layout/venn2"/>
+  </dgm:cxnLst>
+  <dgm:bg/>
+  <dgm:whole/>
+  <dgm:extLst>
+    <a:ext uri="http://schemas.microsoft.com/office/drawing/2008/diagram">
+      <dsp:dataModelExt xmlns:dsp="http://schemas.microsoft.com/office/drawing/2008/diagram" relId="rId6" minVer="http://schemas.openxmlformats.org/drawingml/2006/diagram"/>
+    </a:ext>
+  </dgm:extLst>
+</dgm:dataModel>
+</file>
+
+<file path=ppt/diagrams/data2.xml><?xml version="1.0" encoding="utf-8"?>
+<dgm:dataModel xmlns:dgm="http://schemas.openxmlformats.org/drawingml/2006/diagram" xmlns:a="http://schemas.openxmlformats.org/drawingml/2006/main">
+  <dgm:ptLst>
+    <dgm:pt modelId="{5D3DD6D8-F220-4FA4-BF8C-4A8E425732B9}" type="doc">
+      <dgm:prSet loTypeId="urn:microsoft.com/office/officeart/2005/8/layout/radial6" loCatId="cycle" qsTypeId="urn:microsoft.com/office/officeart/2005/8/quickstyle/simple1" qsCatId="simple" csTypeId="urn:microsoft.com/office/officeart/2005/8/colors/colorful1" csCatId="colorful" phldr="1"/>
+      <dgm:spPr/>
+      <dgm:t>
+        <a:bodyPr/>
+        <a:lstStyle/>
+        <a:p>
+          <a:endParaRPr lang="en-US"/>
+        </a:p>
+      </dgm:t>
+    </dgm:pt>
+    <dgm:pt modelId="{1ECC584D-FECE-45F7-9A75-706FC9CAF40A}">
+      <dgm:prSet phldrT="[Texte]"/>
+      <dgm:spPr/>
+      <dgm:t>
+        <a:bodyPr/>
+        <a:lstStyle/>
+        <a:p>
+          <a:r>
+            <a:rPr lang="en-US" dirty="0"/>
+            <a:t>Design Science Research DSR</a:t>
+          </a:r>
+        </a:p>
+      </dgm:t>
+    </dgm:pt>
+    <dgm:pt modelId="{726536BA-B44E-4288-9BD4-B61A74088FE4}" type="parTrans" cxnId="{554FE476-536B-44A4-8324-4A0CF70BDBB0}">
+      <dgm:prSet/>
+      <dgm:spPr/>
+      <dgm:t>
+        <a:bodyPr/>
+        <a:lstStyle/>
+        <a:p>
+          <a:endParaRPr lang="en-US"/>
+        </a:p>
+      </dgm:t>
+    </dgm:pt>
+    <dgm:pt modelId="{70CF7FC1-E2A6-4797-804C-1BBCE7FB588F}" type="sibTrans" cxnId="{554FE476-536B-44A4-8324-4A0CF70BDBB0}">
+      <dgm:prSet/>
+      <dgm:spPr/>
+      <dgm:t>
+        <a:bodyPr/>
+        <a:lstStyle/>
+        <a:p>
+          <a:endParaRPr lang="en-US"/>
+        </a:p>
+      </dgm:t>
+    </dgm:pt>
+    <dgm:pt modelId="{C21A2741-1518-4DE4-AB4F-1F710650603F}">
+      <dgm:prSet phldrT="[Texte]" custT="1"/>
+      <dgm:spPr>
+        <a:solidFill>
+          <a:schemeClr val="accent4"/>
+        </a:solidFill>
+        <a:ln w="12700" cap="flat" cmpd="sng" algn="ctr">
+          <a:noFill/>
+          <a:prstDash val="solid"/>
+          <a:miter lim="800000"/>
+        </a:ln>
+        <a:effectLst/>
+      </dgm:spPr>
+      <dgm:t>
+        <a:bodyPr spcFirstLastPara="0" vert="horz" wrap="square" lIns="19050" tIns="19050" rIns="19050" bIns="19050" numCol="1" spcCol="1270" anchor="ctr" anchorCtr="0"/>
+        <a:lstStyle/>
+        <a:p>
+          <a:pPr marL="0" lvl="0" algn="ctr" defTabSz="666750">
+            <a:lnSpc>
+              <a:spcPct val="90000"/>
+            </a:lnSpc>
+            <a:spcBef>
+              <a:spcPct val="0"/>
+            </a:spcBef>
+            <a:spcAft>
+              <a:spcPct val="35000"/>
+            </a:spcAft>
+            <a:buNone/>
+          </a:pPr>
+          <a:r>
+            <a:rPr lang="en-US" sz="1500" b="1" kern="1200" dirty="0">
+              <a:solidFill>
+                <a:prstClr val="white"/>
+              </a:solidFill>
+              <a:latin typeface="Calibri" panose="020F0502020204030204"/>
+              <a:ea typeface="+mn-ea"/>
+              <a:cs typeface="+mn-cs"/>
+            </a:rPr>
+            <a:t>Model Driven Architecture</a:t>
+          </a:r>
+        </a:p>
+        <a:p>
+          <a:pPr marL="0" lvl="0" algn="ctr" defTabSz="666750">
+            <a:lnSpc>
+              <a:spcPct val="90000"/>
+            </a:lnSpc>
+            <a:spcBef>
+              <a:spcPct val="0"/>
+            </a:spcBef>
+            <a:spcAft>
+              <a:spcPct val="35000"/>
+            </a:spcAft>
+            <a:buNone/>
+          </a:pPr>
+          <a:r>
+            <a:rPr lang="en-US" sz="1500" kern="1200" dirty="0">
+              <a:solidFill>
+                <a:prstClr val="white"/>
+              </a:solidFill>
+              <a:latin typeface="Calibri" panose="020F0502020204030204"/>
+              <a:ea typeface="+mn-ea"/>
+              <a:cs typeface="+mn-cs"/>
+            </a:rPr>
+            <a:t>The modeling of structural,  behavioral and component  of the proposed system</a:t>
+          </a:r>
+        </a:p>
+      </dgm:t>
+    </dgm:pt>
+    <dgm:pt modelId="{7D6ED347-3AEE-4784-92FF-59598D7798D1}" type="parTrans" cxnId="{FEBDB98F-5C3A-479B-9965-1C8B8776094C}">
+      <dgm:prSet/>
+      <dgm:spPr/>
+      <dgm:t>
+        <a:bodyPr/>
+        <a:lstStyle/>
+        <a:p>
+          <a:endParaRPr lang="en-US"/>
+        </a:p>
+      </dgm:t>
+    </dgm:pt>
+    <dgm:pt modelId="{04B25AF1-90D4-49EB-89EE-57FA2088FD8E}" type="sibTrans" cxnId="{FEBDB98F-5C3A-479B-9965-1C8B8776094C}">
+      <dgm:prSet/>
+      <dgm:spPr/>
+      <dgm:t>
+        <a:bodyPr/>
+        <a:lstStyle/>
+        <a:p>
+          <a:endParaRPr lang="en-US"/>
+        </a:p>
+      </dgm:t>
+    </dgm:pt>
+    <dgm:pt modelId="{8643104F-A69A-42A9-A501-C4EA1B26E00B}">
+      <dgm:prSet phldrT="[Texte]" custT="1"/>
+      <dgm:spPr>
+        <a:solidFill>
+          <a:schemeClr val="accent2"/>
+        </a:solidFill>
+        <a:ln w="12700" cap="flat" cmpd="sng" algn="ctr">
+          <a:noFill/>
+          <a:prstDash val="solid"/>
+          <a:miter lim="800000"/>
+        </a:ln>
+        <a:effectLst/>
+      </dgm:spPr>
+      <dgm:t>
+        <a:bodyPr spcFirstLastPara="0" vert="horz" wrap="square" lIns="19050" tIns="19050" rIns="19050" bIns="19050" numCol="1" spcCol="1270" anchor="ctr" anchorCtr="0"/>
+        <a:lstStyle/>
+        <a:p>
+          <a:pPr marL="0" lvl="0" algn="ctr" defTabSz="666750">
+            <a:lnSpc>
+              <a:spcPct val="90000"/>
+            </a:lnSpc>
+            <a:spcBef>
+              <a:spcPct val="0"/>
+            </a:spcBef>
+            <a:spcAft>
+              <a:spcPct val="35000"/>
+            </a:spcAft>
+            <a:buNone/>
+          </a:pPr>
+          <a:r>
+            <a:rPr lang="en-US" sz="1500" b="1" kern="1200" dirty="0">
+              <a:solidFill>
+                <a:prstClr val="white"/>
+              </a:solidFill>
+              <a:latin typeface="Calibri" panose="020F0502020204030204"/>
+              <a:ea typeface="+mn-ea"/>
+              <a:cs typeface="+mn-cs"/>
+            </a:rPr>
+            <a:t>Literature survey</a:t>
+          </a:r>
+        </a:p>
+        <a:p>
+          <a:pPr marL="0" lvl="0" algn="ctr" defTabSz="666750">
+            <a:lnSpc>
+              <a:spcPct val="90000"/>
+            </a:lnSpc>
+            <a:spcBef>
+              <a:spcPct val="0"/>
+            </a:spcBef>
+            <a:spcAft>
+              <a:spcPct val="35000"/>
+            </a:spcAft>
+            <a:buNone/>
+          </a:pPr>
+          <a:r>
+            <a:rPr lang="en-US" sz="1500" kern="1200" dirty="0">
+              <a:solidFill>
+                <a:prstClr val="white"/>
+              </a:solidFill>
+              <a:latin typeface="Calibri" panose="020F0502020204030204"/>
+              <a:ea typeface="+mn-ea"/>
+              <a:cs typeface="+mn-cs"/>
+            </a:rPr>
+            <a:t>examination of the literature in order to identify gaps, and develop research questions.</a:t>
+          </a:r>
+        </a:p>
+      </dgm:t>
+    </dgm:pt>
+    <dgm:pt modelId="{E196DA80-F618-46B1-95BE-F0CD68EF6EBF}" type="parTrans" cxnId="{FF678B7E-FE6C-41DA-B109-1AF82882D887}">
+      <dgm:prSet/>
+      <dgm:spPr/>
+      <dgm:t>
+        <a:bodyPr/>
+        <a:lstStyle/>
+        <a:p>
+          <a:endParaRPr lang="en-US"/>
+        </a:p>
+      </dgm:t>
+    </dgm:pt>
+    <dgm:pt modelId="{B6624BC9-1008-48E0-AE14-968E6E5F497E}" type="sibTrans" cxnId="{FF678B7E-FE6C-41DA-B109-1AF82882D887}">
+      <dgm:prSet/>
+      <dgm:spPr/>
+      <dgm:t>
+        <a:bodyPr/>
+        <a:lstStyle/>
+        <a:p>
+          <a:endParaRPr lang="en-US"/>
+        </a:p>
+      </dgm:t>
+    </dgm:pt>
+    <dgm:pt modelId="{C247232F-3477-4227-9EAA-8F66FF3A4BA7}">
+      <dgm:prSet phldrT="[Texte]" custT="1"/>
+      <dgm:spPr>
+        <a:solidFill>
+          <a:schemeClr val="bg1">
+            <a:lumMod val="65000"/>
+          </a:schemeClr>
+        </a:solidFill>
+        <a:ln w="12700" cap="flat" cmpd="sng" algn="ctr">
+          <a:noFill/>
+          <a:prstDash val="solid"/>
+          <a:miter lim="800000"/>
+        </a:ln>
+        <a:effectLst/>
+      </dgm:spPr>
+      <dgm:t>
+        <a:bodyPr spcFirstLastPara="0" vert="horz" wrap="square" lIns="19050" tIns="19050" rIns="19050" bIns="19050" numCol="1" spcCol="1270" anchor="ctr" anchorCtr="0"/>
+        <a:lstStyle/>
+        <a:p>
+          <a:pPr marL="0" lvl="0" algn="ctr" defTabSz="666750">
+            <a:lnSpc>
+              <a:spcPct val="90000"/>
+            </a:lnSpc>
+            <a:spcBef>
+              <a:spcPct val="0"/>
+            </a:spcBef>
+            <a:spcAft>
+              <a:spcPct val="35000"/>
+            </a:spcAft>
+            <a:buNone/>
+          </a:pPr>
+          <a:r>
+            <a:rPr lang="en-US" sz="1500" b="1" kern="1200" dirty="0">
+              <a:solidFill>
+                <a:prstClr val="white"/>
+              </a:solidFill>
+              <a:latin typeface="Calibri" panose="020F0502020204030204"/>
+              <a:ea typeface="+mn-ea"/>
+              <a:cs typeface="+mn-cs"/>
+            </a:rPr>
+            <a:t>Simulation Method</a:t>
+          </a:r>
+        </a:p>
+        <a:p>
+          <a:pPr marL="0" lvl="0" algn="ctr" defTabSz="666750">
+            <a:lnSpc>
+              <a:spcPct val="90000"/>
+            </a:lnSpc>
+            <a:spcBef>
+              <a:spcPct val="0"/>
+            </a:spcBef>
+            <a:spcAft>
+              <a:spcPct val="35000"/>
+            </a:spcAft>
+            <a:buNone/>
+          </a:pPr>
+          <a:r>
+            <a:rPr lang="en-US" sz="1500" b="0" kern="1200" dirty="0">
+              <a:solidFill>
+                <a:prstClr val="white"/>
+              </a:solidFill>
+              <a:latin typeface="Calibri" panose="020F0502020204030204"/>
+              <a:ea typeface="+mn-ea"/>
+              <a:cs typeface="+mn-cs"/>
+            </a:rPr>
+            <a:t>Simulate, explore, and predict NLP dataset and analyze reviews Data </a:t>
+          </a:r>
+        </a:p>
+      </dgm:t>
+    </dgm:pt>
+    <dgm:pt modelId="{952D7585-BA81-4514-9431-43162C2C87B0}" type="parTrans" cxnId="{53B56B0E-01B0-46A3-9806-528E4F9A3AA9}">
+      <dgm:prSet/>
+      <dgm:spPr/>
+      <dgm:t>
+        <a:bodyPr/>
+        <a:lstStyle/>
+        <a:p>
+          <a:endParaRPr lang="en-US"/>
+        </a:p>
+      </dgm:t>
+    </dgm:pt>
+    <dgm:pt modelId="{12921255-5D55-429C-AEDD-CE46A9FEDB47}" type="sibTrans" cxnId="{53B56B0E-01B0-46A3-9806-528E4F9A3AA9}">
+      <dgm:prSet/>
+      <dgm:spPr/>
+      <dgm:t>
+        <a:bodyPr/>
+        <a:lstStyle/>
+        <a:p>
+          <a:endParaRPr lang="en-US"/>
+        </a:p>
+      </dgm:t>
+    </dgm:pt>
+    <dgm:pt modelId="{0E3AC328-BF45-48B3-B295-A85781C5E063}">
+      <dgm:prSet phldrT="[Texte]" custT="1"/>
+      <dgm:spPr>
+        <a:solidFill>
+          <a:srgbClr val="5B9BD5">
+            <a:hueOff val="0"/>
+            <a:satOff val="0"/>
+            <a:lumOff val="0"/>
+            <a:alphaOff val="0"/>
+          </a:srgbClr>
+        </a:solidFill>
+        <a:ln w="12700" cap="flat" cmpd="sng" algn="ctr">
+          <a:noFill/>
+          <a:prstDash val="solid"/>
+          <a:miter lim="800000"/>
+        </a:ln>
+        <a:effectLst/>
+      </dgm:spPr>
+      <dgm:t>
+        <a:bodyPr spcFirstLastPara="0" vert="horz" wrap="square" lIns="19050" tIns="19050" rIns="19050" bIns="19050" numCol="1" spcCol="1270" anchor="ctr" anchorCtr="0"/>
+        <a:lstStyle/>
+        <a:p>
+          <a:pPr marL="0" lvl="0" algn="ctr" defTabSz="666750">
+            <a:lnSpc>
+              <a:spcPct val="90000"/>
+            </a:lnSpc>
+            <a:spcBef>
+              <a:spcPct val="0"/>
+            </a:spcBef>
+            <a:spcAft>
+              <a:spcPct val="35000"/>
+            </a:spcAft>
+            <a:buNone/>
+          </a:pPr>
+          <a:r>
+            <a:rPr lang="en-US" sz="1500" b="1" kern="1200" dirty="0">
+              <a:solidFill>
+                <a:prstClr val="white"/>
+              </a:solidFill>
+              <a:latin typeface="Calibri" panose="020F0502020204030204"/>
+              <a:ea typeface="+mn-ea"/>
+              <a:cs typeface="+mn-cs"/>
+            </a:rPr>
+            <a:t>Experimental Method</a:t>
+          </a:r>
+        </a:p>
+        <a:p>
+          <a:pPr marL="0" lvl="0" algn="ctr" defTabSz="666750">
+            <a:lnSpc>
+              <a:spcPct val="90000"/>
+            </a:lnSpc>
+            <a:spcBef>
+              <a:spcPct val="0"/>
+            </a:spcBef>
+            <a:spcAft>
+              <a:spcPct val="35000"/>
+            </a:spcAft>
+            <a:buNone/>
+          </a:pPr>
+          <a:r>
+            <a:rPr lang="en-US" sz="1500" b="0" kern="1200" dirty="0">
+              <a:solidFill>
+                <a:prstClr val="white"/>
+              </a:solidFill>
+              <a:latin typeface="Calibri" panose="020F0502020204030204"/>
+              <a:ea typeface="+mn-ea"/>
+              <a:cs typeface="+mn-cs"/>
+            </a:rPr>
+            <a:t>conducting prototyping experiments to validate and assess our proposal</a:t>
+          </a:r>
+        </a:p>
+      </dgm:t>
+    </dgm:pt>
+    <dgm:pt modelId="{51DDEBFB-21B9-47A8-9F8D-9ADFF3596F74}" type="sibTrans" cxnId="{2F24BC9E-1E3D-42AD-A142-2E2FF42824E3}">
+      <dgm:prSet/>
+      <dgm:spPr/>
+      <dgm:t>
+        <a:bodyPr/>
+        <a:lstStyle/>
+        <a:p>
+          <a:endParaRPr lang="en-US"/>
+        </a:p>
+      </dgm:t>
+    </dgm:pt>
+    <dgm:pt modelId="{AF5A0B93-3BA3-43F0-84DA-1505355F8B7D}" type="parTrans" cxnId="{2F24BC9E-1E3D-42AD-A142-2E2FF42824E3}">
+      <dgm:prSet/>
+      <dgm:spPr/>
+      <dgm:t>
+        <a:bodyPr/>
+        <a:lstStyle/>
+        <a:p>
+          <a:endParaRPr lang="en-US"/>
+        </a:p>
+      </dgm:t>
+    </dgm:pt>
+    <dgm:pt modelId="{887049FB-F465-4DDC-B2F3-25872DDF58FB}" type="pres">
+      <dgm:prSet presAssocID="{5D3DD6D8-F220-4FA4-BF8C-4A8E425732B9}" presName="Name0" presStyleCnt="0">
+        <dgm:presLayoutVars>
+          <dgm:chMax val="1"/>
+          <dgm:dir/>
+          <dgm:animLvl val="ctr"/>
+          <dgm:resizeHandles val="exact"/>
+        </dgm:presLayoutVars>
+      </dgm:prSet>
+      <dgm:spPr/>
+    </dgm:pt>
+    <dgm:pt modelId="{E70C087F-4B05-4C44-AC45-7D55B08A7ACB}" type="pres">
+      <dgm:prSet presAssocID="{1ECC584D-FECE-45F7-9A75-706FC9CAF40A}" presName="centerShape" presStyleLbl="node0" presStyleIdx="0" presStyleCnt="1"/>
+      <dgm:spPr/>
+    </dgm:pt>
+    <dgm:pt modelId="{F6E2BC79-13D3-46F5-9E6F-B73120548878}" type="pres">
+      <dgm:prSet presAssocID="{C21A2741-1518-4DE4-AB4F-1F710650603F}" presName="node" presStyleLbl="node1" presStyleIdx="0" presStyleCnt="4" custScaleX="178624" custScaleY="59302">
+        <dgm:presLayoutVars>
+          <dgm:bulletEnabled val="1"/>
+        </dgm:presLayoutVars>
+      </dgm:prSet>
+      <dgm:spPr>
+        <a:xfrm>
+          <a:off x="4366913" y="341344"/>
+          <a:ext cx="1663349" cy="987098"/>
+        </a:xfrm>
+        <a:prstGeom prst="rect">
+          <a:avLst/>
+        </a:prstGeom>
+      </dgm:spPr>
+    </dgm:pt>
+    <dgm:pt modelId="{55C43902-7EE7-474B-8E10-8FA1B10B56B7}" type="pres">
+      <dgm:prSet presAssocID="{C21A2741-1518-4DE4-AB4F-1F710650603F}" presName="dummy" presStyleCnt="0"/>
+      <dgm:spPr/>
+    </dgm:pt>
+    <dgm:pt modelId="{28DFA09C-2EBB-427E-8DFF-6BB11D6A1884}" type="pres">
+      <dgm:prSet presAssocID="{04B25AF1-90D4-49EB-89EE-57FA2088FD8E}" presName="sibTrans" presStyleLbl="sibTrans2D1" presStyleIdx="0" presStyleCnt="4"/>
+      <dgm:spPr/>
+    </dgm:pt>
+    <dgm:pt modelId="{64709227-0F2F-4A16-8B0F-E6350D9C7929}" type="pres">
+      <dgm:prSet presAssocID="{0E3AC328-BF45-48B3-B295-A85781C5E063}" presName="node" presStyleLbl="node1" presStyleIdx="1" presStyleCnt="4" custScaleX="178555" custScaleY="59302" custRadScaleRad="122724" custRadScaleInc="-1246">
+        <dgm:presLayoutVars>
+          <dgm:bulletEnabled val="1"/>
+        </dgm:presLayoutVars>
+      </dgm:prSet>
+      <dgm:spPr>
+        <a:xfrm>
+          <a:off x="6887234" y="2861840"/>
+          <a:ext cx="1663349" cy="986399"/>
+        </a:xfrm>
+        <a:prstGeom prst="rect">
+          <a:avLst/>
+        </a:prstGeom>
+      </dgm:spPr>
+    </dgm:pt>
+    <dgm:pt modelId="{56F03925-D5A4-4C57-B31F-B2FFCA136362}" type="pres">
+      <dgm:prSet presAssocID="{0E3AC328-BF45-48B3-B295-A85781C5E063}" presName="dummy" presStyleCnt="0"/>
+      <dgm:spPr/>
+    </dgm:pt>
+    <dgm:pt modelId="{2F906403-4419-49C6-B794-505F05ECEB4A}" type="pres">
+      <dgm:prSet presAssocID="{51DDEBFB-21B9-47A8-9F8D-9ADFF3596F74}" presName="sibTrans" presStyleLbl="sibTrans2D1" presStyleIdx="1" presStyleCnt="4"/>
+      <dgm:spPr/>
+    </dgm:pt>
+    <dgm:pt modelId="{671D7F45-CFE4-41A9-A462-894B033F808B}" type="pres">
+      <dgm:prSet presAssocID="{8643104F-A69A-42A9-A501-C4EA1B26E00B}" presName="node" presStyleLbl="node1" presStyleIdx="2" presStyleCnt="4" custScaleX="178555" custScaleY="59302">
+        <dgm:presLayoutVars>
+          <dgm:bulletEnabled val="1"/>
+        </dgm:presLayoutVars>
+      </dgm:prSet>
+      <dgm:spPr>
+        <a:xfrm>
+          <a:off x="4366913" y="5382161"/>
+          <a:ext cx="1663349" cy="986399"/>
+        </a:xfrm>
+        <a:prstGeom prst="rect">
+          <a:avLst/>
+        </a:prstGeom>
+      </dgm:spPr>
+    </dgm:pt>
+    <dgm:pt modelId="{BC87A005-077D-4052-9EDB-EB9E7804D9B0}" type="pres">
+      <dgm:prSet presAssocID="{8643104F-A69A-42A9-A501-C4EA1B26E00B}" presName="dummy" presStyleCnt="0"/>
+      <dgm:spPr/>
+    </dgm:pt>
+    <dgm:pt modelId="{2AA15D47-F471-43B4-9D02-06A6A46C28B0}" type="pres">
+      <dgm:prSet presAssocID="{B6624BC9-1008-48E0-AE14-968E6E5F497E}" presName="sibTrans" presStyleLbl="sibTrans2D1" presStyleIdx="2" presStyleCnt="4"/>
+      <dgm:spPr/>
+    </dgm:pt>
+    <dgm:pt modelId="{4C49EDEF-F0A5-4A79-9BA4-95A923A18B5D}" type="pres">
+      <dgm:prSet presAssocID="{C247232F-3477-4227-9EAA-8F66FF3A4BA7}" presName="node" presStyleLbl="node1" presStyleIdx="3" presStyleCnt="4" custScaleX="178555" custScaleY="59302" custRadScaleRad="130786" custRadScaleInc="1169">
+        <dgm:presLayoutVars>
+          <dgm:bulletEnabled val="1"/>
+        </dgm:presLayoutVars>
+      </dgm:prSet>
+      <dgm:spPr>
+        <a:xfrm>
+          <a:off x="1514537" y="2861840"/>
+          <a:ext cx="2327458" cy="986399"/>
+        </a:xfrm>
+        <a:prstGeom prst="rect">
+          <a:avLst/>
+        </a:prstGeom>
+      </dgm:spPr>
+    </dgm:pt>
+    <dgm:pt modelId="{A35F2C57-920D-46FA-B417-7C8C3D4E5E73}" type="pres">
+      <dgm:prSet presAssocID="{C247232F-3477-4227-9EAA-8F66FF3A4BA7}" presName="dummy" presStyleCnt="0"/>
+      <dgm:spPr/>
+    </dgm:pt>
+    <dgm:pt modelId="{A7202487-72B4-44EB-8084-41E151A416F6}" type="pres">
+      <dgm:prSet presAssocID="{12921255-5D55-429C-AEDD-CE46A9FEDB47}" presName="sibTrans" presStyleLbl="sibTrans2D1" presStyleIdx="3" presStyleCnt="4"/>
+      <dgm:spPr/>
+    </dgm:pt>
+  </dgm:ptLst>
+  <dgm:cxnLst>
+    <dgm:cxn modelId="{53B56B0E-01B0-46A3-9806-528E4F9A3AA9}" srcId="{1ECC584D-FECE-45F7-9A75-706FC9CAF40A}" destId="{C247232F-3477-4227-9EAA-8F66FF3A4BA7}" srcOrd="3" destOrd="0" parTransId="{952D7585-BA81-4514-9431-43162C2C87B0}" sibTransId="{12921255-5D55-429C-AEDD-CE46A9FEDB47}"/>
+    <dgm:cxn modelId="{A297DA1D-E091-46A5-A2F1-5BFB0A2DF909}" type="presOf" srcId="{5D3DD6D8-F220-4FA4-BF8C-4A8E425732B9}" destId="{887049FB-F465-4DDC-B2F3-25872DDF58FB}" srcOrd="0" destOrd="0" presId="urn:microsoft.com/office/officeart/2005/8/layout/radial6"/>
+    <dgm:cxn modelId="{E73DA448-FEDA-4BF7-A245-E2EF32A908B4}" type="presOf" srcId="{B6624BC9-1008-48E0-AE14-968E6E5F497E}" destId="{2AA15D47-F471-43B4-9D02-06A6A46C28B0}" srcOrd="0" destOrd="0" presId="urn:microsoft.com/office/officeart/2005/8/layout/radial6"/>
+    <dgm:cxn modelId="{1EFCCE50-1487-4210-94B9-C07992CF0CF5}" type="presOf" srcId="{1ECC584D-FECE-45F7-9A75-706FC9CAF40A}" destId="{E70C087F-4B05-4C44-AC45-7D55B08A7ACB}" srcOrd="0" destOrd="0" presId="urn:microsoft.com/office/officeart/2005/8/layout/radial6"/>
+    <dgm:cxn modelId="{5C14AA54-58D9-4908-AACC-0020E1A8BD24}" type="presOf" srcId="{C247232F-3477-4227-9EAA-8F66FF3A4BA7}" destId="{4C49EDEF-F0A5-4A79-9BA4-95A923A18B5D}" srcOrd="0" destOrd="0" presId="urn:microsoft.com/office/officeart/2005/8/layout/radial6"/>
+    <dgm:cxn modelId="{554FE476-536B-44A4-8324-4A0CF70BDBB0}" srcId="{5D3DD6D8-F220-4FA4-BF8C-4A8E425732B9}" destId="{1ECC584D-FECE-45F7-9A75-706FC9CAF40A}" srcOrd="0" destOrd="0" parTransId="{726536BA-B44E-4288-9BD4-B61A74088FE4}" sibTransId="{70CF7FC1-E2A6-4797-804C-1BBCE7FB588F}"/>
+    <dgm:cxn modelId="{FF678B7E-FE6C-41DA-B109-1AF82882D887}" srcId="{1ECC584D-FECE-45F7-9A75-706FC9CAF40A}" destId="{8643104F-A69A-42A9-A501-C4EA1B26E00B}" srcOrd="2" destOrd="0" parTransId="{E196DA80-F618-46B1-95BE-F0CD68EF6EBF}" sibTransId="{B6624BC9-1008-48E0-AE14-968E6E5F497E}"/>
+    <dgm:cxn modelId="{FEBDB98F-5C3A-479B-9965-1C8B8776094C}" srcId="{1ECC584D-FECE-45F7-9A75-706FC9CAF40A}" destId="{C21A2741-1518-4DE4-AB4F-1F710650603F}" srcOrd="0" destOrd="0" parTransId="{7D6ED347-3AEE-4784-92FF-59598D7798D1}" sibTransId="{04B25AF1-90D4-49EB-89EE-57FA2088FD8E}"/>
+    <dgm:cxn modelId="{4CA6879B-4A6E-4E51-9D73-F79D71C6BE83}" type="presOf" srcId="{12921255-5D55-429C-AEDD-CE46A9FEDB47}" destId="{A7202487-72B4-44EB-8084-41E151A416F6}" srcOrd="0" destOrd="0" presId="urn:microsoft.com/office/officeart/2005/8/layout/radial6"/>
+    <dgm:cxn modelId="{2F24BC9E-1E3D-42AD-A142-2E2FF42824E3}" srcId="{1ECC584D-FECE-45F7-9A75-706FC9CAF40A}" destId="{0E3AC328-BF45-48B3-B295-A85781C5E063}" srcOrd="1" destOrd="0" parTransId="{AF5A0B93-3BA3-43F0-84DA-1505355F8B7D}" sibTransId="{51DDEBFB-21B9-47A8-9F8D-9ADFF3596F74}"/>
+    <dgm:cxn modelId="{C3F023AF-0C54-4782-A571-FA7535E1B9E2}" type="presOf" srcId="{C21A2741-1518-4DE4-AB4F-1F710650603F}" destId="{F6E2BC79-13D3-46F5-9E6F-B73120548878}" srcOrd="0" destOrd="0" presId="urn:microsoft.com/office/officeart/2005/8/layout/radial6"/>
+    <dgm:cxn modelId="{CCEC50C1-3733-4E88-AF2A-E073EFB982D7}" type="presOf" srcId="{51DDEBFB-21B9-47A8-9F8D-9ADFF3596F74}" destId="{2F906403-4419-49C6-B794-505F05ECEB4A}" srcOrd="0" destOrd="0" presId="urn:microsoft.com/office/officeart/2005/8/layout/radial6"/>
+    <dgm:cxn modelId="{05EA33D8-0F97-4A3D-BDAD-E1CD31938906}" type="presOf" srcId="{8643104F-A69A-42A9-A501-C4EA1B26E00B}" destId="{671D7F45-CFE4-41A9-A462-894B033F808B}" srcOrd="0" destOrd="0" presId="urn:microsoft.com/office/officeart/2005/8/layout/radial6"/>
+    <dgm:cxn modelId="{1BFF72DB-9B15-4609-B5FE-FEAC81871626}" type="presOf" srcId="{0E3AC328-BF45-48B3-B295-A85781C5E063}" destId="{64709227-0F2F-4A16-8B0F-E6350D9C7929}" srcOrd="0" destOrd="0" presId="urn:microsoft.com/office/officeart/2005/8/layout/radial6"/>
+    <dgm:cxn modelId="{D66711ED-19AC-456F-A5DB-14BAA7BCF68E}" type="presOf" srcId="{04B25AF1-90D4-49EB-89EE-57FA2088FD8E}" destId="{28DFA09C-2EBB-427E-8DFF-6BB11D6A1884}" srcOrd="0" destOrd="0" presId="urn:microsoft.com/office/officeart/2005/8/layout/radial6"/>
+    <dgm:cxn modelId="{F6F40320-366D-457F-9979-C9CDD9EC5F42}" type="presParOf" srcId="{887049FB-F465-4DDC-B2F3-25872DDF58FB}" destId="{E70C087F-4B05-4C44-AC45-7D55B08A7ACB}" srcOrd="0" destOrd="0" presId="urn:microsoft.com/office/officeart/2005/8/layout/radial6"/>
+    <dgm:cxn modelId="{19E9D072-1E2A-4019-8C7E-E9DC472073E8}" type="presParOf" srcId="{887049FB-F465-4DDC-B2F3-25872DDF58FB}" destId="{F6E2BC79-13D3-46F5-9E6F-B73120548878}" srcOrd="1" destOrd="0" presId="urn:microsoft.com/office/officeart/2005/8/layout/radial6"/>
+    <dgm:cxn modelId="{E9B81BA7-F2C5-4681-8715-535854FFEBEE}" type="presParOf" srcId="{887049FB-F465-4DDC-B2F3-25872DDF58FB}" destId="{55C43902-7EE7-474B-8E10-8FA1B10B56B7}" srcOrd="2" destOrd="0" presId="urn:microsoft.com/office/officeart/2005/8/layout/radial6"/>
+    <dgm:cxn modelId="{0C0E27D5-E75F-4A3E-B547-C2CFECC94A9E}" type="presParOf" srcId="{887049FB-F465-4DDC-B2F3-25872DDF58FB}" destId="{28DFA09C-2EBB-427E-8DFF-6BB11D6A1884}" srcOrd="3" destOrd="0" presId="urn:microsoft.com/office/officeart/2005/8/layout/radial6"/>
+    <dgm:cxn modelId="{8F1372C0-020C-49A7-96A1-6A67CA110637}" type="presParOf" srcId="{887049FB-F465-4DDC-B2F3-25872DDF58FB}" destId="{64709227-0F2F-4A16-8B0F-E6350D9C7929}" srcOrd="4" destOrd="0" presId="urn:microsoft.com/office/officeart/2005/8/layout/radial6"/>
+    <dgm:cxn modelId="{4B4DC1A5-BC4E-4522-962E-4ACFF0BCE989}" type="presParOf" srcId="{887049FB-F465-4DDC-B2F3-25872DDF58FB}" destId="{56F03925-D5A4-4C57-B31F-B2FFCA136362}" srcOrd="5" destOrd="0" presId="urn:microsoft.com/office/officeart/2005/8/layout/radial6"/>
+    <dgm:cxn modelId="{7D3ADFCA-941C-47F1-9FB8-C06FBF9424B9}" type="presParOf" srcId="{887049FB-F465-4DDC-B2F3-25872DDF58FB}" destId="{2F906403-4419-49C6-B794-505F05ECEB4A}" srcOrd="6" destOrd="0" presId="urn:microsoft.com/office/officeart/2005/8/layout/radial6"/>
+    <dgm:cxn modelId="{B941D0D3-CBD0-4184-8B6D-7F32A9650246}" type="presParOf" srcId="{887049FB-F465-4DDC-B2F3-25872DDF58FB}" destId="{671D7F45-CFE4-41A9-A462-894B033F808B}" srcOrd="7" destOrd="0" presId="urn:microsoft.com/office/officeart/2005/8/layout/radial6"/>
+    <dgm:cxn modelId="{C07A6423-AEEB-44BE-9253-887CAF2924C0}" type="presParOf" srcId="{887049FB-F465-4DDC-B2F3-25872DDF58FB}" destId="{BC87A005-077D-4052-9EDB-EB9E7804D9B0}" srcOrd="8" destOrd="0" presId="urn:microsoft.com/office/officeart/2005/8/layout/radial6"/>
+    <dgm:cxn modelId="{6442F2C0-B11B-4BAE-9C80-835CCB64C1A4}" type="presParOf" srcId="{887049FB-F465-4DDC-B2F3-25872DDF58FB}" destId="{2AA15D47-F471-43B4-9D02-06A6A46C28B0}" srcOrd="9" destOrd="0" presId="urn:microsoft.com/office/officeart/2005/8/layout/radial6"/>
+    <dgm:cxn modelId="{0FF3B680-9DC0-4BF9-BF21-68FC5B68D473}" type="presParOf" srcId="{887049FB-F465-4DDC-B2F3-25872DDF58FB}" destId="{4C49EDEF-F0A5-4A79-9BA4-95A923A18B5D}" srcOrd="10" destOrd="0" presId="urn:microsoft.com/office/officeart/2005/8/layout/radial6"/>
+    <dgm:cxn modelId="{D0555AE0-974D-4F19-9A83-7188C2768CA8}" type="presParOf" srcId="{887049FB-F465-4DDC-B2F3-25872DDF58FB}" destId="{A35F2C57-920D-46FA-B417-7C8C3D4E5E73}" srcOrd="11" destOrd="0" presId="urn:microsoft.com/office/officeart/2005/8/layout/radial6"/>
+    <dgm:cxn modelId="{10D6A9C0-6534-47CE-85D9-34466B42CEB5}" type="presParOf" srcId="{887049FB-F465-4DDC-B2F3-25872DDF58FB}" destId="{A7202487-72B4-44EB-8084-41E151A416F6}" srcOrd="12" destOrd="0" presId="urn:microsoft.com/office/officeart/2005/8/layout/radial6"/>
   </dgm:cxnLst>
   <dgm:bg/>
   <dgm:whole/>
@@ -1485,6 +2983,675 @@
       <dsp:txXfrm>
         <a:off x="3939035" y="4530762"/>
         <a:ext cx="1830704" cy="1294503"/>
+      </dsp:txXfrm>
+    </dsp:sp>
+  </dsp:spTree>
+</dsp:drawing>
+</file>
+
+<file path=ppt/diagrams/drawing2.xml><?xml version="1.0" encoding="utf-8"?>
+<dsp:drawing xmlns:dgm="http://schemas.openxmlformats.org/drawingml/2006/diagram" xmlns:dsp="http://schemas.microsoft.com/office/drawing/2008/diagram" xmlns:a="http://schemas.openxmlformats.org/drawingml/2006/main">
+  <dsp:spTree>
+    <dsp:nvGrpSpPr>
+      <dsp:cNvPr id="0" name=""/>
+      <dsp:cNvGrpSpPr/>
+    </dsp:nvGrpSpPr>
+    <dsp:grpSpPr/>
+    <dsp:sp modelId="{A7202487-72B4-44EB-8084-41E151A416F6}">
+      <dsp:nvSpPr>
+        <dsp:cNvPr id="0" name=""/>
+        <dsp:cNvSpPr/>
+      </dsp:nvSpPr>
+      <dsp:spPr>
+        <a:xfrm>
+          <a:off x="1674413" y="651769"/>
+          <a:ext cx="5160403" cy="5160403"/>
+        </a:xfrm>
+        <a:prstGeom prst="blockArc">
+          <a:avLst>
+            <a:gd name="adj1" fmla="val 10659614"/>
+            <a:gd name="adj2" fmla="val 17278743"/>
+            <a:gd name="adj3" fmla="val 4642"/>
+          </a:avLst>
+        </a:prstGeom>
+        <a:solidFill>
+          <a:schemeClr val="accent5">
+            <a:hueOff val="0"/>
+            <a:satOff val="0"/>
+            <a:lumOff val="0"/>
+            <a:alphaOff val="0"/>
+          </a:schemeClr>
+        </a:solidFill>
+        <a:ln>
+          <a:noFill/>
+        </a:ln>
+        <a:effectLst/>
+      </dsp:spPr>
+      <dsp:style>
+        <a:lnRef idx="0">
+          <a:scrgbClr r="0" g="0" b="0"/>
+        </a:lnRef>
+        <a:fillRef idx="1">
+          <a:scrgbClr r="0" g="0" b="0"/>
+        </a:fillRef>
+        <a:effectRef idx="0">
+          <a:scrgbClr r="0" g="0" b="0"/>
+        </a:effectRef>
+        <a:fontRef idx="minor">
+          <a:schemeClr val="lt1"/>
+        </a:fontRef>
+      </dsp:style>
+    </dsp:sp>
+    <dsp:sp modelId="{2AA15D47-F471-43B4-9D02-06A6A46C28B0}">
+      <dsp:nvSpPr>
+        <dsp:cNvPr id="0" name=""/>
+        <dsp:cNvSpPr/>
+      </dsp:nvSpPr>
+      <dsp:spPr>
+        <a:xfrm>
+          <a:off x="1672403" y="898560"/>
+          <a:ext cx="5160403" cy="5160403"/>
+        </a:xfrm>
+        <a:prstGeom prst="blockArc">
+          <a:avLst>
+            <a:gd name="adj1" fmla="val 4318374"/>
+            <a:gd name="adj2" fmla="val 10996385"/>
+            <a:gd name="adj3" fmla="val 4642"/>
+          </a:avLst>
+        </a:prstGeom>
+        <a:solidFill>
+          <a:schemeClr val="accent4">
+            <a:hueOff val="0"/>
+            <a:satOff val="0"/>
+            <a:lumOff val="0"/>
+            <a:alphaOff val="0"/>
+          </a:schemeClr>
+        </a:solidFill>
+        <a:ln>
+          <a:noFill/>
+        </a:ln>
+        <a:effectLst/>
+      </dsp:spPr>
+      <dsp:style>
+        <a:lnRef idx="0">
+          <a:scrgbClr r="0" g="0" b="0"/>
+        </a:lnRef>
+        <a:fillRef idx="1">
+          <a:scrgbClr r="0" g="0" b="0"/>
+        </a:fillRef>
+        <a:effectRef idx="0">
+          <a:scrgbClr r="0" g="0" b="0"/>
+        </a:effectRef>
+        <a:fontRef idx="minor">
+          <a:schemeClr val="lt1"/>
+        </a:fontRef>
+      </dsp:style>
+    </dsp:sp>
+    <dsp:sp modelId="{2F906403-4419-49C6-B794-505F05ECEB4A}">
+      <dsp:nvSpPr>
+        <dsp:cNvPr id="0" name=""/>
+        <dsp:cNvSpPr/>
+      </dsp:nvSpPr>
+      <dsp:spPr>
+        <a:xfrm>
+          <a:off x="3026493" y="841104"/>
+          <a:ext cx="5160403" cy="5160403"/>
+        </a:xfrm>
+        <a:prstGeom prst="blockArc">
+          <a:avLst>
+            <a:gd name="adj1" fmla="val 21482065"/>
+            <a:gd name="adj2" fmla="val 6190063"/>
+            <a:gd name="adj3" fmla="val 4642"/>
+          </a:avLst>
+        </a:prstGeom>
+        <a:solidFill>
+          <a:schemeClr val="accent3">
+            <a:hueOff val="0"/>
+            <a:satOff val="0"/>
+            <a:lumOff val="0"/>
+            <a:alphaOff val="0"/>
+          </a:schemeClr>
+        </a:solidFill>
+        <a:ln>
+          <a:noFill/>
+        </a:ln>
+        <a:effectLst/>
+      </dsp:spPr>
+      <dsp:style>
+        <a:lnRef idx="0">
+          <a:scrgbClr r="0" g="0" b="0"/>
+        </a:lnRef>
+        <a:fillRef idx="1">
+          <a:scrgbClr r="0" g="0" b="0"/>
+        </a:fillRef>
+        <a:effectRef idx="0">
+          <a:scrgbClr r="0" g="0" b="0"/>
+        </a:effectRef>
+        <a:fontRef idx="minor">
+          <a:schemeClr val="lt1"/>
+        </a:fontRef>
+      </dsp:style>
+    </dsp:sp>
+    <dsp:sp modelId="{28DFA09C-2EBB-427E-8DFF-6BB11D6A1884}">
+      <dsp:nvSpPr>
+        <dsp:cNvPr id="0" name=""/>
+        <dsp:cNvSpPr/>
+      </dsp:nvSpPr>
+      <dsp:spPr>
+        <a:xfrm>
+          <a:off x="3025427" y="708821"/>
+          <a:ext cx="5160403" cy="5160403"/>
+        </a:xfrm>
+        <a:prstGeom prst="blockArc">
+          <a:avLst>
+            <a:gd name="adj1" fmla="val 15411430"/>
+            <a:gd name="adj2" fmla="val 62526"/>
+            <a:gd name="adj3" fmla="val 4642"/>
+          </a:avLst>
+        </a:prstGeom>
+        <a:solidFill>
+          <a:schemeClr val="accent2">
+            <a:hueOff val="0"/>
+            <a:satOff val="0"/>
+            <a:lumOff val="0"/>
+            <a:alphaOff val="0"/>
+          </a:schemeClr>
+        </a:solidFill>
+        <a:ln>
+          <a:noFill/>
+        </a:ln>
+        <a:effectLst/>
+      </dsp:spPr>
+      <dsp:style>
+        <a:lnRef idx="0">
+          <a:scrgbClr r="0" g="0" b="0"/>
+        </a:lnRef>
+        <a:fillRef idx="1">
+          <a:scrgbClr r="0" g="0" b="0"/>
+        </a:fillRef>
+        <a:effectRef idx="0">
+          <a:scrgbClr r="0" g="0" b="0"/>
+        </a:effectRef>
+        <a:fontRef idx="minor">
+          <a:schemeClr val="lt1"/>
+        </a:fontRef>
+      </dsp:style>
+    </dsp:sp>
+    <dsp:sp modelId="{E70C087F-4B05-4C44-AC45-7D55B08A7ACB}">
+      <dsp:nvSpPr>
+        <dsp:cNvPr id="0" name=""/>
+        <dsp:cNvSpPr/>
+      </dsp:nvSpPr>
+      <dsp:spPr>
+        <a:xfrm>
+          <a:off x="3844453" y="2166933"/>
+          <a:ext cx="2376214" cy="2376214"/>
+        </a:xfrm>
+        <a:prstGeom prst="ellipse">
+          <a:avLst/>
+        </a:prstGeom>
+        <a:solidFill>
+          <a:schemeClr val="accent1">
+            <a:hueOff val="0"/>
+            <a:satOff val="0"/>
+            <a:lumOff val="0"/>
+            <a:alphaOff val="0"/>
+          </a:schemeClr>
+        </a:solidFill>
+        <a:ln w="12700" cap="flat" cmpd="sng" algn="ctr">
+          <a:solidFill>
+            <a:schemeClr val="lt1">
+              <a:hueOff val="0"/>
+              <a:satOff val="0"/>
+              <a:lumOff val="0"/>
+              <a:alphaOff val="0"/>
+            </a:schemeClr>
+          </a:solidFill>
+          <a:prstDash val="solid"/>
+          <a:miter lim="800000"/>
+        </a:ln>
+        <a:effectLst/>
+      </dsp:spPr>
+      <dsp:style>
+        <a:lnRef idx="2">
+          <a:scrgbClr r="0" g="0" b="0"/>
+        </a:lnRef>
+        <a:fillRef idx="1">
+          <a:scrgbClr r="0" g="0" b="0"/>
+        </a:fillRef>
+        <a:effectRef idx="0">
+          <a:scrgbClr r="0" g="0" b="0"/>
+        </a:effectRef>
+        <a:fontRef idx="minor">
+          <a:schemeClr val="lt1"/>
+        </a:fontRef>
+      </dsp:style>
+      <dsp:txBody>
+        <a:bodyPr spcFirstLastPara="0" vert="horz" wrap="square" lIns="35560" tIns="35560" rIns="35560" bIns="35560" numCol="1" spcCol="1270" anchor="ctr" anchorCtr="0">
+          <a:noAutofit/>
+        </a:bodyPr>
+        <a:lstStyle/>
+        <a:p>
+          <a:pPr marL="0" lvl="0" indent="0" algn="ctr" defTabSz="1244600">
+            <a:lnSpc>
+              <a:spcPct val="90000"/>
+            </a:lnSpc>
+            <a:spcBef>
+              <a:spcPct val="0"/>
+            </a:spcBef>
+            <a:spcAft>
+              <a:spcPct val="35000"/>
+            </a:spcAft>
+            <a:buNone/>
+          </a:pPr>
+          <a:r>
+            <a:rPr lang="en-US" sz="2800" kern="1200" dirty="0"/>
+            <a:t>Design Science Research DSR</a:t>
+          </a:r>
+        </a:p>
+      </dsp:txBody>
+      <dsp:txXfrm>
+        <a:off x="4192441" y="2514921"/>
+        <a:ext cx="1680238" cy="1680238"/>
+      </dsp:txXfrm>
+    </dsp:sp>
+    <dsp:sp modelId="{F6E2BC79-13D3-46F5-9E6F-B73120548878}">
+      <dsp:nvSpPr>
+        <dsp:cNvPr id="0" name=""/>
+        <dsp:cNvSpPr/>
+      </dsp:nvSpPr>
+      <dsp:spPr>
+        <a:xfrm>
+          <a:off x="3546989" y="341519"/>
+          <a:ext cx="2971142" cy="986399"/>
+        </a:xfrm>
+        <a:prstGeom prst="rect">
+          <a:avLst/>
+        </a:prstGeom>
+        <a:solidFill>
+          <a:schemeClr val="accent4"/>
+        </a:solidFill>
+        <a:ln w="12700" cap="flat" cmpd="sng" algn="ctr">
+          <a:noFill/>
+          <a:prstDash val="solid"/>
+          <a:miter lim="800000"/>
+        </a:ln>
+        <a:effectLst/>
+      </dsp:spPr>
+      <dsp:style>
+        <a:lnRef idx="2">
+          <a:scrgbClr r="0" g="0" b="0"/>
+        </a:lnRef>
+        <a:fillRef idx="1">
+          <a:scrgbClr r="0" g="0" b="0"/>
+        </a:fillRef>
+        <a:effectRef idx="0">
+          <a:scrgbClr r="0" g="0" b="0"/>
+        </a:effectRef>
+        <a:fontRef idx="minor">
+          <a:schemeClr val="lt1"/>
+        </a:fontRef>
+      </dsp:style>
+      <dsp:txBody>
+        <a:bodyPr spcFirstLastPara="0" vert="horz" wrap="square" lIns="19050" tIns="19050" rIns="19050" bIns="19050" numCol="1" spcCol="1270" anchor="ctr" anchorCtr="0">
+          <a:noAutofit/>
+        </a:bodyPr>
+        <a:lstStyle/>
+        <a:p>
+          <a:pPr marL="0" lvl="0" indent="0" algn="ctr" defTabSz="666750">
+            <a:lnSpc>
+              <a:spcPct val="90000"/>
+            </a:lnSpc>
+            <a:spcBef>
+              <a:spcPct val="0"/>
+            </a:spcBef>
+            <a:spcAft>
+              <a:spcPct val="35000"/>
+            </a:spcAft>
+            <a:buNone/>
+          </a:pPr>
+          <a:r>
+            <a:rPr lang="en-US" sz="1500" b="1" kern="1200" dirty="0">
+              <a:solidFill>
+                <a:prstClr val="white"/>
+              </a:solidFill>
+              <a:latin typeface="Calibri" panose="020F0502020204030204"/>
+              <a:ea typeface="+mn-ea"/>
+              <a:cs typeface="+mn-cs"/>
+            </a:rPr>
+            <a:t>Model Driven Architecture</a:t>
+          </a:r>
+        </a:p>
+        <a:p>
+          <a:pPr marL="0" lvl="0" indent="0" algn="ctr" defTabSz="666750">
+            <a:lnSpc>
+              <a:spcPct val="90000"/>
+            </a:lnSpc>
+            <a:spcBef>
+              <a:spcPct val="0"/>
+            </a:spcBef>
+            <a:spcAft>
+              <a:spcPct val="35000"/>
+            </a:spcAft>
+            <a:buNone/>
+          </a:pPr>
+          <a:r>
+            <a:rPr lang="en-US" sz="1500" kern="1200" dirty="0">
+              <a:solidFill>
+                <a:prstClr val="white"/>
+              </a:solidFill>
+              <a:latin typeface="Calibri" panose="020F0502020204030204"/>
+              <a:ea typeface="+mn-ea"/>
+              <a:cs typeface="+mn-cs"/>
+            </a:rPr>
+            <a:t>The modeling of structural,  behavioral and component  of the proposed system</a:t>
+          </a:r>
+        </a:p>
+      </dsp:txBody>
+      <dsp:txXfrm>
+        <a:off x="3546989" y="341519"/>
+        <a:ext cx="2971142" cy="986399"/>
+      </dsp:txXfrm>
+    </dsp:sp>
+    <dsp:sp modelId="{64709227-0F2F-4A16-8B0F-E6350D9C7929}">
+      <dsp:nvSpPr>
+        <dsp:cNvPr id="0" name=""/>
+        <dsp:cNvSpPr/>
+      </dsp:nvSpPr>
+      <dsp:spPr>
+        <a:xfrm>
+          <a:off x="6640537" y="2841661"/>
+          <a:ext cx="2969994" cy="986399"/>
+        </a:xfrm>
+        <a:prstGeom prst="rect">
+          <a:avLst/>
+        </a:prstGeom>
+        <a:solidFill>
+          <a:srgbClr val="5B9BD5">
+            <a:hueOff val="0"/>
+            <a:satOff val="0"/>
+            <a:lumOff val="0"/>
+            <a:alphaOff val="0"/>
+          </a:srgbClr>
+        </a:solidFill>
+        <a:ln w="12700" cap="flat" cmpd="sng" algn="ctr">
+          <a:noFill/>
+          <a:prstDash val="solid"/>
+          <a:miter lim="800000"/>
+        </a:ln>
+        <a:effectLst/>
+      </dsp:spPr>
+      <dsp:style>
+        <a:lnRef idx="2">
+          <a:scrgbClr r="0" g="0" b="0"/>
+        </a:lnRef>
+        <a:fillRef idx="1">
+          <a:scrgbClr r="0" g="0" b="0"/>
+        </a:fillRef>
+        <a:effectRef idx="0">
+          <a:scrgbClr r="0" g="0" b="0"/>
+        </a:effectRef>
+        <a:fontRef idx="minor">
+          <a:schemeClr val="lt1"/>
+        </a:fontRef>
+      </dsp:style>
+      <dsp:txBody>
+        <a:bodyPr spcFirstLastPara="0" vert="horz" wrap="square" lIns="19050" tIns="19050" rIns="19050" bIns="19050" numCol="1" spcCol="1270" anchor="ctr" anchorCtr="0">
+          <a:noAutofit/>
+        </a:bodyPr>
+        <a:lstStyle/>
+        <a:p>
+          <a:pPr marL="0" lvl="0" indent="0" algn="ctr" defTabSz="666750">
+            <a:lnSpc>
+              <a:spcPct val="90000"/>
+            </a:lnSpc>
+            <a:spcBef>
+              <a:spcPct val="0"/>
+            </a:spcBef>
+            <a:spcAft>
+              <a:spcPct val="35000"/>
+            </a:spcAft>
+            <a:buNone/>
+          </a:pPr>
+          <a:r>
+            <a:rPr lang="en-US" sz="1500" b="1" kern="1200" dirty="0">
+              <a:solidFill>
+                <a:prstClr val="white"/>
+              </a:solidFill>
+              <a:latin typeface="Calibri" panose="020F0502020204030204"/>
+              <a:ea typeface="+mn-ea"/>
+              <a:cs typeface="+mn-cs"/>
+            </a:rPr>
+            <a:t>Experimental Method</a:t>
+          </a:r>
+        </a:p>
+        <a:p>
+          <a:pPr marL="0" lvl="0" indent="0" algn="ctr" defTabSz="666750">
+            <a:lnSpc>
+              <a:spcPct val="90000"/>
+            </a:lnSpc>
+            <a:spcBef>
+              <a:spcPct val="0"/>
+            </a:spcBef>
+            <a:spcAft>
+              <a:spcPct val="35000"/>
+            </a:spcAft>
+            <a:buNone/>
+          </a:pPr>
+          <a:r>
+            <a:rPr lang="en-US" sz="1500" b="0" kern="1200" dirty="0">
+              <a:solidFill>
+                <a:prstClr val="white"/>
+              </a:solidFill>
+              <a:latin typeface="Calibri" panose="020F0502020204030204"/>
+              <a:ea typeface="+mn-ea"/>
+              <a:cs typeface="+mn-cs"/>
+            </a:rPr>
+            <a:t>conducting prototyping experiments to validate and assess our proposal</a:t>
+          </a:r>
+        </a:p>
+      </dsp:txBody>
+      <dsp:txXfrm>
+        <a:off x="6640537" y="2841661"/>
+        <a:ext cx="2969994" cy="986399"/>
+      </dsp:txXfrm>
+    </dsp:sp>
+    <dsp:sp modelId="{671D7F45-CFE4-41A9-A462-894B033F808B}">
+      <dsp:nvSpPr>
+        <dsp:cNvPr id="0" name=""/>
+        <dsp:cNvSpPr/>
+      </dsp:nvSpPr>
+      <dsp:spPr>
+        <a:xfrm>
+          <a:off x="3547563" y="5382161"/>
+          <a:ext cx="2969994" cy="986399"/>
+        </a:xfrm>
+        <a:prstGeom prst="rect">
+          <a:avLst/>
+        </a:prstGeom>
+        <a:solidFill>
+          <a:schemeClr val="accent2"/>
+        </a:solidFill>
+        <a:ln w="12700" cap="flat" cmpd="sng" algn="ctr">
+          <a:noFill/>
+          <a:prstDash val="solid"/>
+          <a:miter lim="800000"/>
+        </a:ln>
+        <a:effectLst/>
+      </dsp:spPr>
+      <dsp:style>
+        <a:lnRef idx="2">
+          <a:scrgbClr r="0" g="0" b="0"/>
+        </a:lnRef>
+        <a:fillRef idx="1">
+          <a:scrgbClr r="0" g="0" b="0"/>
+        </a:fillRef>
+        <a:effectRef idx="0">
+          <a:scrgbClr r="0" g="0" b="0"/>
+        </a:effectRef>
+        <a:fontRef idx="minor">
+          <a:schemeClr val="lt1"/>
+        </a:fontRef>
+      </dsp:style>
+      <dsp:txBody>
+        <a:bodyPr spcFirstLastPara="0" vert="horz" wrap="square" lIns="19050" tIns="19050" rIns="19050" bIns="19050" numCol="1" spcCol="1270" anchor="ctr" anchorCtr="0">
+          <a:noAutofit/>
+        </a:bodyPr>
+        <a:lstStyle/>
+        <a:p>
+          <a:pPr marL="0" lvl="0" indent="0" algn="ctr" defTabSz="666750">
+            <a:lnSpc>
+              <a:spcPct val="90000"/>
+            </a:lnSpc>
+            <a:spcBef>
+              <a:spcPct val="0"/>
+            </a:spcBef>
+            <a:spcAft>
+              <a:spcPct val="35000"/>
+            </a:spcAft>
+            <a:buNone/>
+          </a:pPr>
+          <a:r>
+            <a:rPr lang="en-US" sz="1500" b="1" kern="1200" dirty="0">
+              <a:solidFill>
+                <a:prstClr val="white"/>
+              </a:solidFill>
+              <a:latin typeface="Calibri" panose="020F0502020204030204"/>
+              <a:ea typeface="+mn-ea"/>
+              <a:cs typeface="+mn-cs"/>
+            </a:rPr>
+            <a:t>Literature survey</a:t>
+          </a:r>
+        </a:p>
+        <a:p>
+          <a:pPr marL="0" lvl="0" indent="0" algn="ctr" defTabSz="666750">
+            <a:lnSpc>
+              <a:spcPct val="90000"/>
+            </a:lnSpc>
+            <a:spcBef>
+              <a:spcPct val="0"/>
+            </a:spcBef>
+            <a:spcAft>
+              <a:spcPct val="35000"/>
+            </a:spcAft>
+            <a:buNone/>
+          </a:pPr>
+          <a:r>
+            <a:rPr lang="en-US" sz="1500" kern="1200" dirty="0">
+              <a:solidFill>
+                <a:prstClr val="white"/>
+              </a:solidFill>
+              <a:latin typeface="Calibri" panose="020F0502020204030204"/>
+              <a:ea typeface="+mn-ea"/>
+              <a:cs typeface="+mn-cs"/>
+            </a:rPr>
+            <a:t>examination of the literature in order to identify gaps, and develop research questions.</a:t>
+          </a:r>
+        </a:p>
+      </dsp:txBody>
+      <dsp:txXfrm>
+        <a:off x="3547563" y="5382161"/>
+        <a:ext cx="2969994" cy="986399"/>
+      </dsp:txXfrm>
+    </dsp:sp>
+    <dsp:sp modelId="{4C49EDEF-F0A5-4A79-9BA4-95A923A18B5D}">
+      <dsp:nvSpPr>
+        <dsp:cNvPr id="0" name=""/>
+        <dsp:cNvSpPr/>
+      </dsp:nvSpPr>
+      <dsp:spPr>
+        <a:xfrm>
+          <a:off x="251398" y="2841664"/>
+          <a:ext cx="2969994" cy="986399"/>
+        </a:xfrm>
+        <a:prstGeom prst="rect">
+          <a:avLst/>
+        </a:prstGeom>
+        <a:solidFill>
+          <a:schemeClr val="bg1">
+            <a:lumMod val="65000"/>
+          </a:schemeClr>
+        </a:solidFill>
+        <a:ln w="12700" cap="flat" cmpd="sng" algn="ctr">
+          <a:noFill/>
+          <a:prstDash val="solid"/>
+          <a:miter lim="800000"/>
+        </a:ln>
+        <a:effectLst/>
+      </dsp:spPr>
+      <dsp:style>
+        <a:lnRef idx="2">
+          <a:scrgbClr r="0" g="0" b="0"/>
+        </a:lnRef>
+        <a:fillRef idx="1">
+          <a:scrgbClr r="0" g="0" b="0"/>
+        </a:fillRef>
+        <a:effectRef idx="0">
+          <a:scrgbClr r="0" g="0" b="0"/>
+        </a:effectRef>
+        <a:fontRef idx="minor">
+          <a:schemeClr val="lt1"/>
+        </a:fontRef>
+      </dsp:style>
+      <dsp:txBody>
+        <a:bodyPr spcFirstLastPara="0" vert="horz" wrap="square" lIns="19050" tIns="19050" rIns="19050" bIns="19050" numCol="1" spcCol="1270" anchor="ctr" anchorCtr="0">
+          <a:noAutofit/>
+        </a:bodyPr>
+        <a:lstStyle/>
+        <a:p>
+          <a:pPr marL="0" lvl="0" indent="0" algn="ctr" defTabSz="666750">
+            <a:lnSpc>
+              <a:spcPct val="90000"/>
+            </a:lnSpc>
+            <a:spcBef>
+              <a:spcPct val="0"/>
+            </a:spcBef>
+            <a:spcAft>
+              <a:spcPct val="35000"/>
+            </a:spcAft>
+            <a:buNone/>
+          </a:pPr>
+          <a:r>
+            <a:rPr lang="en-US" sz="1500" b="1" kern="1200" dirty="0">
+              <a:solidFill>
+                <a:prstClr val="white"/>
+              </a:solidFill>
+              <a:latin typeface="Calibri" panose="020F0502020204030204"/>
+              <a:ea typeface="+mn-ea"/>
+              <a:cs typeface="+mn-cs"/>
+            </a:rPr>
+            <a:t>Simulation Method</a:t>
+          </a:r>
+        </a:p>
+        <a:p>
+          <a:pPr marL="0" lvl="0" indent="0" algn="ctr" defTabSz="666750">
+            <a:lnSpc>
+              <a:spcPct val="90000"/>
+            </a:lnSpc>
+            <a:spcBef>
+              <a:spcPct val="0"/>
+            </a:spcBef>
+            <a:spcAft>
+              <a:spcPct val="35000"/>
+            </a:spcAft>
+            <a:buNone/>
+          </a:pPr>
+          <a:r>
+            <a:rPr lang="en-US" sz="1500" b="0" kern="1200" dirty="0">
+              <a:solidFill>
+                <a:prstClr val="white"/>
+              </a:solidFill>
+              <a:latin typeface="Calibri" panose="020F0502020204030204"/>
+              <a:ea typeface="+mn-ea"/>
+              <a:cs typeface="+mn-cs"/>
+            </a:rPr>
+            <a:t>Simulate, explore, and predict NLP dataset and analyze reviews Data </a:t>
+          </a:r>
+        </a:p>
+      </dsp:txBody>
+      <dsp:txXfrm>
+        <a:off x="251398" y="2841664"/>
+        <a:ext cx="2969994" cy="986399"/>
       </dsp:txXfrm>
     </dsp:sp>
   </dsp:spTree>
@@ -2153,6 +4320,413 @@
 </dgm:layoutDef>
 </file>
 
+<file path=ppt/diagrams/layout2.xml><?xml version="1.0" encoding="utf-8"?>
+<dgm:layoutDef xmlns:dgm="http://schemas.openxmlformats.org/drawingml/2006/diagram" xmlns:a="http://schemas.openxmlformats.org/drawingml/2006/main" uniqueId="urn:microsoft.com/office/officeart/2005/8/layout/radial6">
+  <dgm:title val=""/>
+  <dgm:desc val=""/>
+  <dgm:catLst>
+    <dgm:cat type="cycle" pri="9000"/>
+    <dgm:cat type="relationship" pri="21000"/>
+  </dgm:catLst>
+  <dgm:sampData>
+    <dgm:dataModel>
+      <dgm:ptLst>
+        <dgm:pt modelId="0" type="doc"/>
+        <dgm:pt modelId="1">
+          <dgm:prSet phldr="1"/>
+        </dgm:pt>
+        <dgm:pt modelId="11">
+          <dgm:prSet phldr="1"/>
+        </dgm:pt>
+        <dgm:pt modelId="12">
+          <dgm:prSet phldr="1"/>
+        </dgm:pt>
+        <dgm:pt modelId="13">
+          <dgm:prSet phldr="1"/>
+        </dgm:pt>
+        <dgm:pt modelId="14">
+          <dgm:prSet phldr="1"/>
+        </dgm:pt>
+      </dgm:ptLst>
+      <dgm:cxnLst>
+        <dgm:cxn modelId="2" srcId="0" destId="1" srcOrd="0" destOrd="0"/>
+        <dgm:cxn modelId="3" srcId="1" destId="11" srcOrd="0" destOrd="0"/>
+        <dgm:cxn modelId="4" srcId="1" destId="12" srcOrd="1" destOrd="0"/>
+        <dgm:cxn modelId="5" srcId="1" destId="13" srcOrd="2" destOrd="0"/>
+        <dgm:cxn modelId="6" srcId="1" destId="14" srcOrd="3" destOrd="0"/>
+      </dgm:cxnLst>
+      <dgm:bg/>
+      <dgm:whole/>
+    </dgm:dataModel>
+  </dgm:sampData>
+  <dgm:styleData>
+    <dgm:dataModel>
+      <dgm:ptLst>
+        <dgm:pt modelId="0" type="doc"/>
+        <dgm:pt modelId="1"/>
+        <dgm:pt modelId="11"/>
+        <dgm:pt modelId="12"/>
+        <dgm:pt modelId="13"/>
+      </dgm:ptLst>
+      <dgm:cxnLst>
+        <dgm:cxn modelId="2" srcId="0" destId="1" srcOrd="0" destOrd="0"/>
+        <dgm:cxn modelId="15" srcId="1" destId="11" srcOrd="0" destOrd="0"/>
+        <dgm:cxn modelId="16" srcId="1" destId="12" srcOrd="1" destOrd="0"/>
+        <dgm:cxn modelId="17" srcId="1" destId="13" srcOrd="2" destOrd="0"/>
+      </dgm:cxnLst>
+      <dgm:bg/>
+      <dgm:whole/>
+    </dgm:dataModel>
+  </dgm:styleData>
+  <dgm:clrData>
+    <dgm:dataModel>
+      <dgm:ptLst>
+        <dgm:pt modelId="0" type="doc"/>
+        <dgm:pt modelId="1"/>
+        <dgm:pt modelId="11"/>
+        <dgm:pt modelId="12"/>
+        <dgm:pt modelId="13"/>
+        <dgm:pt modelId="14"/>
+        <dgm:pt modelId="15"/>
+        <dgm:pt modelId="16"/>
+      </dgm:ptLst>
+      <dgm:cxnLst>
+        <dgm:cxn modelId="2" srcId="0" destId="1" srcOrd="0" destOrd="0"/>
+        <dgm:cxn modelId="16" srcId="1" destId="11" srcOrd="0" destOrd="0"/>
+        <dgm:cxn modelId="17" srcId="1" destId="12" srcOrd="1" destOrd="0"/>
+        <dgm:cxn modelId="18" srcId="1" destId="13" srcOrd="2" destOrd="0"/>
+        <dgm:cxn modelId="19" srcId="1" destId="14" srcOrd="3" destOrd="0"/>
+        <dgm:cxn modelId="20" srcId="1" destId="15" srcOrd="4" destOrd="0"/>
+        <dgm:cxn modelId="21" srcId="1" destId="16" srcOrd="5" destOrd="0"/>
+      </dgm:cxnLst>
+      <dgm:bg/>
+      <dgm:whole/>
+    </dgm:dataModel>
+  </dgm:clrData>
+  <dgm:layoutNode name="Name0">
+    <dgm:varLst>
+      <dgm:chMax val="1"/>
+      <dgm:dir/>
+      <dgm:animLvl val="ctr"/>
+      <dgm:resizeHandles val="exact"/>
+    </dgm:varLst>
+    <dgm:choose name="Name1">
+      <dgm:if name="Name2" func="var" arg="dir" op="equ" val="norm">
+        <dgm:choose name="Name3">
+          <dgm:if name="Name4" axis="ch ch" ptType="node node" st="1 1" cnt="1 0" func="cnt" op="lte" val="1">
+            <dgm:alg type="cycle">
+              <dgm:param type="stAng" val="90"/>
+              <dgm:param type="spanAng" val="360"/>
+              <dgm:param type="ctrShpMap" val="fNode"/>
+            </dgm:alg>
+          </dgm:if>
+          <dgm:else name="Name5">
+            <dgm:alg type="cycle">
+              <dgm:param type="stAng" val="0"/>
+              <dgm:param type="spanAng" val="360"/>
+              <dgm:param type="ctrShpMap" val="fNode"/>
+            </dgm:alg>
+          </dgm:else>
+        </dgm:choose>
+      </dgm:if>
+      <dgm:else name="Name6">
+        <dgm:choose name="Name7">
+          <dgm:if name="Name8" axis="ch ch" ptType="node node" st="1 1" cnt="1 0" func="cnt" op="lte" val="1">
+            <dgm:alg type="cycle">
+              <dgm:param type="stAng" val="-90"/>
+              <dgm:param type="spanAng" val="360"/>
+              <dgm:param type="ctrShpMap" val="fNode"/>
+            </dgm:alg>
+          </dgm:if>
+          <dgm:else name="Name9">
+            <dgm:alg type="cycle">
+              <dgm:param type="stAng" val="0"/>
+              <dgm:param type="spanAng" val="-360"/>
+              <dgm:param type="ctrShpMap" val="fNode"/>
+            </dgm:alg>
+          </dgm:else>
+        </dgm:choose>
+      </dgm:else>
+    </dgm:choose>
+    <dgm:shape xmlns:r="http://schemas.openxmlformats.org/officeDocument/2006/relationships" r:blip="">
+      <dgm:adjLst/>
+    </dgm:shape>
+    <dgm:presOf/>
+    <dgm:choose name="Name10">
+      <dgm:if name="Name11" func="var" arg="dir" op="equ" val="norm">
+        <dgm:choose name="Name12">
+          <dgm:if name="Name13" axis="ch ch" ptType="node node" st="1 1" cnt="1 0" func="cnt" op="equ" val="1">
+            <dgm:constrLst>
+              <dgm:constr type="diam" val="170"/>
+              <dgm:constr type="w" for="ch" forName="centerShape" refType="w"/>
+              <dgm:constr type="w" for="ch" forName="oneComp" refType="w" refFor="ch" refForName="centerShape" op="equ" fact="0.7"/>
+              <dgm:constr type="sp" refType="w" refFor="ch" refForName="oneComp" fact="0.3"/>
+              <dgm:constr type="sibSp" refType="w" refFor="ch" refForName="oneComp" fact="0.3"/>
+              <dgm:constr type="primFontSz" for="ch" forName="centerShape" val="65"/>
+              <dgm:constr type="primFontSz" for="des" forName="oneNode" refType="primFontSz" refFor="ch" refForName="centerShape" fact="0.95"/>
+              <dgm:constr type="primFontSz" for="des" forName="oneNode" refType="primFontSz" refFor="ch" refForName="centerShape" op="lte" fact="0.95"/>
+              <dgm:constr type="diam" for="ch" forName="singleconn" refType="diam" op="equ" fact="-1"/>
+              <dgm:constr type="h" for="ch" forName="singleconn" refType="w" refFor="ch" refForName="oneComp" fact="0.24"/>
+              <dgm:constr type="w" for="ch" forName="dummya" refType="w" refFor="ch" refForName="oneComp" op="equ"/>
+              <dgm:constr type="w" for="ch" forName="dummyb" refType="w" refFor="ch" refForName="oneComp" op="equ"/>
+              <dgm:constr type="w" for="ch" forName="dummyc" refType="w" refFor="ch" refForName="oneComp" op="equ"/>
+            </dgm:constrLst>
+          </dgm:if>
+          <dgm:else name="Name14">
+            <dgm:constrLst>
+              <dgm:constr type="diam" val="170"/>
+              <dgm:constr type="w" for="ch" forName="centerShape" refType="w"/>
+              <dgm:constr type="w" for="ch" forName="node" refType="w" refFor="ch" refForName="centerShape" op="equ" fact="0.7"/>
+              <dgm:constr type="sp" refType="w" refFor="ch" refForName="node" fact="0.3"/>
+              <dgm:constr type="sibSp" refType="w" refFor="ch" refForName="node" fact="0.3"/>
+              <dgm:constr type="primFontSz" for="ch" forName="centerShape" val="65"/>
+              <dgm:constr type="primFontSz" for="des" forName="node" refType="primFontSz" refFor="ch" refForName="centerShape" fact="0.78"/>
+              <dgm:constr type="primFontSz" for="ch" forName="node" refType="primFontSz" refFor="ch" refForName="centerShape" op="lte" fact="0.95"/>
+              <dgm:constr type="diam" for="ch" forName="sibTrans" refType="diam" op="equ"/>
+              <dgm:constr type="h" for="ch" forName="sibTrans" refType="w" refFor="ch" refForName="node" fact="0.24"/>
+              <dgm:constr type="w" for="ch" forName="dummy" val="1"/>
+            </dgm:constrLst>
+          </dgm:else>
+        </dgm:choose>
+      </dgm:if>
+      <dgm:else name="Name15">
+        <dgm:choose name="Name16">
+          <dgm:if name="Name17" axis="ch ch" ptType="node node" st="1 1" cnt="1 0" func="cnt" op="equ" val="1">
+            <dgm:constrLst>
+              <dgm:constr type="diam" val="170"/>
+              <dgm:constr type="w" for="ch" forName="centerShape" refType="w"/>
+              <dgm:constr type="w" for="ch" forName="oneComp" refType="w" refFor="ch" refForName="centerShape" op="equ" fact="0.7"/>
+              <dgm:constr type="sp" refType="w" refFor="ch" refForName="oneComp" fact="0.3"/>
+              <dgm:constr type="sibSp" refType="w" refFor="ch" refForName="oneComp" fact="0.3"/>
+              <dgm:constr type="primFontSz" for="ch" forName="centerShape" val="65"/>
+              <dgm:constr type="primFontSz" for="des" forName="oneNode" refType="primFontSz" refFor="ch" refForName="centerShape" fact="0.95"/>
+              <dgm:constr type="primFontSz" for="ch" forName="oneNode" refType="primFontSz" refFor="ch" refForName="centerShape" op="lte" fact="0.95"/>
+              <dgm:constr type="diam" for="ch" forName="singleconn" refType="diam"/>
+              <dgm:constr type="h" for="ch" forName="singleconn" refType="w" refFor="ch" refForName="oneComp" fact="0.24"/>
+              <dgm:constr type="diam" for="ch" refType="diam" op="equ"/>
+              <dgm:constr type="w" for="ch" forName="dummya" refType="w" refFor="ch" refForName="oneComp" op="equ"/>
+              <dgm:constr type="w" for="ch" forName="dummyb" refType="w" refFor="ch" refForName="oneComp" op="equ"/>
+              <dgm:constr type="w" for="ch" forName="dummyc" refType="w" refFor="ch" refForName="oneComp" op="equ"/>
+            </dgm:constrLst>
+          </dgm:if>
+          <dgm:else name="Name18">
+            <dgm:constrLst>
+              <dgm:constr type="diam" val="170"/>
+              <dgm:constr type="w" for="ch" forName="centerShape" refType="w"/>
+              <dgm:constr type="w" for="ch" forName="node" refType="w" refFor="ch" refForName="centerShape" op="equ" fact="0.7"/>
+              <dgm:constr type="sp" refType="w" refFor="ch" refForName="node" fact="0.3"/>
+              <dgm:constr type="sibSp" refType="w" refFor="ch" refForName="node" fact="0.3"/>
+              <dgm:constr type="primFontSz" for="ch" forName="centerShape" val="65"/>
+              <dgm:constr type="primFontSz" for="des" forName="node" refType="primFontSz" refFor="ch" refForName="centerShape" fact="0.78"/>
+              <dgm:constr type="primFontSz" for="ch" forName="node" refType="primFontSz" refFor="ch" refForName="centerShape" op="lte" fact="0.95"/>
+              <dgm:constr type="diam" for="ch" ptType="sibTrans" refType="diam" fact="-1"/>
+              <dgm:constr type="h" for="ch" forName="sibTrans" refType="w" refFor="ch" refForName="node" fact="0.24"/>
+              <dgm:constr type="diam" for="ch" refType="diam" op="equ" fact="-1"/>
+              <dgm:constr type="w" for="ch" forName="dummy" val="1"/>
+            </dgm:constrLst>
+          </dgm:else>
+        </dgm:choose>
+      </dgm:else>
+    </dgm:choose>
+    <dgm:ruleLst>
+      <dgm:rule type="diam" val="INF" fact="NaN" max="NaN"/>
+    </dgm:ruleLst>
+    <dgm:forEach name="Name19" axis="ch" ptType="node" cnt="1">
+      <dgm:layoutNode name="centerShape" styleLbl="node0">
+        <dgm:alg type="tx"/>
+        <dgm:shape xmlns:r="http://schemas.openxmlformats.org/officeDocument/2006/relationships" type="ellipse" r:blip="">
+          <dgm:adjLst/>
+        </dgm:shape>
+        <dgm:presOf axis="self"/>
+        <dgm:constrLst>
+          <dgm:constr type="h" refType="w"/>
+          <dgm:constr type="tMarg" refType="primFontSz" fact="0.1"/>
+          <dgm:constr type="bMarg" refType="primFontSz" fact="0.1"/>
+          <dgm:constr type="lMarg" refType="primFontSz" fact="0.1"/>
+          <dgm:constr type="rMarg" refType="primFontSz" fact="0.1"/>
+        </dgm:constrLst>
+        <dgm:ruleLst>
+          <dgm:rule type="primFontSz" val="5" fact="NaN" max="NaN"/>
+        </dgm:ruleLst>
+      </dgm:layoutNode>
+      <dgm:forEach name="Name20" axis="ch">
+        <dgm:forEach name="Name21" axis="self" ptType="node">
+          <dgm:choose name="Name22">
+            <dgm:if name="Name23" axis="par ch" ptType="node node" func="cnt" op="gt" val="1">
+              <dgm:layoutNode name="node" styleLbl="node1">
+                <dgm:varLst>
+                  <dgm:bulletEnabled val="1"/>
+                </dgm:varLst>
+                <dgm:alg type="tx">
+                  <dgm:param type="txAnchorVertCh" val="mid"/>
+                </dgm:alg>
+                <dgm:shape xmlns:r="http://schemas.openxmlformats.org/officeDocument/2006/relationships" type="ellipse" r:blip="">
+                  <dgm:adjLst/>
+                </dgm:shape>
+                <dgm:presOf axis="desOrSelf" ptType="node"/>
+                <dgm:constrLst>
+                  <dgm:constr type="h" refType="w"/>
+                  <dgm:constr type="tMarg" refType="primFontSz" fact="0.1"/>
+                  <dgm:constr type="bMarg" refType="primFontSz" fact="0.1"/>
+                  <dgm:constr type="lMarg" refType="primFontSz" fact="0.1"/>
+                  <dgm:constr type="rMarg" refType="primFontSz" fact="0.1"/>
+                </dgm:constrLst>
+                <dgm:ruleLst>
+                  <dgm:rule type="primFontSz" val="5" fact="NaN" max="NaN"/>
+                </dgm:ruleLst>
+              </dgm:layoutNode>
+              <dgm:layoutNode name="dummy">
+                <dgm:alg type="sp"/>
+                <dgm:shape xmlns:r="http://schemas.openxmlformats.org/officeDocument/2006/relationships" r:blip="">
+                  <dgm:adjLst/>
+                </dgm:shape>
+                <dgm:presOf/>
+                <dgm:constrLst>
+                  <dgm:constr type="h" refType="w"/>
+                </dgm:constrLst>
+                <dgm:ruleLst/>
+              </dgm:layoutNode>
+              <dgm:forEach name="sibTransForEach" axis="followSib" ptType="sibTrans" hideLastTrans="0" cnt="1">
+                <dgm:layoutNode name="sibTrans" styleLbl="sibTrans2D1">
+                  <dgm:alg type="conn">
+                    <dgm:param type="connRout" val="curve"/>
+                    <dgm:param type="begPts" val="ctr"/>
+                    <dgm:param type="endPts" val="ctr"/>
+                    <dgm:param type="begSty" val="noArr"/>
+                    <dgm:param type="endSty" val="noArr"/>
+                    <dgm:param type="dstNode" val="node"/>
+                  </dgm:alg>
+                  <dgm:shape xmlns:r="http://schemas.openxmlformats.org/officeDocument/2006/relationships" type="conn" r:blip="" zOrderOff="-999">
+                    <dgm:adjLst/>
+                  </dgm:shape>
+                  <dgm:presOf axis="self"/>
+                  <dgm:constrLst>
+                    <dgm:constr type="begPad"/>
+                    <dgm:constr type="endPad"/>
+                  </dgm:constrLst>
+                  <dgm:ruleLst/>
+                </dgm:layoutNode>
+              </dgm:forEach>
+            </dgm:if>
+            <dgm:if name="Name24" axis="par ch" ptType="node node" func="cnt" op="equ" val="1">
+              <dgm:layoutNode name="oneComp">
+                <dgm:alg type="composite">
+                  <dgm:param type="ar" val="1"/>
+                </dgm:alg>
+                <dgm:shape xmlns:r="http://schemas.openxmlformats.org/officeDocument/2006/relationships" r:blip="">
+                  <dgm:adjLst/>
+                </dgm:shape>
+                <dgm:presOf/>
+                <dgm:constrLst>
+                  <dgm:constr type="h" refType="w"/>
+                  <dgm:constr type="l" for="ch" forName="dummyConnPt" refType="w" fact="0.5"/>
+                  <dgm:constr type="t" for="ch" forName="dummyConnPt" refType="w" fact="0.5"/>
+                  <dgm:constr type="l" for="ch" forName="oneNode"/>
+                  <dgm:constr type="t" for="ch" forName="oneNode"/>
+                  <dgm:constr type="h" for="ch" forName="oneNode" refType="h"/>
+                  <dgm:constr type="w" for="ch" forName="oneNode" refType="w"/>
+                </dgm:constrLst>
+                <dgm:ruleLst/>
+                <dgm:layoutNode name="dummyConnPt" styleLbl="node1">
+                  <dgm:alg type="sp"/>
+                  <dgm:shape xmlns:r="http://schemas.openxmlformats.org/officeDocument/2006/relationships" r:blip="">
+                    <dgm:adjLst/>
+                  </dgm:shape>
+                  <dgm:presOf/>
+                  <dgm:constrLst>
+                    <dgm:constr type="w" val="1"/>
+                    <dgm:constr type="h" val="1"/>
+                  </dgm:constrLst>
+                  <dgm:ruleLst/>
+                </dgm:layoutNode>
+                <dgm:layoutNode name="oneNode" styleLbl="node1">
+                  <dgm:varLst>
+                    <dgm:bulletEnabled val="1"/>
+                  </dgm:varLst>
+                  <dgm:alg type="tx">
+                    <dgm:param type="txAnchorVertCh" val="mid"/>
+                  </dgm:alg>
+                  <dgm:shape xmlns:r="http://schemas.openxmlformats.org/officeDocument/2006/relationships" type="ellipse" r:blip="">
+                    <dgm:adjLst/>
+                  </dgm:shape>
+                  <dgm:presOf axis="desOrSelf" ptType="node"/>
+                  <dgm:constrLst>
+                    <dgm:constr type="h" refType="w"/>
+                    <dgm:constr type="tMarg" refType="primFontSz" fact="0.1"/>
+                    <dgm:constr type="bMarg" refType="primFontSz" fact="0.1"/>
+                    <dgm:constr type="lMarg" refType="primFontSz" fact="0.1"/>
+                    <dgm:constr type="rMarg" refType="primFontSz" fact="0.1"/>
+                  </dgm:constrLst>
+                  <dgm:ruleLst>
+                    <dgm:rule type="primFontSz" val="5" fact="NaN" max="NaN"/>
+                  </dgm:ruleLst>
+                </dgm:layoutNode>
+              </dgm:layoutNode>
+              <dgm:layoutNode name="dummya">
+                <dgm:alg type="sp"/>
+                <dgm:shape xmlns:r="http://schemas.openxmlformats.org/officeDocument/2006/relationships" r:blip="">
+                  <dgm:adjLst/>
+                </dgm:shape>
+                <dgm:presOf/>
+                <dgm:constrLst>
+                  <dgm:constr type="h" refType="w"/>
+                </dgm:constrLst>
+                <dgm:ruleLst/>
+              </dgm:layoutNode>
+              <dgm:layoutNode name="dummyb">
+                <dgm:alg type="sp"/>
+                <dgm:shape xmlns:r="http://schemas.openxmlformats.org/officeDocument/2006/relationships" r:blip="">
+                  <dgm:adjLst/>
+                </dgm:shape>
+                <dgm:presOf/>
+                <dgm:constrLst>
+                  <dgm:constr type="h" refType="w"/>
+                </dgm:constrLst>
+                <dgm:ruleLst/>
+              </dgm:layoutNode>
+              <dgm:layoutNode name="dummyc">
+                <dgm:alg type="sp"/>
+                <dgm:shape xmlns:r="http://schemas.openxmlformats.org/officeDocument/2006/relationships" r:blip="">
+                  <dgm:adjLst/>
+                </dgm:shape>
+                <dgm:presOf/>
+                <dgm:constrLst>
+                  <dgm:constr type="h" refType="w"/>
+                </dgm:constrLst>
+                <dgm:ruleLst/>
+              </dgm:layoutNode>
+              <dgm:forEach name="sibTransForEach1" axis="followSib" ptType="sibTrans" hideLastTrans="0" cnt="1">
+                <dgm:layoutNode name="singleconn" styleLbl="sibTrans2D1">
+                  <dgm:alg type="conn">
+                    <dgm:param type="connRout" val="longCurve"/>
+                    <dgm:param type="begPts" val="bCtr"/>
+                    <dgm:param type="endPts" val="tCtr"/>
+                    <dgm:param type="begSty" val="noArr"/>
+                    <dgm:param type="endSty" val="noArr"/>
+                    <dgm:param type="srcNode" val="dummyConnPt"/>
+                    <dgm:param type="dstNode" val="dummyConnPt"/>
+                  </dgm:alg>
+                  <dgm:shape xmlns:r="http://schemas.openxmlformats.org/officeDocument/2006/relationships" type="conn" r:blip="" zOrderOff="-999">
+                    <dgm:adjLst/>
+                  </dgm:shape>
+                  <dgm:presOf axis="self"/>
+                  <dgm:constrLst>
+                    <dgm:constr type="begPad"/>
+                    <dgm:constr type="endPad"/>
+                  </dgm:constrLst>
+                  <dgm:ruleLst/>
+                </dgm:layoutNode>
+              </dgm:forEach>
+            </dgm:if>
+            <dgm:else name="Name25"/>
+          </dgm:choose>
+        </dgm:forEach>
+      </dgm:forEach>
+    </dgm:forEach>
+  </dgm:layoutNode>
+</dgm:layoutDef>
+</file>
+
 <file path=ppt/diagrams/quickStyle1.xml><?xml version="1.0" encoding="utf-8"?>
 <dgm:styleDef xmlns:dgm="http://schemas.openxmlformats.org/drawingml/2006/diagram" xmlns:a="http://schemas.openxmlformats.org/drawingml/2006/main" uniqueId="urn:microsoft.com/office/officeart/2005/8/quickstyle/simple1">
   <dgm:title val=""/>
@@ -3185,6 +5759,1474 @@
     </dgm:style>
   </dgm:styleLbl>
 </dgm:styleDef>
+</file>
+
+<file path=ppt/diagrams/quickStyle2.xml><?xml version="1.0" encoding="utf-8"?>
+<dgm:styleDef xmlns:dgm="http://schemas.openxmlformats.org/drawingml/2006/diagram" xmlns:a="http://schemas.openxmlformats.org/drawingml/2006/main" uniqueId="urn:microsoft.com/office/officeart/2005/8/quickstyle/simple1">
+  <dgm:title val=""/>
+  <dgm:desc val=""/>
+  <dgm:catLst>
+    <dgm:cat type="simple" pri="10100"/>
+  </dgm:catLst>
+  <dgm:scene3d>
+    <a:camera prst="orthographicFront"/>
+    <a:lightRig rig="threePt" dir="t"/>
+  </dgm:scene3d>
+  <dgm:styleLbl name="node0">
+    <dgm:scene3d>
+      <a:camera prst="orthographicFront"/>
+      <a:lightRig rig="threePt" dir="t"/>
+    </dgm:scene3d>
+    <dgm:sp3d/>
+    <dgm:txPr/>
+    <dgm:style>
+      <a:lnRef idx="2">
+        <a:scrgbClr r="0" g="0" b="0"/>
+      </a:lnRef>
+      <a:fillRef idx="1">
+        <a:scrgbClr r="0" g="0" b="0"/>
+      </a:fillRef>
+      <a:effectRef idx="0">
+        <a:scrgbClr r="0" g="0" b="0"/>
+      </a:effectRef>
+      <a:fontRef idx="minor">
+        <a:schemeClr val="lt1"/>
+      </a:fontRef>
+    </dgm:style>
+  </dgm:styleLbl>
+  <dgm:styleLbl name="lnNode1">
+    <dgm:scene3d>
+      <a:camera prst="orthographicFront"/>
+      <a:lightRig rig="threePt" dir="t"/>
+    </dgm:scene3d>
+    <dgm:sp3d/>
+    <dgm:txPr/>
+    <dgm:style>
+      <a:lnRef idx="2">
+        <a:scrgbClr r="0" g="0" b="0"/>
+      </a:lnRef>
+      <a:fillRef idx="1">
+        <a:scrgbClr r="0" g="0" b="0"/>
+      </a:fillRef>
+      <a:effectRef idx="0">
+        <a:scrgbClr r="0" g="0" b="0"/>
+      </a:effectRef>
+      <a:fontRef idx="minor">
+        <a:schemeClr val="lt1"/>
+      </a:fontRef>
+    </dgm:style>
+  </dgm:styleLbl>
+  <dgm:styleLbl name="vennNode1">
+    <dgm:scene3d>
+      <a:camera prst="orthographicFront"/>
+      <a:lightRig rig="threePt" dir="t"/>
+    </dgm:scene3d>
+    <dgm:sp3d/>
+    <dgm:txPr/>
+    <dgm:style>
+      <a:lnRef idx="2">
+        <a:scrgbClr r="0" g="0" b="0"/>
+      </a:lnRef>
+      <a:fillRef idx="1">
+        <a:scrgbClr r="0" g="0" b="0"/>
+      </a:fillRef>
+      <a:effectRef idx="0">
+        <a:scrgbClr r="0" g="0" b="0"/>
+      </a:effectRef>
+      <a:fontRef idx="minor">
+        <a:schemeClr val="tx1"/>
+      </a:fontRef>
+    </dgm:style>
+  </dgm:styleLbl>
+  <dgm:styleLbl name="alignNode1">
+    <dgm:scene3d>
+      <a:camera prst="orthographicFront"/>
+      <a:lightRig rig="threePt" dir="t"/>
+    </dgm:scene3d>
+    <dgm:sp3d/>
+    <dgm:txPr/>
+    <dgm:style>
+      <a:lnRef idx="2">
+        <a:scrgbClr r="0" g="0" b="0"/>
+      </a:lnRef>
+      <a:fillRef idx="1">
+        <a:scrgbClr r="0" g="0" b="0"/>
+      </a:fillRef>
+      <a:effectRef idx="0">
+        <a:scrgbClr r="0" g="0" b="0"/>
+      </a:effectRef>
+      <a:fontRef idx="minor">
+        <a:schemeClr val="lt1"/>
+      </a:fontRef>
+    </dgm:style>
+  </dgm:styleLbl>
+  <dgm:styleLbl name="node1">
+    <dgm:scene3d>
+      <a:camera prst="orthographicFront"/>
+      <a:lightRig rig="threePt" dir="t"/>
+    </dgm:scene3d>
+    <dgm:sp3d/>
+    <dgm:txPr/>
+    <dgm:style>
+      <a:lnRef idx="2">
+        <a:scrgbClr r="0" g="0" b="0"/>
+      </a:lnRef>
+      <a:fillRef idx="1">
+        <a:scrgbClr r="0" g="0" b="0"/>
+      </a:fillRef>
+      <a:effectRef idx="0">
+        <a:scrgbClr r="0" g="0" b="0"/>
+      </a:effectRef>
+      <a:fontRef idx="minor">
+        <a:schemeClr val="lt1"/>
+      </a:fontRef>
+    </dgm:style>
+  </dgm:styleLbl>
+  <dgm:styleLbl name="node2">
+    <dgm:scene3d>
+      <a:camera prst="orthographicFront"/>
+      <a:lightRig rig="threePt" dir="t"/>
+    </dgm:scene3d>
+    <dgm:sp3d/>
+    <dgm:txPr/>
+    <dgm:style>
+      <a:lnRef idx="2">
+        <a:scrgbClr r="0" g="0" b="0"/>
+      </a:lnRef>
+      <a:fillRef idx="1">
+        <a:scrgbClr r="0" g="0" b="0"/>
+      </a:fillRef>
+      <a:effectRef idx="0">
+        <a:scrgbClr r="0" g="0" b="0"/>
+      </a:effectRef>
+      <a:fontRef idx="minor">
+        <a:schemeClr val="lt1"/>
+      </a:fontRef>
+    </dgm:style>
+  </dgm:styleLbl>
+  <dgm:styleLbl name="node3">
+    <dgm:scene3d>
+      <a:camera prst="orthographicFront"/>
+      <a:lightRig rig="threePt" dir="t"/>
+    </dgm:scene3d>
+    <dgm:sp3d/>
+    <dgm:txPr/>
+    <dgm:style>
+      <a:lnRef idx="2">
+        <a:scrgbClr r="0" g="0" b="0"/>
+      </a:lnRef>
+      <a:fillRef idx="1">
+        <a:scrgbClr r="0" g="0" b="0"/>
+      </a:fillRef>
+      <a:effectRef idx="0">
+        <a:scrgbClr r="0" g="0" b="0"/>
+      </a:effectRef>
+      <a:fontRef idx="minor">
+        <a:schemeClr val="lt1"/>
+      </a:fontRef>
+    </dgm:style>
+  </dgm:styleLbl>
+  <dgm:styleLbl name="node4">
+    <dgm:scene3d>
+      <a:camera prst="orthographicFront"/>
+      <a:lightRig rig="threePt" dir="t"/>
+    </dgm:scene3d>
+    <dgm:sp3d/>
+    <dgm:txPr/>
+    <dgm:style>
+      <a:lnRef idx="2">
+        <a:scrgbClr r="0" g="0" b="0"/>
+      </a:lnRef>
+      <a:fillRef idx="1">
+        <a:scrgbClr r="0" g="0" b="0"/>
+      </a:fillRef>
+      <a:effectRef idx="0">
+        <a:scrgbClr r="0" g="0" b="0"/>
+      </a:effectRef>
+      <a:fontRef idx="minor">
+        <a:schemeClr val="lt1"/>
+      </a:fontRef>
+    </dgm:style>
+  </dgm:styleLbl>
+  <dgm:styleLbl name="fgImgPlace1">
+    <dgm:scene3d>
+      <a:camera prst="orthographicFront"/>
+      <a:lightRig rig="threePt" dir="t"/>
+    </dgm:scene3d>
+    <dgm:sp3d/>
+    <dgm:txPr/>
+    <dgm:style>
+      <a:lnRef idx="2">
+        <a:scrgbClr r="0" g="0" b="0"/>
+      </a:lnRef>
+      <a:fillRef idx="1">
+        <a:scrgbClr r="0" g="0" b="0"/>
+      </a:fillRef>
+      <a:effectRef idx="0">
+        <a:scrgbClr r="0" g="0" b="0"/>
+      </a:effectRef>
+      <a:fontRef idx="minor"/>
+    </dgm:style>
+  </dgm:styleLbl>
+  <dgm:styleLbl name="alignImgPlace1">
+    <dgm:scene3d>
+      <a:camera prst="orthographicFront"/>
+      <a:lightRig rig="threePt" dir="t"/>
+    </dgm:scene3d>
+    <dgm:sp3d/>
+    <dgm:txPr/>
+    <dgm:style>
+      <a:lnRef idx="2">
+        <a:scrgbClr r="0" g="0" b="0"/>
+      </a:lnRef>
+      <a:fillRef idx="1">
+        <a:scrgbClr r="0" g="0" b="0"/>
+      </a:fillRef>
+      <a:effectRef idx="0">
+        <a:scrgbClr r="0" g="0" b="0"/>
+      </a:effectRef>
+      <a:fontRef idx="minor"/>
+    </dgm:style>
+  </dgm:styleLbl>
+  <dgm:styleLbl name="bgImgPlace1">
+    <dgm:scene3d>
+      <a:camera prst="orthographicFront"/>
+      <a:lightRig rig="threePt" dir="t"/>
+    </dgm:scene3d>
+    <dgm:sp3d/>
+    <dgm:txPr/>
+    <dgm:style>
+      <a:lnRef idx="2">
+        <a:scrgbClr r="0" g="0" b="0"/>
+      </a:lnRef>
+      <a:fillRef idx="1">
+        <a:scrgbClr r="0" g="0" b="0"/>
+      </a:fillRef>
+      <a:effectRef idx="0">
+        <a:scrgbClr r="0" g="0" b="0"/>
+      </a:effectRef>
+      <a:fontRef idx="minor"/>
+    </dgm:style>
+  </dgm:styleLbl>
+  <dgm:styleLbl name="sibTrans2D1">
+    <dgm:scene3d>
+      <a:camera prst="orthographicFront"/>
+      <a:lightRig rig="threePt" dir="t"/>
+    </dgm:scene3d>
+    <dgm:sp3d/>
+    <dgm:txPr/>
+    <dgm:style>
+      <a:lnRef idx="0">
+        <a:scrgbClr r="0" g="0" b="0"/>
+      </a:lnRef>
+      <a:fillRef idx="1">
+        <a:scrgbClr r="0" g="0" b="0"/>
+      </a:fillRef>
+      <a:effectRef idx="0">
+        <a:scrgbClr r="0" g="0" b="0"/>
+      </a:effectRef>
+      <a:fontRef idx="minor">
+        <a:schemeClr val="lt1"/>
+      </a:fontRef>
+    </dgm:style>
+  </dgm:styleLbl>
+  <dgm:styleLbl name="fgSibTrans2D1">
+    <dgm:scene3d>
+      <a:camera prst="orthographicFront"/>
+      <a:lightRig rig="threePt" dir="t"/>
+    </dgm:scene3d>
+    <dgm:sp3d/>
+    <dgm:txPr/>
+    <dgm:style>
+      <a:lnRef idx="0">
+        <a:scrgbClr r="0" g="0" b="0"/>
+      </a:lnRef>
+      <a:fillRef idx="1">
+        <a:scrgbClr r="0" g="0" b="0"/>
+      </a:fillRef>
+      <a:effectRef idx="0">
+        <a:scrgbClr r="0" g="0" b="0"/>
+      </a:effectRef>
+      <a:fontRef idx="minor">
+        <a:schemeClr val="lt1"/>
+      </a:fontRef>
+    </dgm:style>
+  </dgm:styleLbl>
+  <dgm:styleLbl name="bgSibTrans2D1">
+    <dgm:scene3d>
+      <a:camera prst="orthographicFront"/>
+      <a:lightRig rig="threePt" dir="t"/>
+    </dgm:scene3d>
+    <dgm:sp3d/>
+    <dgm:txPr/>
+    <dgm:style>
+      <a:lnRef idx="0">
+        <a:scrgbClr r="0" g="0" b="0"/>
+      </a:lnRef>
+      <a:fillRef idx="1">
+        <a:scrgbClr r="0" g="0" b="0"/>
+      </a:fillRef>
+      <a:effectRef idx="0">
+        <a:scrgbClr r="0" g="0" b="0"/>
+      </a:effectRef>
+      <a:fontRef idx="minor">
+        <a:schemeClr val="lt1"/>
+      </a:fontRef>
+    </dgm:style>
+  </dgm:styleLbl>
+  <dgm:styleLbl name="sibTrans1D1">
+    <dgm:scene3d>
+      <a:camera prst="orthographicFront"/>
+      <a:lightRig rig="threePt" dir="t"/>
+    </dgm:scene3d>
+    <dgm:sp3d/>
+    <dgm:txPr/>
+    <dgm:style>
+      <a:lnRef idx="1">
+        <a:scrgbClr r="0" g="0" b="0"/>
+      </a:lnRef>
+      <a:fillRef idx="0">
+        <a:scrgbClr r="0" g="0" b="0"/>
+      </a:fillRef>
+      <a:effectRef idx="0">
+        <a:scrgbClr r="0" g="0" b="0"/>
+      </a:effectRef>
+      <a:fontRef idx="minor"/>
+    </dgm:style>
+  </dgm:styleLbl>
+  <dgm:styleLbl name="callout">
+    <dgm:scene3d>
+      <a:camera prst="orthographicFront"/>
+      <a:lightRig rig="threePt" dir="t"/>
+    </dgm:scene3d>
+    <dgm:sp3d/>
+    <dgm:txPr/>
+    <dgm:style>
+      <a:lnRef idx="2">
+        <a:scrgbClr r="0" g="0" b="0"/>
+      </a:lnRef>
+      <a:fillRef idx="1">
+        <a:scrgbClr r="0" g="0" b="0"/>
+      </a:fillRef>
+      <a:effectRef idx="0">
+        <a:scrgbClr r="0" g="0" b="0"/>
+      </a:effectRef>
+      <a:fontRef idx="minor"/>
+    </dgm:style>
+  </dgm:styleLbl>
+  <dgm:styleLbl name="asst0">
+    <dgm:scene3d>
+      <a:camera prst="orthographicFront"/>
+      <a:lightRig rig="threePt" dir="t"/>
+    </dgm:scene3d>
+    <dgm:sp3d/>
+    <dgm:txPr/>
+    <dgm:style>
+      <a:lnRef idx="2">
+        <a:scrgbClr r="0" g="0" b="0"/>
+      </a:lnRef>
+      <a:fillRef idx="1">
+        <a:scrgbClr r="0" g="0" b="0"/>
+      </a:fillRef>
+      <a:effectRef idx="0">
+        <a:scrgbClr r="0" g="0" b="0"/>
+      </a:effectRef>
+      <a:fontRef idx="minor">
+        <a:schemeClr val="lt1"/>
+      </a:fontRef>
+    </dgm:style>
+  </dgm:styleLbl>
+  <dgm:styleLbl name="asst1">
+    <dgm:scene3d>
+      <a:camera prst="orthographicFront"/>
+      <a:lightRig rig="threePt" dir="t"/>
+    </dgm:scene3d>
+    <dgm:sp3d/>
+    <dgm:txPr/>
+    <dgm:style>
+      <a:lnRef idx="2">
+        <a:scrgbClr r="0" g="0" b="0"/>
+      </a:lnRef>
+      <a:fillRef idx="1">
+        <a:scrgbClr r="0" g="0" b="0"/>
+      </a:fillRef>
+      <a:effectRef idx="0">
+        <a:scrgbClr r="0" g="0" b="0"/>
+      </a:effectRef>
+      <a:fontRef idx="minor">
+        <a:schemeClr val="lt1"/>
+      </a:fontRef>
+    </dgm:style>
+  </dgm:styleLbl>
+  <dgm:styleLbl name="asst2">
+    <dgm:scene3d>
+      <a:camera prst="orthographicFront"/>
+      <a:lightRig rig="threePt" dir="t"/>
+    </dgm:scene3d>
+    <dgm:sp3d/>
+    <dgm:txPr/>
+    <dgm:style>
+      <a:lnRef idx="2">
+        <a:scrgbClr r="0" g="0" b="0"/>
+      </a:lnRef>
+      <a:fillRef idx="1">
+        <a:scrgbClr r="0" g="0" b="0"/>
+      </a:fillRef>
+      <a:effectRef idx="0">
+        <a:scrgbClr r="0" g="0" b="0"/>
+      </a:effectRef>
+      <a:fontRef idx="minor">
+        <a:schemeClr val="lt1"/>
+      </a:fontRef>
+    </dgm:style>
+  </dgm:styleLbl>
+  <dgm:styleLbl name="asst3">
+    <dgm:scene3d>
+      <a:camera prst="orthographicFront"/>
+      <a:lightRig rig="threePt" dir="t"/>
+    </dgm:scene3d>
+    <dgm:sp3d/>
+    <dgm:txPr/>
+    <dgm:style>
+      <a:lnRef idx="2">
+        <a:scrgbClr r="0" g="0" b="0"/>
+      </a:lnRef>
+      <a:fillRef idx="1">
+        <a:scrgbClr r="0" g="0" b="0"/>
+      </a:fillRef>
+      <a:effectRef idx="0">
+        <a:scrgbClr r="0" g="0" b="0"/>
+      </a:effectRef>
+      <a:fontRef idx="minor">
+        <a:schemeClr val="lt1"/>
+      </a:fontRef>
+    </dgm:style>
+  </dgm:styleLbl>
+  <dgm:styleLbl name="asst4">
+    <dgm:scene3d>
+      <a:camera prst="orthographicFront"/>
+      <a:lightRig rig="threePt" dir="t"/>
+    </dgm:scene3d>
+    <dgm:sp3d/>
+    <dgm:txPr/>
+    <dgm:style>
+      <a:lnRef idx="2">
+        <a:scrgbClr r="0" g="0" b="0"/>
+      </a:lnRef>
+      <a:fillRef idx="1">
+        <a:scrgbClr r="0" g="0" b="0"/>
+      </a:fillRef>
+      <a:effectRef idx="0">
+        <a:scrgbClr r="0" g="0" b="0"/>
+      </a:effectRef>
+      <a:fontRef idx="minor">
+        <a:schemeClr val="lt1"/>
+      </a:fontRef>
+    </dgm:style>
+  </dgm:styleLbl>
+  <dgm:styleLbl name="parChTrans2D1">
+    <dgm:scene3d>
+      <a:camera prst="orthographicFront"/>
+      <a:lightRig rig="threePt" dir="t"/>
+    </dgm:scene3d>
+    <dgm:sp3d/>
+    <dgm:txPr/>
+    <dgm:style>
+      <a:lnRef idx="2">
+        <a:scrgbClr r="0" g="0" b="0"/>
+      </a:lnRef>
+      <a:fillRef idx="1">
+        <a:scrgbClr r="0" g="0" b="0"/>
+      </a:fillRef>
+      <a:effectRef idx="0">
+        <a:scrgbClr r="0" g="0" b="0"/>
+      </a:effectRef>
+      <a:fontRef idx="minor">
+        <a:schemeClr val="lt1"/>
+      </a:fontRef>
+    </dgm:style>
+  </dgm:styleLbl>
+  <dgm:styleLbl name="parChTrans2D2">
+    <dgm:scene3d>
+      <a:camera prst="orthographicFront"/>
+      <a:lightRig rig="threePt" dir="t"/>
+    </dgm:scene3d>
+    <dgm:sp3d/>
+    <dgm:txPr/>
+    <dgm:style>
+      <a:lnRef idx="2">
+        <a:scrgbClr r="0" g="0" b="0"/>
+      </a:lnRef>
+      <a:fillRef idx="1">
+        <a:scrgbClr r="0" g="0" b="0"/>
+      </a:fillRef>
+      <a:effectRef idx="0">
+        <a:scrgbClr r="0" g="0" b="0"/>
+      </a:effectRef>
+      <a:fontRef idx="minor">
+        <a:schemeClr val="lt1"/>
+      </a:fontRef>
+    </dgm:style>
+  </dgm:styleLbl>
+  <dgm:styleLbl name="parChTrans2D3">
+    <dgm:scene3d>
+      <a:camera prst="orthographicFront"/>
+      <a:lightRig rig="threePt" dir="t"/>
+    </dgm:scene3d>
+    <dgm:sp3d/>
+    <dgm:txPr/>
+    <dgm:style>
+      <a:lnRef idx="2">
+        <a:scrgbClr r="0" g="0" b="0"/>
+      </a:lnRef>
+      <a:fillRef idx="1">
+        <a:scrgbClr r="0" g="0" b="0"/>
+      </a:fillRef>
+      <a:effectRef idx="0">
+        <a:scrgbClr r="0" g="0" b="0"/>
+      </a:effectRef>
+      <a:fontRef idx="minor">
+        <a:schemeClr val="lt1"/>
+      </a:fontRef>
+    </dgm:style>
+  </dgm:styleLbl>
+  <dgm:styleLbl name="parChTrans2D4">
+    <dgm:scene3d>
+      <a:camera prst="orthographicFront"/>
+      <a:lightRig rig="threePt" dir="t"/>
+    </dgm:scene3d>
+    <dgm:sp3d/>
+    <dgm:txPr/>
+    <dgm:style>
+      <a:lnRef idx="2">
+        <a:scrgbClr r="0" g="0" b="0"/>
+      </a:lnRef>
+      <a:fillRef idx="1">
+        <a:scrgbClr r="0" g="0" b="0"/>
+      </a:fillRef>
+      <a:effectRef idx="0">
+        <a:scrgbClr r="0" g="0" b="0"/>
+      </a:effectRef>
+      <a:fontRef idx="minor">
+        <a:schemeClr val="lt1"/>
+      </a:fontRef>
+    </dgm:style>
+  </dgm:styleLbl>
+  <dgm:styleLbl name="parChTrans1D1">
+    <dgm:scene3d>
+      <a:camera prst="orthographicFront"/>
+      <a:lightRig rig="threePt" dir="t"/>
+    </dgm:scene3d>
+    <dgm:sp3d/>
+    <dgm:txPr/>
+    <dgm:style>
+      <a:lnRef idx="2">
+        <a:scrgbClr r="0" g="0" b="0"/>
+      </a:lnRef>
+      <a:fillRef idx="0">
+        <a:scrgbClr r="0" g="0" b="0"/>
+      </a:fillRef>
+      <a:effectRef idx="0">
+        <a:scrgbClr r="0" g="0" b="0"/>
+      </a:effectRef>
+      <a:fontRef idx="minor"/>
+    </dgm:style>
+  </dgm:styleLbl>
+  <dgm:styleLbl name="parChTrans1D2">
+    <dgm:scene3d>
+      <a:camera prst="orthographicFront"/>
+      <a:lightRig rig="threePt" dir="t"/>
+    </dgm:scene3d>
+    <dgm:sp3d/>
+    <dgm:txPr/>
+    <dgm:style>
+      <a:lnRef idx="2">
+        <a:scrgbClr r="0" g="0" b="0"/>
+      </a:lnRef>
+      <a:fillRef idx="0">
+        <a:scrgbClr r="0" g="0" b="0"/>
+      </a:fillRef>
+      <a:effectRef idx="0">
+        <a:scrgbClr r="0" g="0" b="0"/>
+      </a:effectRef>
+      <a:fontRef idx="minor"/>
+    </dgm:style>
+  </dgm:styleLbl>
+  <dgm:styleLbl name="parChTrans1D3">
+    <dgm:scene3d>
+      <a:camera prst="orthographicFront"/>
+      <a:lightRig rig="threePt" dir="t"/>
+    </dgm:scene3d>
+    <dgm:sp3d/>
+    <dgm:txPr/>
+    <dgm:style>
+      <a:lnRef idx="2">
+        <a:scrgbClr r="0" g="0" b="0"/>
+      </a:lnRef>
+      <a:fillRef idx="0">
+        <a:scrgbClr r="0" g="0" b="0"/>
+      </a:fillRef>
+      <a:effectRef idx="0">
+        <a:scrgbClr r="0" g="0" b="0"/>
+      </a:effectRef>
+      <a:fontRef idx="minor"/>
+    </dgm:style>
+  </dgm:styleLbl>
+  <dgm:styleLbl name="parChTrans1D4">
+    <dgm:scene3d>
+      <a:camera prst="orthographicFront"/>
+      <a:lightRig rig="threePt" dir="t"/>
+    </dgm:scene3d>
+    <dgm:sp3d/>
+    <dgm:txPr/>
+    <dgm:style>
+      <a:lnRef idx="2">
+        <a:scrgbClr r="0" g="0" b="0"/>
+      </a:lnRef>
+      <a:fillRef idx="0">
+        <a:scrgbClr r="0" g="0" b="0"/>
+      </a:fillRef>
+      <a:effectRef idx="0">
+        <a:scrgbClr r="0" g="0" b="0"/>
+      </a:effectRef>
+      <a:fontRef idx="minor"/>
+    </dgm:style>
+  </dgm:styleLbl>
+  <dgm:styleLbl name="fgAcc1">
+    <dgm:scene3d>
+      <a:camera prst="orthographicFront"/>
+      <a:lightRig rig="threePt" dir="t"/>
+    </dgm:scene3d>
+    <dgm:sp3d/>
+    <dgm:txPr/>
+    <dgm:style>
+      <a:lnRef idx="2">
+        <a:scrgbClr r="0" g="0" b="0"/>
+      </a:lnRef>
+      <a:fillRef idx="1">
+        <a:scrgbClr r="0" g="0" b="0"/>
+      </a:fillRef>
+      <a:effectRef idx="0">
+        <a:scrgbClr r="0" g="0" b="0"/>
+      </a:effectRef>
+      <a:fontRef idx="minor"/>
+    </dgm:style>
+  </dgm:styleLbl>
+  <dgm:styleLbl name="conFgAcc1">
+    <dgm:scene3d>
+      <a:camera prst="orthographicFront"/>
+      <a:lightRig rig="threePt" dir="t"/>
+    </dgm:scene3d>
+    <dgm:sp3d/>
+    <dgm:txPr/>
+    <dgm:style>
+      <a:lnRef idx="2">
+        <a:scrgbClr r="0" g="0" b="0"/>
+      </a:lnRef>
+      <a:fillRef idx="1">
+        <a:scrgbClr r="0" g="0" b="0"/>
+      </a:fillRef>
+      <a:effectRef idx="0">
+        <a:scrgbClr r="0" g="0" b="0"/>
+      </a:effectRef>
+      <a:fontRef idx="minor"/>
+    </dgm:style>
+  </dgm:styleLbl>
+  <dgm:styleLbl name="alignAcc1">
+    <dgm:scene3d>
+      <a:camera prst="orthographicFront"/>
+      <a:lightRig rig="threePt" dir="t"/>
+    </dgm:scene3d>
+    <dgm:sp3d/>
+    <dgm:txPr/>
+    <dgm:style>
+      <a:lnRef idx="2">
+        <a:scrgbClr r="0" g="0" b="0"/>
+      </a:lnRef>
+      <a:fillRef idx="1">
+        <a:scrgbClr r="0" g="0" b="0"/>
+      </a:fillRef>
+      <a:effectRef idx="0">
+        <a:scrgbClr r="0" g="0" b="0"/>
+      </a:effectRef>
+      <a:fontRef idx="minor"/>
+    </dgm:style>
+  </dgm:styleLbl>
+  <dgm:styleLbl name="trAlignAcc1">
+    <dgm:scene3d>
+      <a:camera prst="orthographicFront"/>
+      <a:lightRig rig="threePt" dir="t"/>
+    </dgm:scene3d>
+    <dgm:sp3d/>
+    <dgm:txPr/>
+    <dgm:style>
+      <a:lnRef idx="1">
+        <a:scrgbClr r="0" g="0" b="0"/>
+      </a:lnRef>
+      <a:fillRef idx="1">
+        <a:scrgbClr r="0" g="0" b="0"/>
+      </a:fillRef>
+      <a:effectRef idx="0">
+        <a:scrgbClr r="0" g="0" b="0"/>
+      </a:effectRef>
+      <a:fontRef idx="minor"/>
+    </dgm:style>
+  </dgm:styleLbl>
+  <dgm:styleLbl name="bgAcc1">
+    <dgm:scene3d>
+      <a:camera prst="orthographicFront"/>
+      <a:lightRig rig="threePt" dir="t"/>
+    </dgm:scene3d>
+    <dgm:sp3d/>
+    <dgm:txPr/>
+    <dgm:style>
+      <a:lnRef idx="2">
+        <a:scrgbClr r="0" g="0" b="0"/>
+      </a:lnRef>
+      <a:fillRef idx="1">
+        <a:scrgbClr r="0" g="0" b="0"/>
+      </a:fillRef>
+      <a:effectRef idx="0">
+        <a:scrgbClr r="0" g="0" b="0"/>
+      </a:effectRef>
+      <a:fontRef idx="minor"/>
+    </dgm:style>
+  </dgm:styleLbl>
+  <dgm:styleLbl name="solidFgAcc1">
+    <dgm:scene3d>
+      <a:camera prst="orthographicFront"/>
+      <a:lightRig rig="threePt" dir="t"/>
+    </dgm:scene3d>
+    <dgm:sp3d/>
+    <dgm:txPr/>
+    <dgm:style>
+      <a:lnRef idx="2">
+        <a:scrgbClr r="0" g="0" b="0"/>
+      </a:lnRef>
+      <a:fillRef idx="1">
+        <a:scrgbClr r="0" g="0" b="0"/>
+      </a:fillRef>
+      <a:effectRef idx="0">
+        <a:scrgbClr r="0" g="0" b="0"/>
+      </a:effectRef>
+      <a:fontRef idx="minor"/>
+    </dgm:style>
+  </dgm:styleLbl>
+  <dgm:styleLbl name="solidAlignAcc1">
+    <dgm:scene3d>
+      <a:camera prst="orthographicFront"/>
+      <a:lightRig rig="threePt" dir="t"/>
+    </dgm:scene3d>
+    <dgm:sp3d/>
+    <dgm:txPr/>
+    <dgm:style>
+      <a:lnRef idx="2">
+        <a:scrgbClr r="0" g="0" b="0"/>
+      </a:lnRef>
+      <a:fillRef idx="1">
+        <a:scrgbClr r="0" g="0" b="0"/>
+      </a:fillRef>
+      <a:effectRef idx="0">
+        <a:scrgbClr r="0" g="0" b="0"/>
+      </a:effectRef>
+      <a:fontRef idx="minor"/>
+    </dgm:style>
+  </dgm:styleLbl>
+  <dgm:styleLbl name="solidBgAcc1">
+    <dgm:scene3d>
+      <a:camera prst="orthographicFront"/>
+      <a:lightRig rig="threePt" dir="t"/>
+    </dgm:scene3d>
+    <dgm:sp3d/>
+    <dgm:txPr/>
+    <dgm:style>
+      <a:lnRef idx="2">
+        <a:scrgbClr r="0" g="0" b="0"/>
+      </a:lnRef>
+      <a:fillRef idx="1">
+        <a:scrgbClr r="0" g="0" b="0"/>
+      </a:fillRef>
+      <a:effectRef idx="0">
+        <a:scrgbClr r="0" g="0" b="0"/>
+      </a:effectRef>
+      <a:fontRef idx="minor"/>
+    </dgm:style>
+  </dgm:styleLbl>
+  <dgm:styleLbl name="fgAccFollowNode1">
+    <dgm:scene3d>
+      <a:camera prst="orthographicFront"/>
+      <a:lightRig rig="threePt" dir="t"/>
+    </dgm:scene3d>
+    <dgm:sp3d/>
+    <dgm:txPr/>
+    <dgm:style>
+      <a:lnRef idx="2">
+        <a:scrgbClr r="0" g="0" b="0"/>
+      </a:lnRef>
+      <a:fillRef idx="1">
+        <a:scrgbClr r="0" g="0" b="0"/>
+      </a:fillRef>
+      <a:effectRef idx="0">
+        <a:scrgbClr r="0" g="0" b="0"/>
+      </a:effectRef>
+      <a:fontRef idx="minor"/>
+    </dgm:style>
+  </dgm:styleLbl>
+  <dgm:styleLbl name="alignAccFollowNode1">
+    <dgm:scene3d>
+      <a:camera prst="orthographicFront"/>
+      <a:lightRig rig="threePt" dir="t"/>
+    </dgm:scene3d>
+    <dgm:sp3d/>
+    <dgm:txPr/>
+    <dgm:style>
+      <a:lnRef idx="2">
+        <a:scrgbClr r="0" g="0" b="0"/>
+      </a:lnRef>
+      <a:fillRef idx="1">
+        <a:scrgbClr r="0" g="0" b="0"/>
+      </a:fillRef>
+      <a:effectRef idx="0">
+        <a:scrgbClr r="0" g="0" b="0"/>
+      </a:effectRef>
+      <a:fontRef idx="minor"/>
+    </dgm:style>
+  </dgm:styleLbl>
+  <dgm:styleLbl name="bgAccFollowNode1">
+    <dgm:scene3d>
+      <a:camera prst="orthographicFront"/>
+      <a:lightRig rig="threePt" dir="t"/>
+    </dgm:scene3d>
+    <dgm:sp3d/>
+    <dgm:txPr/>
+    <dgm:style>
+      <a:lnRef idx="2">
+        <a:scrgbClr r="0" g="0" b="0"/>
+      </a:lnRef>
+      <a:fillRef idx="1">
+        <a:scrgbClr r="0" g="0" b="0"/>
+      </a:fillRef>
+      <a:effectRef idx="0">
+        <a:scrgbClr r="0" g="0" b="0"/>
+      </a:effectRef>
+      <a:fontRef idx="minor"/>
+    </dgm:style>
+  </dgm:styleLbl>
+  <dgm:styleLbl name="fgAcc0">
+    <dgm:scene3d>
+      <a:camera prst="orthographicFront"/>
+      <a:lightRig rig="threePt" dir="t"/>
+    </dgm:scene3d>
+    <dgm:sp3d/>
+    <dgm:txPr/>
+    <dgm:style>
+      <a:lnRef idx="2">
+        <a:scrgbClr r="0" g="0" b="0"/>
+      </a:lnRef>
+      <a:fillRef idx="1">
+        <a:scrgbClr r="0" g="0" b="0"/>
+      </a:fillRef>
+      <a:effectRef idx="0">
+        <a:scrgbClr r="0" g="0" b="0"/>
+      </a:effectRef>
+      <a:fontRef idx="minor"/>
+    </dgm:style>
+  </dgm:styleLbl>
+  <dgm:styleLbl name="fgAcc2">
+    <dgm:scene3d>
+      <a:camera prst="orthographicFront"/>
+      <a:lightRig rig="threePt" dir="t"/>
+    </dgm:scene3d>
+    <dgm:sp3d/>
+    <dgm:txPr/>
+    <dgm:style>
+      <a:lnRef idx="2">
+        <a:scrgbClr r="0" g="0" b="0"/>
+      </a:lnRef>
+      <a:fillRef idx="1">
+        <a:scrgbClr r="0" g="0" b="0"/>
+      </a:fillRef>
+      <a:effectRef idx="0">
+        <a:scrgbClr r="0" g="0" b="0"/>
+      </a:effectRef>
+      <a:fontRef idx="minor"/>
+    </dgm:style>
+  </dgm:styleLbl>
+  <dgm:styleLbl name="fgAcc3">
+    <dgm:scene3d>
+      <a:camera prst="orthographicFront"/>
+      <a:lightRig rig="threePt" dir="t"/>
+    </dgm:scene3d>
+    <dgm:sp3d/>
+    <dgm:txPr/>
+    <dgm:style>
+      <a:lnRef idx="2">
+        <a:scrgbClr r="0" g="0" b="0"/>
+      </a:lnRef>
+      <a:fillRef idx="1">
+        <a:scrgbClr r="0" g="0" b="0"/>
+      </a:fillRef>
+      <a:effectRef idx="0">
+        <a:scrgbClr r="0" g="0" b="0"/>
+      </a:effectRef>
+      <a:fontRef idx="minor"/>
+    </dgm:style>
+  </dgm:styleLbl>
+  <dgm:styleLbl name="fgAcc4">
+    <dgm:scene3d>
+      <a:camera prst="orthographicFront"/>
+      <a:lightRig rig="threePt" dir="t"/>
+    </dgm:scene3d>
+    <dgm:sp3d/>
+    <dgm:txPr/>
+    <dgm:style>
+      <a:lnRef idx="2">
+        <a:scrgbClr r="0" g="0" b="0"/>
+      </a:lnRef>
+      <a:fillRef idx="1">
+        <a:scrgbClr r="0" g="0" b="0"/>
+      </a:fillRef>
+      <a:effectRef idx="0">
+        <a:scrgbClr r="0" g="0" b="0"/>
+      </a:effectRef>
+      <a:fontRef idx="minor"/>
+    </dgm:style>
+  </dgm:styleLbl>
+  <dgm:styleLbl name="bgShp">
+    <dgm:scene3d>
+      <a:camera prst="orthographicFront"/>
+      <a:lightRig rig="threePt" dir="t"/>
+    </dgm:scene3d>
+    <dgm:sp3d/>
+    <dgm:txPr/>
+    <dgm:style>
+      <a:lnRef idx="0">
+        <a:scrgbClr r="0" g="0" b="0"/>
+      </a:lnRef>
+      <a:fillRef idx="1">
+        <a:scrgbClr r="0" g="0" b="0"/>
+      </a:fillRef>
+      <a:effectRef idx="0">
+        <a:scrgbClr r="0" g="0" b="0"/>
+      </a:effectRef>
+      <a:fontRef idx="minor"/>
+    </dgm:style>
+  </dgm:styleLbl>
+  <dgm:styleLbl name="dkBgShp">
+    <dgm:scene3d>
+      <a:camera prst="orthographicFront"/>
+      <a:lightRig rig="threePt" dir="t"/>
+    </dgm:scene3d>
+    <dgm:sp3d/>
+    <dgm:txPr/>
+    <dgm:style>
+      <a:lnRef idx="0">
+        <a:scrgbClr r="0" g="0" b="0"/>
+      </a:lnRef>
+      <a:fillRef idx="1">
+        <a:scrgbClr r="0" g="0" b="0"/>
+      </a:fillRef>
+      <a:effectRef idx="0">
+        <a:scrgbClr r="0" g="0" b="0"/>
+      </a:effectRef>
+      <a:fontRef idx="minor"/>
+    </dgm:style>
+  </dgm:styleLbl>
+  <dgm:styleLbl name="trBgShp">
+    <dgm:scene3d>
+      <a:camera prst="orthographicFront"/>
+      <a:lightRig rig="threePt" dir="t"/>
+    </dgm:scene3d>
+    <dgm:sp3d/>
+    <dgm:txPr/>
+    <dgm:style>
+      <a:lnRef idx="0">
+        <a:scrgbClr r="0" g="0" b="0"/>
+      </a:lnRef>
+      <a:fillRef idx="1">
+        <a:scrgbClr r="0" g="0" b="0"/>
+      </a:fillRef>
+      <a:effectRef idx="0">
+        <a:scrgbClr r="0" g="0" b="0"/>
+      </a:effectRef>
+      <a:fontRef idx="minor"/>
+    </dgm:style>
+  </dgm:styleLbl>
+  <dgm:styleLbl name="fgShp">
+    <dgm:scene3d>
+      <a:camera prst="orthographicFront"/>
+      <a:lightRig rig="threePt" dir="t"/>
+    </dgm:scene3d>
+    <dgm:sp3d/>
+    <dgm:txPr/>
+    <dgm:style>
+      <a:lnRef idx="2">
+        <a:scrgbClr r="0" g="0" b="0"/>
+      </a:lnRef>
+      <a:fillRef idx="1">
+        <a:scrgbClr r="0" g="0" b="0"/>
+      </a:fillRef>
+      <a:effectRef idx="0">
+        <a:scrgbClr r="0" g="0" b="0"/>
+      </a:effectRef>
+      <a:fontRef idx="minor"/>
+    </dgm:style>
+  </dgm:styleLbl>
+  <dgm:styleLbl name="revTx">
+    <dgm:scene3d>
+      <a:camera prst="orthographicFront"/>
+      <a:lightRig rig="threePt" dir="t"/>
+    </dgm:scene3d>
+    <dgm:sp3d/>
+    <dgm:txPr/>
+    <dgm:style>
+      <a:lnRef idx="0">
+        <a:scrgbClr r="0" g="0" b="0"/>
+      </a:lnRef>
+      <a:fillRef idx="0">
+        <a:scrgbClr r="0" g="0" b="0"/>
+      </a:fillRef>
+      <a:effectRef idx="0">
+        <a:scrgbClr r="0" g="0" b="0"/>
+      </a:effectRef>
+      <a:fontRef idx="minor"/>
+    </dgm:style>
+  </dgm:styleLbl>
+</dgm:styleDef>
+</file>
+
+<file path=ppt/notesMasters/notesMaster1.xml><?xml version="1.0" encoding="utf-8"?>
+<p:notesMaster xmlns:a="http://schemas.openxmlformats.org/drawingml/2006/main" xmlns:r="http://schemas.openxmlformats.org/officeDocument/2006/relationships" xmlns:p="http://schemas.openxmlformats.org/presentationml/2006/main">
+  <p:cSld>
+    <p:bg>
+      <p:bgRef idx="1001">
+        <a:schemeClr val="bg1"/>
+      </p:bgRef>
+    </p:bg>
+    <p:spTree>
+      <p:nvGrpSpPr>
+        <p:cNvPr id="1" name=""/>
+        <p:cNvGrpSpPr/>
+        <p:nvPr/>
+      </p:nvGrpSpPr>
+      <p:grpSpPr>
+        <a:xfrm>
+          <a:off x="0" y="0"/>
+          <a:ext cx="0" cy="0"/>
+          <a:chOff x="0" y="0"/>
+          <a:chExt cx="0" cy="0"/>
+        </a:xfrm>
+      </p:grpSpPr>
+      <p:sp>
+        <p:nvSpPr>
+          <p:cNvPr id="2" name="Espace réservé de l'en-tête 1"/>
+          <p:cNvSpPr>
+            <a:spLocks noGrp="1"/>
+          </p:cNvSpPr>
+          <p:nvPr>
+            <p:ph type="hdr" sz="quarter"/>
+          </p:nvPr>
+        </p:nvSpPr>
+        <p:spPr>
+          <a:xfrm>
+            <a:off x="0" y="0"/>
+            <a:ext cx="2971800" cy="458788"/>
+          </a:xfrm>
+          <a:prstGeom prst="rect">
+            <a:avLst/>
+          </a:prstGeom>
+        </p:spPr>
+        <p:txBody>
+          <a:bodyPr vert="horz" lIns="91440" tIns="45720" rIns="91440" bIns="45720" rtlCol="0"/>
+          <a:lstStyle>
+            <a:lvl1pPr algn="l">
+              <a:defRPr sz="1200"/>
+            </a:lvl1pPr>
+          </a:lstStyle>
+          <a:p>
+            <a:endParaRPr lang="en-US"/>
+          </a:p>
+        </p:txBody>
+      </p:sp>
+      <p:sp>
+        <p:nvSpPr>
+          <p:cNvPr id="3" name="Espace réservé de la date 2"/>
+          <p:cNvSpPr>
+            <a:spLocks noGrp="1"/>
+          </p:cNvSpPr>
+          <p:nvPr>
+            <p:ph type="dt" idx="1"/>
+          </p:nvPr>
+        </p:nvSpPr>
+        <p:spPr>
+          <a:xfrm>
+            <a:off x="3884613" y="0"/>
+            <a:ext cx="2971800" cy="458788"/>
+          </a:xfrm>
+          <a:prstGeom prst="rect">
+            <a:avLst/>
+          </a:prstGeom>
+        </p:spPr>
+        <p:txBody>
+          <a:bodyPr vert="horz" lIns="91440" tIns="45720" rIns="91440" bIns="45720" rtlCol="0"/>
+          <a:lstStyle>
+            <a:lvl1pPr algn="r">
+              <a:defRPr sz="1200"/>
+            </a:lvl1pPr>
+          </a:lstStyle>
+          <a:p>
+            <a:fld id="{C32929FE-4B09-4AE9-91A8-545587957730}" type="datetimeFigureOut">
+              <a:rPr lang="en-US" smtClean="0"/>
+              <a:t>6/3/2023</a:t>
+            </a:fld>
+            <a:endParaRPr lang="en-US"/>
+          </a:p>
+        </p:txBody>
+      </p:sp>
+      <p:sp>
+        <p:nvSpPr>
+          <p:cNvPr id="4" name="Espace réservé de l'image des diapositives 3"/>
+          <p:cNvSpPr>
+            <a:spLocks noGrp="1" noRot="1" noChangeAspect="1"/>
+          </p:cNvSpPr>
+          <p:nvPr>
+            <p:ph type="sldImg" idx="2"/>
+          </p:nvPr>
+        </p:nvSpPr>
+        <p:spPr>
+          <a:xfrm>
+            <a:off x="685800" y="1143000"/>
+            <a:ext cx="5486400" cy="3086100"/>
+          </a:xfrm>
+          <a:prstGeom prst="rect">
+            <a:avLst/>
+          </a:prstGeom>
+          <a:noFill/>
+          <a:ln w="12700">
+            <a:solidFill>
+              <a:prstClr val="black"/>
+            </a:solidFill>
+          </a:ln>
+        </p:spPr>
+        <p:txBody>
+          <a:bodyPr vert="horz" lIns="91440" tIns="45720" rIns="91440" bIns="45720" rtlCol="0" anchor="ctr"/>
+          <a:lstStyle/>
+          <a:p>
+            <a:endParaRPr lang="en-US"/>
+          </a:p>
+        </p:txBody>
+      </p:sp>
+      <p:sp>
+        <p:nvSpPr>
+          <p:cNvPr id="5" name="Espace réservé des notes 4"/>
+          <p:cNvSpPr>
+            <a:spLocks noGrp="1"/>
+          </p:cNvSpPr>
+          <p:nvPr>
+            <p:ph type="body" sz="quarter" idx="3"/>
+          </p:nvPr>
+        </p:nvSpPr>
+        <p:spPr>
+          <a:xfrm>
+            <a:off x="685800" y="4400550"/>
+            <a:ext cx="5486400" cy="3600450"/>
+          </a:xfrm>
+          <a:prstGeom prst="rect">
+            <a:avLst/>
+          </a:prstGeom>
+        </p:spPr>
+        <p:txBody>
+          <a:bodyPr vert="horz" lIns="91440" tIns="45720" rIns="91440" bIns="45720" rtlCol="0"/>
+          <a:lstStyle/>
+          <a:p>
+            <a:pPr lvl="0"/>
+            <a:r>
+              <a:rPr lang="fr-FR"/>
+              <a:t>Cliquez pour modifier les styles du texte du masque</a:t>
+            </a:r>
+          </a:p>
+          <a:p>
+            <a:pPr lvl="1"/>
+            <a:r>
+              <a:rPr lang="fr-FR"/>
+              <a:t>Deuxième niveau</a:t>
+            </a:r>
+          </a:p>
+          <a:p>
+            <a:pPr lvl="2"/>
+            <a:r>
+              <a:rPr lang="fr-FR"/>
+              <a:t>Troisième niveau</a:t>
+            </a:r>
+          </a:p>
+          <a:p>
+            <a:pPr lvl="3"/>
+            <a:r>
+              <a:rPr lang="fr-FR"/>
+              <a:t>Quatrième niveau</a:t>
+            </a:r>
+          </a:p>
+          <a:p>
+            <a:pPr lvl="4"/>
+            <a:r>
+              <a:rPr lang="fr-FR"/>
+              <a:t>Cinquième niveau</a:t>
+            </a:r>
+            <a:endParaRPr lang="en-US"/>
+          </a:p>
+        </p:txBody>
+      </p:sp>
+      <p:sp>
+        <p:nvSpPr>
+          <p:cNvPr id="6" name="Espace réservé du pied de page 5"/>
+          <p:cNvSpPr>
+            <a:spLocks noGrp="1"/>
+          </p:cNvSpPr>
+          <p:nvPr>
+            <p:ph type="ftr" sz="quarter" idx="4"/>
+          </p:nvPr>
+        </p:nvSpPr>
+        <p:spPr>
+          <a:xfrm>
+            <a:off x="0" y="8685213"/>
+            <a:ext cx="2971800" cy="458787"/>
+          </a:xfrm>
+          <a:prstGeom prst="rect">
+            <a:avLst/>
+          </a:prstGeom>
+        </p:spPr>
+        <p:txBody>
+          <a:bodyPr vert="horz" lIns="91440" tIns="45720" rIns="91440" bIns="45720" rtlCol="0" anchor="b"/>
+          <a:lstStyle>
+            <a:lvl1pPr algn="l">
+              <a:defRPr sz="1200"/>
+            </a:lvl1pPr>
+          </a:lstStyle>
+          <a:p>
+            <a:endParaRPr lang="en-US"/>
+          </a:p>
+        </p:txBody>
+      </p:sp>
+      <p:sp>
+        <p:nvSpPr>
+          <p:cNvPr id="7" name="Espace réservé du numéro de diapositive 6"/>
+          <p:cNvSpPr>
+            <a:spLocks noGrp="1"/>
+          </p:cNvSpPr>
+          <p:nvPr>
+            <p:ph type="sldNum" sz="quarter" idx="5"/>
+          </p:nvPr>
+        </p:nvSpPr>
+        <p:spPr>
+          <a:xfrm>
+            <a:off x="3884613" y="8685213"/>
+            <a:ext cx="2971800" cy="458787"/>
+          </a:xfrm>
+          <a:prstGeom prst="rect">
+            <a:avLst/>
+          </a:prstGeom>
+        </p:spPr>
+        <p:txBody>
+          <a:bodyPr vert="horz" lIns="91440" tIns="45720" rIns="91440" bIns="45720" rtlCol="0" anchor="b"/>
+          <a:lstStyle>
+            <a:lvl1pPr algn="r">
+              <a:defRPr sz="1200"/>
+            </a:lvl1pPr>
+          </a:lstStyle>
+          <a:p>
+            <a:fld id="{B866A08F-0B08-4FA5-A0DC-FD8CC4B750FD}" type="slidenum">
+              <a:rPr lang="en-US" smtClean="0"/>
+              <a:t>‹N°›</a:t>
+            </a:fld>
+            <a:endParaRPr lang="en-US"/>
+          </a:p>
+        </p:txBody>
+      </p:sp>
+    </p:spTree>
+    <p:extLst>
+      <p:ext uri="{BB962C8B-B14F-4D97-AF65-F5344CB8AC3E}">
+        <p14:creationId xmlns:p14="http://schemas.microsoft.com/office/powerpoint/2010/main" val="3414301979"/>
+      </p:ext>
+    </p:extLst>
+  </p:cSld>
+  <p:clrMap bg1="lt1" tx1="dk1" bg2="lt2" tx2="dk2" accent1="accent1" accent2="accent2" accent3="accent3" accent4="accent4" accent5="accent5" accent6="accent6" hlink="hlink" folHlink="folHlink"/>
+  <p:notesStyle>
+    <a:lvl1pPr marL="0" algn="l" defTabSz="914400" rtl="0" eaLnBrk="1" latinLnBrk="0" hangingPunct="1">
+      <a:defRPr sz="1200" kern="1200">
+        <a:solidFill>
+          <a:schemeClr val="tx1"/>
+        </a:solidFill>
+        <a:latin typeface="+mn-lt"/>
+        <a:ea typeface="+mn-ea"/>
+        <a:cs typeface="+mn-cs"/>
+      </a:defRPr>
+    </a:lvl1pPr>
+    <a:lvl2pPr marL="457200" algn="l" defTabSz="914400" rtl="0" eaLnBrk="1" latinLnBrk="0" hangingPunct="1">
+      <a:defRPr sz="1200" kern="1200">
+        <a:solidFill>
+          <a:schemeClr val="tx1"/>
+        </a:solidFill>
+        <a:latin typeface="+mn-lt"/>
+        <a:ea typeface="+mn-ea"/>
+        <a:cs typeface="+mn-cs"/>
+      </a:defRPr>
+    </a:lvl2pPr>
+    <a:lvl3pPr marL="914400" algn="l" defTabSz="914400" rtl="0" eaLnBrk="1" latinLnBrk="0" hangingPunct="1">
+      <a:defRPr sz="1200" kern="1200">
+        <a:solidFill>
+          <a:schemeClr val="tx1"/>
+        </a:solidFill>
+        <a:latin typeface="+mn-lt"/>
+        <a:ea typeface="+mn-ea"/>
+        <a:cs typeface="+mn-cs"/>
+      </a:defRPr>
+    </a:lvl3pPr>
+    <a:lvl4pPr marL="1371600" algn="l" defTabSz="914400" rtl="0" eaLnBrk="1" latinLnBrk="0" hangingPunct="1">
+      <a:defRPr sz="1200" kern="1200">
+        <a:solidFill>
+          <a:schemeClr val="tx1"/>
+        </a:solidFill>
+        <a:latin typeface="+mn-lt"/>
+        <a:ea typeface="+mn-ea"/>
+        <a:cs typeface="+mn-cs"/>
+      </a:defRPr>
+    </a:lvl4pPr>
+    <a:lvl5pPr marL="1828800" algn="l" defTabSz="914400" rtl="0" eaLnBrk="1" latinLnBrk="0" hangingPunct="1">
+      <a:defRPr sz="1200" kern="1200">
+        <a:solidFill>
+          <a:schemeClr val="tx1"/>
+        </a:solidFill>
+        <a:latin typeface="+mn-lt"/>
+        <a:ea typeface="+mn-ea"/>
+        <a:cs typeface="+mn-cs"/>
+      </a:defRPr>
+    </a:lvl5pPr>
+    <a:lvl6pPr marL="2286000" algn="l" defTabSz="914400" rtl="0" eaLnBrk="1" latinLnBrk="0" hangingPunct="1">
+      <a:defRPr sz="1200" kern="1200">
+        <a:solidFill>
+          <a:schemeClr val="tx1"/>
+        </a:solidFill>
+        <a:latin typeface="+mn-lt"/>
+        <a:ea typeface="+mn-ea"/>
+        <a:cs typeface="+mn-cs"/>
+      </a:defRPr>
+    </a:lvl6pPr>
+    <a:lvl7pPr marL="2743200" algn="l" defTabSz="914400" rtl="0" eaLnBrk="1" latinLnBrk="0" hangingPunct="1">
+      <a:defRPr sz="1200" kern="1200">
+        <a:solidFill>
+          <a:schemeClr val="tx1"/>
+        </a:solidFill>
+        <a:latin typeface="+mn-lt"/>
+        <a:ea typeface="+mn-ea"/>
+        <a:cs typeface="+mn-cs"/>
+      </a:defRPr>
+    </a:lvl7pPr>
+    <a:lvl8pPr marL="3200400" algn="l" defTabSz="914400" rtl="0" eaLnBrk="1" latinLnBrk="0" hangingPunct="1">
+      <a:defRPr sz="1200" kern="1200">
+        <a:solidFill>
+          <a:schemeClr val="tx1"/>
+        </a:solidFill>
+        <a:latin typeface="+mn-lt"/>
+        <a:ea typeface="+mn-ea"/>
+        <a:cs typeface="+mn-cs"/>
+      </a:defRPr>
+    </a:lvl8pPr>
+    <a:lvl9pPr marL="3657600" algn="l" defTabSz="914400" rtl="0" eaLnBrk="1" latinLnBrk="0" hangingPunct="1">
+      <a:defRPr sz="1200" kern="1200">
+        <a:solidFill>
+          <a:schemeClr val="tx1"/>
+        </a:solidFill>
+        <a:latin typeface="+mn-lt"/>
+        <a:ea typeface="+mn-ea"/>
+        <a:cs typeface="+mn-cs"/>
+      </a:defRPr>
+    </a:lvl9pPr>
+  </p:notesStyle>
+</p:notesMaster>
+</file>
+
+<file path=ppt/notesSlides/notesSlide1.xml><?xml version="1.0" encoding="utf-8"?>
+<p:notes xmlns:a="http://schemas.openxmlformats.org/drawingml/2006/main" xmlns:r="http://schemas.openxmlformats.org/officeDocument/2006/relationships" xmlns:p="http://schemas.openxmlformats.org/presentationml/2006/main">
+  <p:cSld>
+    <p:spTree>
+      <p:nvGrpSpPr>
+        <p:cNvPr id="1" name=""/>
+        <p:cNvGrpSpPr/>
+        <p:nvPr/>
+      </p:nvGrpSpPr>
+      <p:grpSpPr>
+        <a:xfrm>
+          <a:off x="0" y="0"/>
+          <a:ext cx="0" cy="0"/>
+          <a:chOff x="0" y="0"/>
+          <a:chExt cx="0" cy="0"/>
+        </a:xfrm>
+      </p:grpSpPr>
+      <p:sp>
+        <p:nvSpPr>
+          <p:cNvPr id="2" name="Espace réservé de l'image des diapositives 1"/>
+          <p:cNvSpPr>
+            <a:spLocks noGrp="1" noRot="1" noChangeAspect="1"/>
+          </p:cNvSpPr>
+          <p:nvPr>
+            <p:ph type="sldImg"/>
+          </p:nvPr>
+        </p:nvSpPr>
+        <p:spPr/>
+      </p:sp>
+      <p:sp>
+        <p:nvSpPr>
+          <p:cNvPr id="3" name="Espace réservé des notes 2"/>
+          <p:cNvSpPr>
+            <a:spLocks noGrp="1"/>
+          </p:cNvSpPr>
+          <p:nvPr>
+            <p:ph type="body" idx="1"/>
+          </p:nvPr>
+        </p:nvSpPr>
+        <p:spPr/>
+        <p:txBody>
+          <a:bodyPr/>
+          <a:lstStyle/>
+          <a:p>
+            <a:endParaRPr lang="en-US" dirty="0"/>
+          </a:p>
+        </p:txBody>
+      </p:sp>
+      <p:sp>
+        <p:nvSpPr>
+          <p:cNvPr id="4" name="Espace réservé du numéro de diapositive 3"/>
+          <p:cNvSpPr>
+            <a:spLocks noGrp="1"/>
+          </p:cNvSpPr>
+          <p:nvPr>
+            <p:ph type="sldNum" sz="quarter" idx="5"/>
+          </p:nvPr>
+        </p:nvSpPr>
+        <p:spPr/>
+        <p:txBody>
+          <a:bodyPr/>
+          <a:lstStyle/>
+          <a:p>
+            <a:fld id="{B866A08F-0B08-4FA5-A0DC-FD8CC4B750FD}" type="slidenum">
+              <a:rPr lang="en-US" smtClean="0"/>
+              <a:t>3</a:t>
+            </a:fld>
+            <a:endParaRPr lang="en-US"/>
+          </a:p>
+        </p:txBody>
+      </p:sp>
+    </p:spTree>
+    <p:extLst>
+      <p:ext uri="{BB962C8B-B14F-4D97-AF65-F5344CB8AC3E}">
+        <p14:creationId xmlns:p14="http://schemas.microsoft.com/office/powerpoint/2010/main" val="2664544597"/>
+      </p:ext>
+    </p:extLst>
+  </p:cSld>
+  <p:clrMapOvr>
+    <a:masterClrMapping/>
+  </p:clrMapOvr>
+</p:notes>
 </file>
 
 <file path=ppt/slideLayouts/slideLayout1.xml><?xml version="1.0" encoding="utf-8"?>
@@ -3336,7 +7378,7 @@
           <a:p>
             <a:fld id="{BEE1F52D-6AD1-4679-A7EB-8951F6326E69}" type="datetimeFigureOut">
               <a:rPr lang="en-US" smtClean="0"/>
-              <a:t>5/13/2023</a:t>
+              <a:t>6/3/2023</a:t>
             </a:fld>
             <a:endParaRPr lang="en-US"/>
           </a:p>
@@ -3536,7 +7578,7 @@
           <a:p>
             <a:fld id="{BEE1F52D-6AD1-4679-A7EB-8951F6326E69}" type="datetimeFigureOut">
               <a:rPr lang="en-US" smtClean="0"/>
-              <a:t>5/13/2023</a:t>
+              <a:t>6/3/2023</a:t>
             </a:fld>
             <a:endParaRPr lang="en-US"/>
           </a:p>
@@ -3746,7 +7788,7 @@
           <a:p>
             <a:fld id="{BEE1F52D-6AD1-4679-A7EB-8951F6326E69}" type="datetimeFigureOut">
               <a:rPr lang="en-US" smtClean="0"/>
-              <a:t>5/13/2023</a:t>
+              <a:t>6/3/2023</a:t>
             </a:fld>
             <a:endParaRPr lang="en-US"/>
           </a:p>
@@ -3946,7 +7988,7 @@
           <a:p>
             <a:fld id="{BEE1F52D-6AD1-4679-A7EB-8951F6326E69}" type="datetimeFigureOut">
               <a:rPr lang="en-US" smtClean="0"/>
-              <a:t>5/13/2023</a:t>
+              <a:t>6/3/2023</a:t>
             </a:fld>
             <a:endParaRPr lang="en-US"/>
           </a:p>
@@ -4222,7 +8264,7 @@
           <a:p>
             <a:fld id="{BEE1F52D-6AD1-4679-A7EB-8951F6326E69}" type="datetimeFigureOut">
               <a:rPr lang="en-US" smtClean="0"/>
-              <a:t>5/13/2023</a:t>
+              <a:t>6/3/2023</a:t>
             </a:fld>
             <a:endParaRPr lang="en-US"/>
           </a:p>
@@ -4490,7 +8532,7 @@
           <a:p>
             <a:fld id="{BEE1F52D-6AD1-4679-A7EB-8951F6326E69}" type="datetimeFigureOut">
               <a:rPr lang="en-US" smtClean="0"/>
-              <a:t>5/13/2023</a:t>
+              <a:t>6/3/2023</a:t>
             </a:fld>
             <a:endParaRPr lang="en-US"/>
           </a:p>
@@ -4905,7 +8947,7 @@
           <a:p>
             <a:fld id="{BEE1F52D-6AD1-4679-A7EB-8951F6326E69}" type="datetimeFigureOut">
               <a:rPr lang="en-US" smtClean="0"/>
-              <a:t>5/13/2023</a:t>
+              <a:t>6/3/2023</a:t>
             </a:fld>
             <a:endParaRPr lang="en-US"/>
           </a:p>
@@ -5047,7 +9089,7 @@
           <a:p>
             <a:fld id="{BEE1F52D-6AD1-4679-A7EB-8951F6326E69}" type="datetimeFigureOut">
               <a:rPr lang="en-US" smtClean="0"/>
-              <a:t>5/13/2023</a:t>
+              <a:t>6/3/2023</a:t>
             </a:fld>
             <a:endParaRPr lang="en-US"/>
           </a:p>
@@ -5160,7 +9202,7 @@
           <a:p>
             <a:fld id="{BEE1F52D-6AD1-4679-A7EB-8951F6326E69}" type="datetimeFigureOut">
               <a:rPr lang="en-US" smtClean="0"/>
-              <a:t>5/13/2023</a:t>
+              <a:t>6/3/2023</a:t>
             </a:fld>
             <a:endParaRPr lang="en-US"/>
           </a:p>
@@ -5473,7 +9515,7 @@
           <a:p>
             <a:fld id="{BEE1F52D-6AD1-4679-A7EB-8951F6326E69}" type="datetimeFigureOut">
               <a:rPr lang="en-US" smtClean="0"/>
-              <a:t>5/13/2023</a:t>
+              <a:t>6/3/2023</a:t>
             </a:fld>
             <a:endParaRPr lang="en-US"/>
           </a:p>
@@ -5762,7 +9804,7 @@
           <a:p>
             <a:fld id="{BEE1F52D-6AD1-4679-A7EB-8951F6326E69}" type="datetimeFigureOut">
               <a:rPr lang="en-US" smtClean="0"/>
-              <a:t>5/13/2023</a:t>
+              <a:t>6/3/2023</a:t>
             </a:fld>
             <a:endParaRPr lang="en-US"/>
           </a:p>
@@ -6005,7 +10047,7 @@
           <a:p>
             <a:fld id="{BEE1F52D-6AD1-4679-A7EB-8951F6326E69}" type="datetimeFigureOut">
               <a:rPr lang="en-US" smtClean="0"/>
-              <a:t>5/13/2023</a:t>
+              <a:t>6/3/2023</a:t>
             </a:fld>
             <a:endParaRPr lang="en-US"/>
           </a:p>
@@ -6543,6 +10585,2028 @@
 </p:sld>
 </file>
 
+<file path=ppt/slides/slide3.xml><?xml version="1.0" encoding="utf-8"?>
+<p:sld xmlns:a="http://schemas.openxmlformats.org/drawingml/2006/main" xmlns:r="http://schemas.openxmlformats.org/officeDocument/2006/relationships" xmlns:p="http://schemas.openxmlformats.org/presentationml/2006/main">
+  <p:cSld>
+    <p:spTree>
+      <p:nvGrpSpPr>
+        <p:cNvPr id="1" name=""/>
+        <p:cNvGrpSpPr/>
+        <p:nvPr/>
+      </p:nvGrpSpPr>
+      <p:grpSpPr>
+        <a:xfrm>
+          <a:off x="0" y="0"/>
+          <a:ext cx="0" cy="0"/>
+          <a:chOff x="0" y="0"/>
+          <a:chExt cx="0" cy="0"/>
+        </a:xfrm>
+      </p:grpSpPr>
+      <p:sp>
+        <p:nvSpPr>
+          <p:cNvPr id="2" name="ZoneTexte 1">
+            <a:extLst>
+              <a:ext uri="{FF2B5EF4-FFF2-40B4-BE49-F238E27FC236}">
+                <a16:creationId xmlns:a16="http://schemas.microsoft.com/office/drawing/2014/main" id="{000EDEE6-A7F4-4696-B466-D478043C3E3A}"/>
+              </a:ext>
+            </a:extLst>
+          </p:cNvPr>
+          <p:cNvSpPr txBox="1"/>
+          <p:nvPr/>
+        </p:nvSpPr>
+        <p:spPr>
+          <a:xfrm>
+            <a:off x="2057024" y="125506"/>
+            <a:ext cx="7916591" cy="369332"/>
+          </a:xfrm>
+          <a:prstGeom prst="rect">
+            <a:avLst/>
+          </a:prstGeom>
+          <a:noFill/>
+        </p:spPr>
+        <p:txBody>
+          <a:bodyPr wrap="none" rtlCol="0">
+            <a:spAutoFit/>
+          </a:bodyPr>
+          <a:lstStyle/>
+          <a:p>
+            <a:pPr algn="ctr"/>
+            <a:r>
+              <a:rPr lang="en-US" dirty="0"/>
+              <a:t>The Business Model Canvas : Smart Business Process Management System S-BPMS</a:t>
+            </a:r>
+          </a:p>
+        </p:txBody>
+      </p:sp>
+      <p:sp>
+        <p:nvSpPr>
+          <p:cNvPr id="6" name="Rectangle 5">
+            <a:extLst>
+              <a:ext uri="{FF2B5EF4-FFF2-40B4-BE49-F238E27FC236}">
+                <a16:creationId xmlns:a16="http://schemas.microsoft.com/office/drawing/2014/main" id="{FF8395D0-BAF3-45BA-8D89-B857582EC05D}"/>
+              </a:ext>
+            </a:extLst>
+          </p:cNvPr>
+          <p:cNvSpPr/>
+          <p:nvPr/>
+        </p:nvSpPr>
+        <p:spPr>
+          <a:xfrm>
+            <a:off x="582708" y="553118"/>
+            <a:ext cx="2133600" cy="4374778"/>
+          </a:xfrm>
+          <a:prstGeom prst="rect">
+            <a:avLst/>
+          </a:prstGeom>
+        </p:spPr>
+        <p:style>
+          <a:lnRef idx="2">
+            <a:schemeClr val="dk1"/>
+          </a:lnRef>
+          <a:fillRef idx="1">
+            <a:schemeClr val="lt1"/>
+          </a:fillRef>
+          <a:effectRef idx="0">
+            <a:schemeClr val="dk1"/>
+          </a:effectRef>
+          <a:fontRef idx="minor">
+            <a:schemeClr val="dk1"/>
+          </a:fontRef>
+        </p:style>
+        <p:txBody>
+          <a:bodyPr rtlCol="0" anchor="ctr"/>
+          <a:lstStyle/>
+          <a:p>
+            <a:endParaRPr lang="en-US" dirty="0"/>
+          </a:p>
+        </p:txBody>
+      </p:sp>
+      <p:sp>
+        <p:nvSpPr>
+          <p:cNvPr id="7" name="Rectangle 6">
+            <a:extLst>
+              <a:ext uri="{FF2B5EF4-FFF2-40B4-BE49-F238E27FC236}">
+                <a16:creationId xmlns:a16="http://schemas.microsoft.com/office/drawing/2014/main" id="{56CCBF66-DABD-4EF2-9892-085933BE43ED}"/>
+              </a:ext>
+            </a:extLst>
+          </p:cNvPr>
+          <p:cNvSpPr/>
+          <p:nvPr/>
+        </p:nvSpPr>
+        <p:spPr>
+          <a:xfrm>
+            <a:off x="2743202" y="555809"/>
+            <a:ext cx="2133600" cy="2169461"/>
+          </a:xfrm>
+          <a:prstGeom prst="rect">
+            <a:avLst/>
+          </a:prstGeom>
+        </p:spPr>
+        <p:style>
+          <a:lnRef idx="2">
+            <a:schemeClr val="dk1"/>
+          </a:lnRef>
+          <a:fillRef idx="1">
+            <a:schemeClr val="lt1"/>
+          </a:fillRef>
+          <a:effectRef idx="0">
+            <a:schemeClr val="dk1"/>
+          </a:effectRef>
+          <a:fontRef idx="minor">
+            <a:schemeClr val="dk1"/>
+          </a:fontRef>
+        </p:style>
+        <p:txBody>
+          <a:bodyPr rtlCol="0" anchor="ctr"/>
+          <a:lstStyle/>
+          <a:p>
+            <a:pPr algn="ctr"/>
+            <a:endParaRPr lang="en-US"/>
+          </a:p>
+        </p:txBody>
+      </p:sp>
+      <p:sp>
+        <p:nvSpPr>
+          <p:cNvPr id="8" name="Rectangle 7">
+            <a:extLst>
+              <a:ext uri="{FF2B5EF4-FFF2-40B4-BE49-F238E27FC236}">
+                <a16:creationId xmlns:a16="http://schemas.microsoft.com/office/drawing/2014/main" id="{A280D1DE-D093-4343-B417-F6467A9EFFEC}"/>
+              </a:ext>
+            </a:extLst>
+          </p:cNvPr>
+          <p:cNvSpPr/>
+          <p:nvPr/>
+        </p:nvSpPr>
+        <p:spPr>
+          <a:xfrm>
+            <a:off x="4912659" y="555809"/>
+            <a:ext cx="2133600" cy="4374778"/>
+          </a:xfrm>
+          <a:prstGeom prst="rect">
+            <a:avLst/>
+          </a:prstGeom>
+        </p:spPr>
+        <p:style>
+          <a:lnRef idx="2">
+            <a:schemeClr val="dk1"/>
+          </a:lnRef>
+          <a:fillRef idx="1">
+            <a:schemeClr val="lt1"/>
+          </a:fillRef>
+          <a:effectRef idx="0">
+            <a:schemeClr val="dk1"/>
+          </a:effectRef>
+          <a:fontRef idx="minor">
+            <a:schemeClr val="dk1"/>
+          </a:fontRef>
+        </p:style>
+        <p:txBody>
+          <a:bodyPr rtlCol="0" anchor="ctr"/>
+          <a:lstStyle/>
+          <a:p>
+            <a:pPr algn="ctr"/>
+            <a:endParaRPr lang="en-US"/>
+          </a:p>
+        </p:txBody>
+      </p:sp>
+      <p:sp>
+        <p:nvSpPr>
+          <p:cNvPr id="10" name="Rectangle 9">
+            <a:extLst>
+              <a:ext uri="{FF2B5EF4-FFF2-40B4-BE49-F238E27FC236}">
+                <a16:creationId xmlns:a16="http://schemas.microsoft.com/office/drawing/2014/main" id="{4A897101-1C88-4F70-8159-08C786A339A4}"/>
+              </a:ext>
+            </a:extLst>
+          </p:cNvPr>
+          <p:cNvSpPr/>
+          <p:nvPr/>
+        </p:nvSpPr>
+        <p:spPr>
+          <a:xfrm>
+            <a:off x="9251573" y="555810"/>
+            <a:ext cx="2133600" cy="4374778"/>
+          </a:xfrm>
+          <a:prstGeom prst="rect">
+            <a:avLst/>
+          </a:prstGeom>
+        </p:spPr>
+        <p:style>
+          <a:lnRef idx="2">
+            <a:schemeClr val="dk1"/>
+          </a:lnRef>
+          <a:fillRef idx="1">
+            <a:schemeClr val="lt1"/>
+          </a:fillRef>
+          <a:effectRef idx="0">
+            <a:schemeClr val="dk1"/>
+          </a:effectRef>
+          <a:fontRef idx="minor">
+            <a:schemeClr val="dk1"/>
+          </a:fontRef>
+        </p:style>
+        <p:txBody>
+          <a:bodyPr rtlCol="0" anchor="ctr"/>
+          <a:lstStyle/>
+          <a:p>
+            <a:pPr algn="ctr"/>
+            <a:endParaRPr lang="en-US"/>
+          </a:p>
+        </p:txBody>
+      </p:sp>
+      <p:sp>
+        <p:nvSpPr>
+          <p:cNvPr id="11" name="Rectangle 10">
+            <a:extLst>
+              <a:ext uri="{FF2B5EF4-FFF2-40B4-BE49-F238E27FC236}">
+                <a16:creationId xmlns:a16="http://schemas.microsoft.com/office/drawing/2014/main" id="{44FA0B23-621B-4321-B936-360F38473D18}"/>
+              </a:ext>
+            </a:extLst>
+          </p:cNvPr>
+          <p:cNvSpPr/>
+          <p:nvPr/>
+        </p:nvSpPr>
+        <p:spPr>
+          <a:xfrm>
+            <a:off x="2743202" y="2757952"/>
+            <a:ext cx="2133600" cy="2169460"/>
+          </a:xfrm>
+          <a:prstGeom prst="rect">
+            <a:avLst/>
+          </a:prstGeom>
+        </p:spPr>
+        <p:style>
+          <a:lnRef idx="2">
+            <a:schemeClr val="dk1"/>
+          </a:lnRef>
+          <a:fillRef idx="1">
+            <a:schemeClr val="lt1"/>
+          </a:fillRef>
+          <a:effectRef idx="0">
+            <a:schemeClr val="dk1"/>
+          </a:effectRef>
+          <a:fontRef idx="minor">
+            <a:schemeClr val="dk1"/>
+          </a:fontRef>
+        </p:style>
+        <p:txBody>
+          <a:bodyPr rtlCol="0" anchor="ctr"/>
+          <a:lstStyle/>
+          <a:p>
+            <a:pPr algn="ctr"/>
+            <a:endParaRPr lang="en-US"/>
+          </a:p>
+        </p:txBody>
+      </p:sp>
+      <p:sp>
+        <p:nvSpPr>
+          <p:cNvPr id="13" name="Rectangle 12">
+            <a:extLst>
+              <a:ext uri="{FF2B5EF4-FFF2-40B4-BE49-F238E27FC236}">
+                <a16:creationId xmlns:a16="http://schemas.microsoft.com/office/drawing/2014/main" id="{EDCC7D20-336E-4A36-B790-6714761114F6}"/>
+              </a:ext>
+            </a:extLst>
+          </p:cNvPr>
+          <p:cNvSpPr/>
+          <p:nvPr/>
+        </p:nvSpPr>
+        <p:spPr>
+          <a:xfrm>
+            <a:off x="7082113" y="555806"/>
+            <a:ext cx="2133600" cy="2735351"/>
+          </a:xfrm>
+          <a:prstGeom prst="rect">
+            <a:avLst/>
+          </a:prstGeom>
+        </p:spPr>
+        <p:style>
+          <a:lnRef idx="2">
+            <a:schemeClr val="dk1"/>
+          </a:lnRef>
+          <a:fillRef idx="1">
+            <a:schemeClr val="lt1"/>
+          </a:fillRef>
+          <a:effectRef idx="0">
+            <a:schemeClr val="dk1"/>
+          </a:effectRef>
+          <a:fontRef idx="minor">
+            <a:schemeClr val="dk1"/>
+          </a:fontRef>
+        </p:style>
+        <p:txBody>
+          <a:bodyPr rtlCol="0" anchor="ctr"/>
+          <a:lstStyle/>
+          <a:p>
+            <a:pPr algn="ctr"/>
+            <a:endParaRPr lang="en-US"/>
+          </a:p>
+        </p:txBody>
+      </p:sp>
+      <p:sp>
+        <p:nvSpPr>
+          <p:cNvPr id="14" name="Rectangle 13">
+            <a:extLst>
+              <a:ext uri="{FF2B5EF4-FFF2-40B4-BE49-F238E27FC236}">
+                <a16:creationId xmlns:a16="http://schemas.microsoft.com/office/drawing/2014/main" id="{4909D606-E63B-4E1B-B64A-9A03C5D0AE54}"/>
+              </a:ext>
+            </a:extLst>
+          </p:cNvPr>
+          <p:cNvSpPr/>
+          <p:nvPr/>
+        </p:nvSpPr>
+        <p:spPr>
+          <a:xfrm>
+            <a:off x="7082113" y="3358866"/>
+            <a:ext cx="2133600" cy="1571717"/>
+          </a:xfrm>
+          <a:prstGeom prst="rect">
+            <a:avLst/>
+          </a:prstGeom>
+        </p:spPr>
+        <p:style>
+          <a:lnRef idx="2">
+            <a:schemeClr val="dk1"/>
+          </a:lnRef>
+          <a:fillRef idx="1">
+            <a:schemeClr val="lt1"/>
+          </a:fillRef>
+          <a:effectRef idx="0">
+            <a:schemeClr val="dk1"/>
+          </a:effectRef>
+          <a:fontRef idx="minor">
+            <a:schemeClr val="dk1"/>
+          </a:fontRef>
+        </p:style>
+        <p:txBody>
+          <a:bodyPr rtlCol="0" anchor="ctr"/>
+          <a:lstStyle/>
+          <a:p>
+            <a:pPr algn="ctr"/>
+            <a:endParaRPr lang="en-US"/>
+          </a:p>
+        </p:txBody>
+      </p:sp>
+      <p:sp>
+        <p:nvSpPr>
+          <p:cNvPr id="15" name="Rectangle 14">
+            <a:extLst>
+              <a:ext uri="{FF2B5EF4-FFF2-40B4-BE49-F238E27FC236}">
+                <a16:creationId xmlns:a16="http://schemas.microsoft.com/office/drawing/2014/main" id="{9A0CCFA0-8796-4FC4-87E8-B190B09701DF}"/>
+              </a:ext>
+            </a:extLst>
+          </p:cNvPr>
+          <p:cNvSpPr/>
+          <p:nvPr/>
+        </p:nvSpPr>
+        <p:spPr>
+          <a:xfrm rot="16200000">
+            <a:off x="2393576" y="3155576"/>
+            <a:ext cx="1766050" cy="5387786"/>
+          </a:xfrm>
+          <a:prstGeom prst="rect">
+            <a:avLst/>
+          </a:prstGeom>
+        </p:spPr>
+        <p:style>
+          <a:lnRef idx="2">
+            <a:schemeClr val="dk1"/>
+          </a:lnRef>
+          <a:fillRef idx="1">
+            <a:schemeClr val="lt1"/>
+          </a:fillRef>
+          <a:effectRef idx="0">
+            <a:schemeClr val="dk1"/>
+          </a:effectRef>
+          <a:fontRef idx="minor">
+            <a:schemeClr val="dk1"/>
+          </a:fontRef>
+        </p:style>
+        <p:txBody>
+          <a:bodyPr rtlCol="0" anchor="ctr"/>
+          <a:lstStyle/>
+          <a:p>
+            <a:pPr algn="ctr"/>
+            <a:endParaRPr lang="en-US" dirty="0"/>
+          </a:p>
+        </p:txBody>
+      </p:sp>
+      <p:sp>
+        <p:nvSpPr>
+          <p:cNvPr id="16" name="Rectangle 15">
+            <a:extLst>
+              <a:ext uri="{FF2B5EF4-FFF2-40B4-BE49-F238E27FC236}">
+                <a16:creationId xmlns:a16="http://schemas.microsoft.com/office/drawing/2014/main" id="{BCF2B365-68DA-4BEF-A5FB-B2492AE01613}"/>
+              </a:ext>
+            </a:extLst>
+          </p:cNvPr>
+          <p:cNvSpPr/>
+          <p:nvPr/>
+        </p:nvSpPr>
+        <p:spPr>
+          <a:xfrm rot="16200000">
+            <a:off x="7826188" y="3155572"/>
+            <a:ext cx="1766050" cy="5387786"/>
+          </a:xfrm>
+          <a:prstGeom prst="rect">
+            <a:avLst/>
+          </a:prstGeom>
+        </p:spPr>
+        <p:style>
+          <a:lnRef idx="2">
+            <a:schemeClr val="dk1"/>
+          </a:lnRef>
+          <a:fillRef idx="1">
+            <a:schemeClr val="lt1"/>
+          </a:fillRef>
+          <a:effectRef idx="0">
+            <a:schemeClr val="dk1"/>
+          </a:effectRef>
+          <a:fontRef idx="minor">
+            <a:schemeClr val="dk1"/>
+          </a:fontRef>
+        </p:style>
+        <p:txBody>
+          <a:bodyPr rtlCol="0" anchor="ctr"/>
+          <a:lstStyle/>
+          <a:p>
+            <a:pPr algn="ctr"/>
+            <a:endParaRPr lang="en-US" dirty="0"/>
+          </a:p>
+        </p:txBody>
+      </p:sp>
+      <p:sp>
+        <p:nvSpPr>
+          <p:cNvPr id="17" name="ZoneTexte 16">
+            <a:extLst>
+              <a:ext uri="{FF2B5EF4-FFF2-40B4-BE49-F238E27FC236}">
+                <a16:creationId xmlns:a16="http://schemas.microsoft.com/office/drawing/2014/main" id="{53FFC8BC-0D1D-4E31-A6E7-0BE940C27936}"/>
+              </a:ext>
+            </a:extLst>
+          </p:cNvPr>
+          <p:cNvSpPr txBox="1"/>
+          <p:nvPr/>
+        </p:nvSpPr>
+        <p:spPr>
+          <a:xfrm>
+            <a:off x="578972" y="546208"/>
+            <a:ext cx="2142000" cy="307777"/>
+          </a:xfrm>
+          <a:prstGeom prst="rect">
+            <a:avLst/>
+          </a:prstGeom>
+          <a:solidFill>
+            <a:schemeClr val="accent2"/>
+          </a:solidFill>
+        </p:spPr>
+        <p:txBody>
+          <a:bodyPr wrap="square" rtlCol="0">
+            <a:spAutoFit/>
+          </a:bodyPr>
+          <a:lstStyle>
+            <a:defPPr>
+              <a:defRPr lang="fr-FR"/>
+            </a:defPPr>
+            <a:lvl1pPr>
+              <a:defRPr sz="1400" b="1"/>
+            </a:lvl1pPr>
+          </a:lstStyle>
+          <a:p>
+            <a:r>
+              <a:rPr lang="en-US" dirty="0">
+                <a:solidFill>
+                  <a:schemeClr val="bg1"/>
+                </a:solidFill>
+              </a:rPr>
+              <a:t>Problem</a:t>
+            </a:r>
+          </a:p>
+        </p:txBody>
+      </p:sp>
+      <p:sp>
+        <p:nvSpPr>
+          <p:cNvPr id="18" name="ZoneTexte 17">
+            <a:extLst>
+              <a:ext uri="{FF2B5EF4-FFF2-40B4-BE49-F238E27FC236}">
+                <a16:creationId xmlns:a16="http://schemas.microsoft.com/office/drawing/2014/main" id="{4CEA0B52-5A1E-44CE-B993-B12A83ECF803}"/>
+              </a:ext>
+            </a:extLst>
+          </p:cNvPr>
+          <p:cNvSpPr txBox="1"/>
+          <p:nvPr/>
+        </p:nvSpPr>
+        <p:spPr>
+          <a:xfrm>
+            <a:off x="2749502" y="548360"/>
+            <a:ext cx="2142000" cy="307777"/>
+          </a:xfrm>
+          <a:prstGeom prst="rect">
+            <a:avLst/>
+          </a:prstGeom>
+          <a:solidFill>
+            <a:schemeClr val="accent2"/>
+          </a:solidFill>
+        </p:spPr>
+        <p:txBody>
+          <a:bodyPr wrap="square" rtlCol="0">
+            <a:spAutoFit/>
+          </a:bodyPr>
+          <a:lstStyle>
+            <a:defPPr>
+              <a:defRPr lang="fr-FR"/>
+            </a:defPPr>
+            <a:lvl1pPr>
+              <a:defRPr sz="1400" b="1">
+                <a:solidFill>
+                  <a:schemeClr val="bg1"/>
+                </a:solidFill>
+              </a:defRPr>
+            </a:lvl1pPr>
+          </a:lstStyle>
+          <a:p>
+            <a:r>
+              <a:rPr lang="en-US" dirty="0"/>
+              <a:t>Solution</a:t>
+            </a:r>
+          </a:p>
+        </p:txBody>
+      </p:sp>
+      <p:sp>
+        <p:nvSpPr>
+          <p:cNvPr id="19" name="ZoneTexte 18">
+            <a:extLst>
+              <a:ext uri="{FF2B5EF4-FFF2-40B4-BE49-F238E27FC236}">
+                <a16:creationId xmlns:a16="http://schemas.microsoft.com/office/drawing/2014/main" id="{85D00C79-3A34-406A-82B9-2AD73BB16CC8}"/>
+              </a:ext>
+            </a:extLst>
+          </p:cNvPr>
+          <p:cNvSpPr txBox="1"/>
+          <p:nvPr/>
+        </p:nvSpPr>
+        <p:spPr>
+          <a:xfrm>
+            <a:off x="4910003" y="550737"/>
+            <a:ext cx="2142000" cy="307777"/>
+          </a:xfrm>
+          <a:prstGeom prst="rect">
+            <a:avLst/>
+          </a:prstGeom>
+          <a:solidFill>
+            <a:schemeClr val="accent2"/>
+          </a:solidFill>
+        </p:spPr>
+        <p:txBody>
+          <a:bodyPr wrap="square" rtlCol="0">
+            <a:spAutoFit/>
+          </a:bodyPr>
+          <a:lstStyle>
+            <a:defPPr>
+              <a:defRPr lang="fr-FR"/>
+            </a:defPPr>
+            <a:lvl1pPr>
+              <a:defRPr sz="1400" b="1">
+                <a:solidFill>
+                  <a:schemeClr val="bg1"/>
+                </a:solidFill>
+              </a:defRPr>
+            </a:lvl1pPr>
+          </a:lstStyle>
+          <a:p>
+            <a:r>
+              <a:rPr lang="en-US"/>
+              <a:t>Unique value</a:t>
+            </a:r>
+            <a:endParaRPr lang="en-US" dirty="0"/>
+          </a:p>
+        </p:txBody>
+      </p:sp>
+      <p:sp>
+        <p:nvSpPr>
+          <p:cNvPr id="20" name="ZoneTexte 19">
+            <a:extLst>
+              <a:ext uri="{FF2B5EF4-FFF2-40B4-BE49-F238E27FC236}">
+                <a16:creationId xmlns:a16="http://schemas.microsoft.com/office/drawing/2014/main" id="{8CD876C6-34C0-4431-896D-A6A398BBB9EB}"/>
+              </a:ext>
+            </a:extLst>
+          </p:cNvPr>
+          <p:cNvSpPr txBox="1"/>
+          <p:nvPr/>
+        </p:nvSpPr>
+        <p:spPr>
+          <a:xfrm>
+            <a:off x="7080274" y="550737"/>
+            <a:ext cx="2142000" cy="307777"/>
+          </a:xfrm>
+          <a:prstGeom prst="rect">
+            <a:avLst/>
+          </a:prstGeom>
+          <a:solidFill>
+            <a:schemeClr val="accent2"/>
+          </a:solidFill>
+        </p:spPr>
+        <p:txBody>
+          <a:bodyPr wrap="square" rtlCol="0">
+            <a:spAutoFit/>
+          </a:bodyPr>
+          <a:lstStyle>
+            <a:defPPr>
+              <a:defRPr lang="fr-FR"/>
+            </a:defPPr>
+            <a:lvl1pPr>
+              <a:defRPr sz="1400" b="1">
+                <a:solidFill>
+                  <a:schemeClr val="bg1"/>
+                </a:solidFill>
+              </a:defRPr>
+            </a:lvl1pPr>
+          </a:lstStyle>
+          <a:p>
+            <a:r>
+              <a:rPr lang="en-US" dirty="0"/>
+              <a:t>Customer Relationships</a:t>
+            </a:r>
+          </a:p>
+        </p:txBody>
+      </p:sp>
+      <p:sp>
+        <p:nvSpPr>
+          <p:cNvPr id="21" name="ZoneTexte 20">
+            <a:extLst>
+              <a:ext uri="{FF2B5EF4-FFF2-40B4-BE49-F238E27FC236}">
+                <a16:creationId xmlns:a16="http://schemas.microsoft.com/office/drawing/2014/main" id="{7DCA6B66-9E68-49F8-A316-61D881E4948D}"/>
+              </a:ext>
+            </a:extLst>
+          </p:cNvPr>
+          <p:cNvSpPr txBox="1"/>
+          <p:nvPr/>
+        </p:nvSpPr>
+        <p:spPr>
+          <a:xfrm>
+            <a:off x="9248122" y="552861"/>
+            <a:ext cx="2142000" cy="307777"/>
+          </a:xfrm>
+          <a:prstGeom prst="rect">
+            <a:avLst/>
+          </a:prstGeom>
+          <a:solidFill>
+            <a:schemeClr val="accent2"/>
+          </a:solidFill>
+        </p:spPr>
+        <p:txBody>
+          <a:bodyPr wrap="square" rtlCol="0">
+            <a:spAutoFit/>
+          </a:bodyPr>
+          <a:lstStyle>
+            <a:defPPr>
+              <a:defRPr lang="fr-FR"/>
+            </a:defPPr>
+            <a:lvl1pPr>
+              <a:defRPr sz="1400" b="1">
+                <a:solidFill>
+                  <a:schemeClr val="bg1"/>
+                </a:solidFill>
+              </a:defRPr>
+            </a:lvl1pPr>
+          </a:lstStyle>
+          <a:p>
+            <a:r>
+              <a:rPr lang="en-US" dirty="0"/>
+              <a:t>Customer Segments</a:t>
+            </a:r>
+          </a:p>
+        </p:txBody>
+      </p:sp>
+      <p:sp>
+        <p:nvSpPr>
+          <p:cNvPr id="22" name="ZoneTexte 21">
+            <a:extLst>
+              <a:ext uri="{FF2B5EF4-FFF2-40B4-BE49-F238E27FC236}">
+                <a16:creationId xmlns:a16="http://schemas.microsoft.com/office/drawing/2014/main" id="{4630FD73-4DEE-48CD-8248-DE7C007898D1}"/>
+              </a:ext>
+            </a:extLst>
+          </p:cNvPr>
+          <p:cNvSpPr txBox="1"/>
+          <p:nvPr/>
+        </p:nvSpPr>
+        <p:spPr>
+          <a:xfrm>
+            <a:off x="7079118" y="3355593"/>
+            <a:ext cx="2142000" cy="307777"/>
+          </a:xfrm>
+          <a:prstGeom prst="rect">
+            <a:avLst/>
+          </a:prstGeom>
+          <a:solidFill>
+            <a:schemeClr val="accent2"/>
+          </a:solidFill>
+        </p:spPr>
+        <p:txBody>
+          <a:bodyPr wrap="square" rtlCol="0">
+            <a:spAutoFit/>
+          </a:bodyPr>
+          <a:lstStyle>
+            <a:defPPr>
+              <a:defRPr lang="fr-FR"/>
+            </a:defPPr>
+            <a:lvl1pPr>
+              <a:defRPr sz="1400" b="1">
+                <a:solidFill>
+                  <a:schemeClr val="bg1"/>
+                </a:solidFill>
+              </a:defRPr>
+            </a:lvl1pPr>
+          </a:lstStyle>
+          <a:p>
+            <a:r>
+              <a:rPr lang="en-US" dirty="0"/>
+              <a:t>Channels</a:t>
+            </a:r>
+          </a:p>
+        </p:txBody>
+      </p:sp>
+      <p:sp>
+        <p:nvSpPr>
+          <p:cNvPr id="23" name="ZoneTexte 22">
+            <a:extLst>
+              <a:ext uri="{FF2B5EF4-FFF2-40B4-BE49-F238E27FC236}">
+                <a16:creationId xmlns:a16="http://schemas.microsoft.com/office/drawing/2014/main" id="{A63D1F42-84EE-4926-B6C8-940EF287EC69}"/>
+              </a:ext>
+            </a:extLst>
+          </p:cNvPr>
+          <p:cNvSpPr txBox="1"/>
+          <p:nvPr/>
+        </p:nvSpPr>
+        <p:spPr>
+          <a:xfrm>
+            <a:off x="6009997" y="4962731"/>
+            <a:ext cx="2142000" cy="307777"/>
+          </a:xfrm>
+          <a:prstGeom prst="rect">
+            <a:avLst/>
+          </a:prstGeom>
+          <a:solidFill>
+            <a:schemeClr val="accent2"/>
+          </a:solidFill>
+        </p:spPr>
+        <p:txBody>
+          <a:bodyPr wrap="square" rtlCol="0">
+            <a:spAutoFit/>
+          </a:bodyPr>
+          <a:lstStyle>
+            <a:defPPr>
+              <a:defRPr lang="fr-FR"/>
+            </a:defPPr>
+            <a:lvl1pPr>
+              <a:defRPr sz="1400" b="1">
+                <a:solidFill>
+                  <a:schemeClr val="bg1"/>
+                </a:solidFill>
+              </a:defRPr>
+            </a:lvl1pPr>
+          </a:lstStyle>
+          <a:p>
+            <a:r>
+              <a:rPr lang="en-US"/>
+              <a:t>Revenue Streams</a:t>
+            </a:r>
+            <a:endParaRPr lang="en-US" dirty="0"/>
+          </a:p>
+        </p:txBody>
+      </p:sp>
+      <p:sp>
+        <p:nvSpPr>
+          <p:cNvPr id="24" name="ZoneTexte 23">
+            <a:extLst>
+              <a:ext uri="{FF2B5EF4-FFF2-40B4-BE49-F238E27FC236}">
+                <a16:creationId xmlns:a16="http://schemas.microsoft.com/office/drawing/2014/main" id="{060BF724-8E6F-4071-A15C-F096A7734C02}"/>
+              </a:ext>
+            </a:extLst>
+          </p:cNvPr>
+          <p:cNvSpPr txBox="1"/>
+          <p:nvPr/>
+        </p:nvSpPr>
+        <p:spPr>
+          <a:xfrm>
+            <a:off x="579767" y="4961860"/>
+            <a:ext cx="2142000" cy="307777"/>
+          </a:xfrm>
+          <a:prstGeom prst="rect">
+            <a:avLst/>
+          </a:prstGeom>
+          <a:solidFill>
+            <a:schemeClr val="accent2"/>
+          </a:solidFill>
+        </p:spPr>
+        <p:txBody>
+          <a:bodyPr wrap="square" rtlCol="0">
+            <a:spAutoFit/>
+          </a:bodyPr>
+          <a:lstStyle>
+            <a:defPPr>
+              <a:defRPr lang="fr-FR"/>
+            </a:defPPr>
+            <a:lvl1pPr>
+              <a:defRPr sz="1400" b="1">
+                <a:solidFill>
+                  <a:schemeClr val="bg1"/>
+                </a:solidFill>
+              </a:defRPr>
+            </a:lvl1pPr>
+          </a:lstStyle>
+          <a:p>
+            <a:r>
+              <a:rPr lang="en-US"/>
+              <a:t>Cost Structure</a:t>
+            </a:r>
+            <a:endParaRPr lang="en-US" dirty="0"/>
+          </a:p>
+        </p:txBody>
+      </p:sp>
+      <p:sp>
+        <p:nvSpPr>
+          <p:cNvPr id="25" name="ZoneTexte 24">
+            <a:extLst>
+              <a:ext uri="{FF2B5EF4-FFF2-40B4-BE49-F238E27FC236}">
+                <a16:creationId xmlns:a16="http://schemas.microsoft.com/office/drawing/2014/main" id="{4DE3941F-4DDA-462D-A01F-4689CE5FDE84}"/>
+              </a:ext>
+            </a:extLst>
+          </p:cNvPr>
+          <p:cNvSpPr txBox="1"/>
+          <p:nvPr/>
+        </p:nvSpPr>
+        <p:spPr>
+          <a:xfrm>
+            <a:off x="2739187" y="2755204"/>
+            <a:ext cx="2142000" cy="307777"/>
+          </a:xfrm>
+          <a:prstGeom prst="rect">
+            <a:avLst/>
+          </a:prstGeom>
+          <a:solidFill>
+            <a:schemeClr val="accent2"/>
+          </a:solidFill>
+        </p:spPr>
+        <p:txBody>
+          <a:bodyPr wrap="square" rtlCol="0">
+            <a:spAutoFit/>
+          </a:bodyPr>
+          <a:lstStyle>
+            <a:defPPr>
+              <a:defRPr lang="fr-FR"/>
+            </a:defPPr>
+            <a:lvl1pPr>
+              <a:defRPr sz="1400" b="1">
+                <a:solidFill>
+                  <a:schemeClr val="bg1"/>
+                </a:solidFill>
+              </a:defRPr>
+            </a:lvl1pPr>
+          </a:lstStyle>
+          <a:p>
+            <a:r>
+              <a:rPr lang="en-US" dirty="0"/>
+              <a:t>Key metrics</a:t>
+            </a:r>
+          </a:p>
+        </p:txBody>
+      </p:sp>
+      <p:sp>
+        <p:nvSpPr>
+          <p:cNvPr id="26" name="Rectangle 25">
+            <a:extLst>
+              <a:ext uri="{FF2B5EF4-FFF2-40B4-BE49-F238E27FC236}">
+                <a16:creationId xmlns:a16="http://schemas.microsoft.com/office/drawing/2014/main" id="{5CC2E762-F30D-4F6A-8F4E-1360452AB77D}"/>
+              </a:ext>
+            </a:extLst>
+          </p:cNvPr>
+          <p:cNvSpPr/>
+          <p:nvPr/>
+        </p:nvSpPr>
+        <p:spPr>
+          <a:xfrm>
+            <a:off x="802219" y="1323703"/>
+            <a:ext cx="1792935" cy="633072"/>
+          </a:xfrm>
+          <a:prstGeom prst="rect">
+            <a:avLst/>
+          </a:prstGeom>
+          <a:solidFill>
+            <a:srgbClr val="0070C0"/>
+          </a:solidFill>
+        </p:spPr>
+        <p:style>
+          <a:lnRef idx="2">
+            <a:schemeClr val="accent1">
+              <a:shade val="50000"/>
+            </a:schemeClr>
+          </a:lnRef>
+          <a:fillRef idx="1">
+            <a:schemeClr val="accent1"/>
+          </a:fillRef>
+          <a:effectRef idx="0">
+            <a:schemeClr val="accent1"/>
+          </a:effectRef>
+          <a:fontRef idx="minor">
+            <a:schemeClr val="lt1"/>
+          </a:fontRef>
+        </p:style>
+        <p:txBody>
+          <a:bodyPr rtlCol="0" anchor="ctr"/>
+          <a:lstStyle/>
+          <a:p>
+            <a:pPr algn="ctr"/>
+            <a:r>
+              <a:rPr lang="en-US" sz="1200" dirty="0"/>
+              <a:t>Purchasing in public sector is budgetary loophole</a:t>
+            </a:r>
+          </a:p>
+        </p:txBody>
+      </p:sp>
+      <p:sp>
+        <p:nvSpPr>
+          <p:cNvPr id="27" name="Rectangle 26">
+            <a:extLst>
+              <a:ext uri="{FF2B5EF4-FFF2-40B4-BE49-F238E27FC236}">
+                <a16:creationId xmlns:a16="http://schemas.microsoft.com/office/drawing/2014/main" id="{10906570-660D-4D87-A1BA-4A32A01E3F26}"/>
+              </a:ext>
+            </a:extLst>
+          </p:cNvPr>
+          <p:cNvSpPr/>
+          <p:nvPr/>
+        </p:nvSpPr>
+        <p:spPr>
+          <a:xfrm>
+            <a:off x="802219" y="2015055"/>
+            <a:ext cx="1792935" cy="633600"/>
+          </a:xfrm>
+          <a:prstGeom prst="rect">
+            <a:avLst/>
+          </a:prstGeom>
+          <a:solidFill>
+            <a:srgbClr val="0070C0"/>
+          </a:solidFill>
+        </p:spPr>
+        <p:style>
+          <a:lnRef idx="2">
+            <a:schemeClr val="accent1">
+              <a:shade val="50000"/>
+            </a:schemeClr>
+          </a:lnRef>
+          <a:fillRef idx="1">
+            <a:schemeClr val="accent1"/>
+          </a:fillRef>
+          <a:effectRef idx="0">
+            <a:schemeClr val="accent1"/>
+          </a:effectRef>
+          <a:fontRef idx="minor">
+            <a:schemeClr val="lt1"/>
+          </a:fontRef>
+        </p:style>
+        <p:txBody>
+          <a:bodyPr rtlCol="0" anchor="ctr"/>
+          <a:lstStyle/>
+          <a:p>
+            <a:pPr algn="ctr"/>
+            <a:r>
+              <a:rPr lang="en-US" sz="1200" dirty="0"/>
+              <a:t>Lack of transparency and consistency</a:t>
+            </a:r>
+          </a:p>
+        </p:txBody>
+      </p:sp>
+      <p:sp>
+        <p:nvSpPr>
+          <p:cNvPr id="28" name="Rectangle 27">
+            <a:extLst>
+              <a:ext uri="{FF2B5EF4-FFF2-40B4-BE49-F238E27FC236}">
+                <a16:creationId xmlns:a16="http://schemas.microsoft.com/office/drawing/2014/main" id="{FA2BA8D1-E277-44CD-AE80-D7F4F33EEA30}"/>
+              </a:ext>
+            </a:extLst>
+          </p:cNvPr>
+          <p:cNvSpPr/>
+          <p:nvPr/>
+        </p:nvSpPr>
+        <p:spPr>
+          <a:xfrm>
+            <a:off x="2842846" y="914345"/>
+            <a:ext cx="1792935" cy="633600"/>
+          </a:xfrm>
+          <a:prstGeom prst="rect">
+            <a:avLst/>
+          </a:prstGeom>
+          <a:solidFill>
+            <a:srgbClr val="0070C0"/>
+          </a:solidFill>
+        </p:spPr>
+        <p:style>
+          <a:lnRef idx="2">
+            <a:schemeClr val="accent1">
+              <a:shade val="50000"/>
+            </a:schemeClr>
+          </a:lnRef>
+          <a:fillRef idx="1">
+            <a:schemeClr val="accent1"/>
+          </a:fillRef>
+          <a:effectRef idx="0">
+            <a:schemeClr val="accent1"/>
+          </a:effectRef>
+          <a:fontRef idx="minor">
+            <a:schemeClr val="lt1"/>
+          </a:fontRef>
+        </p:style>
+        <p:txBody>
+          <a:bodyPr rtlCol="0" anchor="ctr"/>
+          <a:lstStyle/>
+          <a:p>
+            <a:pPr algn="ctr"/>
+            <a:r>
+              <a:rPr lang="en-US" sz="1200" dirty="0"/>
+              <a:t>Formalizing the design and the execution of Business Processes</a:t>
+            </a:r>
+          </a:p>
+        </p:txBody>
+      </p:sp>
+      <p:sp>
+        <p:nvSpPr>
+          <p:cNvPr id="29" name="Rectangle 28">
+            <a:extLst>
+              <a:ext uri="{FF2B5EF4-FFF2-40B4-BE49-F238E27FC236}">
+                <a16:creationId xmlns:a16="http://schemas.microsoft.com/office/drawing/2014/main" id="{E06B802A-50DF-4DDE-B379-BDB51370D3AD}"/>
+              </a:ext>
+            </a:extLst>
+          </p:cNvPr>
+          <p:cNvSpPr/>
+          <p:nvPr/>
+        </p:nvSpPr>
+        <p:spPr>
+          <a:xfrm>
+            <a:off x="2842845" y="1591315"/>
+            <a:ext cx="1792935" cy="843644"/>
+          </a:xfrm>
+          <a:prstGeom prst="rect">
+            <a:avLst/>
+          </a:prstGeom>
+          <a:solidFill>
+            <a:srgbClr val="0070C0"/>
+          </a:solidFill>
+        </p:spPr>
+        <p:style>
+          <a:lnRef idx="2">
+            <a:schemeClr val="accent1">
+              <a:shade val="50000"/>
+            </a:schemeClr>
+          </a:lnRef>
+          <a:fillRef idx="1">
+            <a:schemeClr val="accent1"/>
+          </a:fillRef>
+          <a:effectRef idx="0">
+            <a:schemeClr val="accent1"/>
+          </a:effectRef>
+          <a:fontRef idx="minor">
+            <a:schemeClr val="lt1"/>
+          </a:fontRef>
+        </p:style>
+        <p:txBody>
+          <a:bodyPr rtlCol="0" anchor="ctr"/>
+          <a:lstStyle/>
+          <a:p>
+            <a:pPr algn="ctr"/>
+            <a:r>
+              <a:rPr lang="en-US" sz="1200" dirty="0"/>
+              <a:t>Locking and securing the transactions within the Purchasing Business Process via ICT</a:t>
+            </a:r>
+          </a:p>
+        </p:txBody>
+      </p:sp>
+      <p:sp>
+        <p:nvSpPr>
+          <p:cNvPr id="30" name="Rectangle 29">
+            <a:extLst>
+              <a:ext uri="{FF2B5EF4-FFF2-40B4-BE49-F238E27FC236}">
+                <a16:creationId xmlns:a16="http://schemas.microsoft.com/office/drawing/2014/main" id="{68090391-1543-458F-8DAE-4590288267C9}"/>
+              </a:ext>
+            </a:extLst>
+          </p:cNvPr>
+          <p:cNvSpPr/>
+          <p:nvPr/>
+        </p:nvSpPr>
+        <p:spPr>
+          <a:xfrm>
+            <a:off x="7255013" y="3794070"/>
+            <a:ext cx="1792935" cy="633600"/>
+          </a:xfrm>
+          <a:prstGeom prst="rect">
+            <a:avLst/>
+          </a:prstGeom>
+          <a:solidFill>
+            <a:srgbClr val="0070C0"/>
+          </a:solidFill>
+        </p:spPr>
+        <p:style>
+          <a:lnRef idx="2">
+            <a:schemeClr val="accent1">
+              <a:shade val="50000"/>
+            </a:schemeClr>
+          </a:lnRef>
+          <a:fillRef idx="1">
+            <a:schemeClr val="accent1"/>
+          </a:fillRef>
+          <a:effectRef idx="0">
+            <a:schemeClr val="accent1"/>
+          </a:effectRef>
+          <a:fontRef idx="minor">
+            <a:schemeClr val="lt1"/>
+          </a:fontRef>
+        </p:style>
+        <p:txBody>
+          <a:bodyPr rtlCol="0" anchor="ctr"/>
+          <a:lstStyle/>
+          <a:p>
+            <a:pPr algn="ctr"/>
+            <a:r>
+              <a:rPr lang="en-US" sz="1200" dirty="0"/>
+              <a:t>Smart Business Process Management System S-BPMS</a:t>
+            </a:r>
+          </a:p>
+        </p:txBody>
+      </p:sp>
+      <p:sp>
+        <p:nvSpPr>
+          <p:cNvPr id="31" name="Rectangle 30">
+            <a:extLst>
+              <a:ext uri="{FF2B5EF4-FFF2-40B4-BE49-F238E27FC236}">
+                <a16:creationId xmlns:a16="http://schemas.microsoft.com/office/drawing/2014/main" id="{BBAAD352-1555-480B-86E2-4AD6C6DA7F3D}"/>
+              </a:ext>
+            </a:extLst>
+          </p:cNvPr>
+          <p:cNvSpPr/>
+          <p:nvPr/>
+        </p:nvSpPr>
+        <p:spPr>
+          <a:xfrm>
+            <a:off x="721795" y="5363271"/>
+            <a:ext cx="1792935" cy="633600"/>
+          </a:xfrm>
+          <a:prstGeom prst="rect">
+            <a:avLst/>
+          </a:prstGeom>
+          <a:solidFill>
+            <a:srgbClr val="0070C0"/>
+          </a:solidFill>
+        </p:spPr>
+        <p:style>
+          <a:lnRef idx="2">
+            <a:schemeClr val="accent1">
+              <a:shade val="50000"/>
+            </a:schemeClr>
+          </a:lnRef>
+          <a:fillRef idx="1">
+            <a:schemeClr val="accent1"/>
+          </a:fillRef>
+          <a:effectRef idx="0">
+            <a:schemeClr val="accent1"/>
+          </a:effectRef>
+          <a:fontRef idx="minor">
+            <a:schemeClr val="lt1"/>
+          </a:fontRef>
+        </p:style>
+        <p:txBody>
+          <a:bodyPr rtlCol="0" anchor="ctr"/>
+          <a:lstStyle/>
+          <a:p>
+            <a:pPr algn="ctr"/>
+            <a:r>
+              <a:rPr lang="en-US" sz="1200" dirty="0"/>
+              <a:t>Cloud Hosting</a:t>
+            </a:r>
+          </a:p>
+          <a:p>
+            <a:pPr algn="ctr"/>
+            <a:r>
+              <a:rPr lang="en-US" sz="1200" dirty="0"/>
+              <a:t>~80$/Month</a:t>
+            </a:r>
+          </a:p>
+        </p:txBody>
+      </p:sp>
+      <p:sp>
+        <p:nvSpPr>
+          <p:cNvPr id="32" name="Rectangle 31">
+            <a:extLst>
+              <a:ext uri="{FF2B5EF4-FFF2-40B4-BE49-F238E27FC236}">
+                <a16:creationId xmlns:a16="http://schemas.microsoft.com/office/drawing/2014/main" id="{F5BCEDE8-7D12-4225-B296-2F2251BB4197}"/>
+              </a:ext>
+            </a:extLst>
+          </p:cNvPr>
+          <p:cNvSpPr/>
+          <p:nvPr/>
+        </p:nvSpPr>
+        <p:spPr>
+          <a:xfrm>
+            <a:off x="2595154" y="5357382"/>
+            <a:ext cx="1792935" cy="633600"/>
+          </a:xfrm>
+          <a:prstGeom prst="rect">
+            <a:avLst/>
+          </a:prstGeom>
+          <a:solidFill>
+            <a:srgbClr val="0070C0"/>
+          </a:solidFill>
+        </p:spPr>
+        <p:style>
+          <a:lnRef idx="2">
+            <a:schemeClr val="accent1">
+              <a:shade val="50000"/>
+            </a:schemeClr>
+          </a:lnRef>
+          <a:fillRef idx="1">
+            <a:schemeClr val="accent1"/>
+          </a:fillRef>
+          <a:effectRef idx="0">
+            <a:schemeClr val="accent1"/>
+          </a:effectRef>
+          <a:fontRef idx="minor">
+            <a:schemeClr val="lt1"/>
+          </a:fontRef>
+        </p:style>
+        <p:txBody>
+          <a:bodyPr rtlCol="0" anchor="ctr"/>
+          <a:lstStyle/>
+          <a:p>
+            <a:pPr algn="ctr"/>
+            <a:r>
+              <a:rPr lang="en-US" sz="1200" dirty="0"/>
+              <a:t>S-BPMS development</a:t>
+            </a:r>
+          </a:p>
+          <a:p>
+            <a:pPr algn="ctr"/>
+            <a:r>
+              <a:rPr lang="en-US" sz="1200" dirty="0"/>
+              <a:t>$30,000 - $45,000 </a:t>
+            </a:r>
+          </a:p>
+        </p:txBody>
+      </p:sp>
+      <p:sp>
+        <p:nvSpPr>
+          <p:cNvPr id="33" name="Rectangle 32">
+            <a:extLst>
+              <a:ext uri="{FF2B5EF4-FFF2-40B4-BE49-F238E27FC236}">
+                <a16:creationId xmlns:a16="http://schemas.microsoft.com/office/drawing/2014/main" id="{07A01695-C774-489D-B580-A5007DB98B69}"/>
+              </a:ext>
+            </a:extLst>
+          </p:cNvPr>
+          <p:cNvSpPr/>
+          <p:nvPr/>
+        </p:nvSpPr>
+        <p:spPr>
+          <a:xfrm>
+            <a:off x="1819837" y="6048481"/>
+            <a:ext cx="1792935" cy="633600"/>
+          </a:xfrm>
+          <a:prstGeom prst="rect">
+            <a:avLst/>
+          </a:prstGeom>
+          <a:solidFill>
+            <a:srgbClr val="0070C0"/>
+          </a:solidFill>
+        </p:spPr>
+        <p:style>
+          <a:lnRef idx="2">
+            <a:schemeClr val="accent1">
+              <a:shade val="50000"/>
+            </a:schemeClr>
+          </a:lnRef>
+          <a:fillRef idx="1">
+            <a:schemeClr val="accent1"/>
+          </a:fillRef>
+          <a:effectRef idx="0">
+            <a:schemeClr val="accent1"/>
+          </a:effectRef>
+          <a:fontRef idx="minor">
+            <a:schemeClr val="lt1"/>
+          </a:fontRef>
+        </p:style>
+        <p:txBody>
+          <a:bodyPr rtlCol="0" anchor="ctr"/>
+          <a:lstStyle/>
+          <a:p>
+            <a:pPr algn="ctr"/>
+            <a:r>
+              <a:rPr lang="en-US" sz="1200" dirty="0"/>
+              <a:t>Smart Contract Deployment Ethereum</a:t>
+            </a:r>
+          </a:p>
+          <a:p>
+            <a:pPr algn="ctr"/>
+            <a:r>
+              <a:rPr lang="en-US" sz="1200" dirty="0"/>
+              <a:t>~70$/Month</a:t>
+            </a:r>
+          </a:p>
+        </p:txBody>
+      </p:sp>
+      <p:sp>
+        <p:nvSpPr>
+          <p:cNvPr id="34" name="Rectangle 33">
+            <a:extLst>
+              <a:ext uri="{FF2B5EF4-FFF2-40B4-BE49-F238E27FC236}">
+                <a16:creationId xmlns:a16="http://schemas.microsoft.com/office/drawing/2014/main" id="{F9260B36-FB63-452C-98CA-EABFD8FF7B3A}"/>
+              </a:ext>
+            </a:extLst>
+          </p:cNvPr>
+          <p:cNvSpPr/>
+          <p:nvPr/>
+        </p:nvSpPr>
+        <p:spPr>
+          <a:xfrm>
+            <a:off x="3667202" y="6048481"/>
+            <a:ext cx="1792935" cy="633600"/>
+          </a:xfrm>
+          <a:prstGeom prst="rect">
+            <a:avLst/>
+          </a:prstGeom>
+          <a:solidFill>
+            <a:srgbClr val="0070C0"/>
+          </a:solidFill>
+        </p:spPr>
+        <p:style>
+          <a:lnRef idx="2">
+            <a:schemeClr val="accent1">
+              <a:shade val="50000"/>
+            </a:schemeClr>
+          </a:lnRef>
+          <a:fillRef idx="1">
+            <a:schemeClr val="accent1"/>
+          </a:fillRef>
+          <a:effectRef idx="0">
+            <a:schemeClr val="accent1"/>
+          </a:effectRef>
+          <a:fontRef idx="minor">
+            <a:schemeClr val="lt1"/>
+          </a:fontRef>
+        </p:style>
+        <p:txBody>
+          <a:bodyPr rtlCol="0" anchor="ctr"/>
+          <a:lstStyle/>
+          <a:p>
+            <a:pPr algn="ctr"/>
+            <a:r>
+              <a:rPr lang="en-US" sz="1200" dirty="0"/>
+              <a:t>Maintenance</a:t>
+            </a:r>
+          </a:p>
+          <a:p>
+            <a:pPr algn="ctr"/>
+            <a:r>
+              <a:rPr lang="en-US" sz="1200" dirty="0"/>
+              <a:t>~3000$/Year</a:t>
+            </a:r>
+          </a:p>
+        </p:txBody>
+      </p:sp>
+      <p:sp>
+        <p:nvSpPr>
+          <p:cNvPr id="35" name="Rectangle 34">
+            <a:extLst>
+              <a:ext uri="{FF2B5EF4-FFF2-40B4-BE49-F238E27FC236}">
+                <a16:creationId xmlns:a16="http://schemas.microsoft.com/office/drawing/2014/main" id="{F879B6AA-2AC7-4CF4-9671-81C0F2AE3B1F}"/>
+              </a:ext>
+            </a:extLst>
+          </p:cNvPr>
+          <p:cNvSpPr/>
+          <p:nvPr/>
+        </p:nvSpPr>
+        <p:spPr>
+          <a:xfrm>
+            <a:off x="4986689" y="965396"/>
+            <a:ext cx="1792935" cy="633072"/>
+          </a:xfrm>
+          <a:prstGeom prst="rect">
+            <a:avLst/>
+          </a:prstGeom>
+          <a:solidFill>
+            <a:srgbClr val="0070C0"/>
+          </a:solidFill>
+        </p:spPr>
+        <p:style>
+          <a:lnRef idx="2">
+            <a:schemeClr val="accent1">
+              <a:shade val="50000"/>
+            </a:schemeClr>
+          </a:lnRef>
+          <a:fillRef idx="1">
+            <a:schemeClr val="accent1"/>
+          </a:fillRef>
+          <a:effectRef idx="0">
+            <a:schemeClr val="accent1"/>
+          </a:effectRef>
+          <a:fontRef idx="minor">
+            <a:schemeClr val="lt1"/>
+          </a:fontRef>
+        </p:style>
+        <p:txBody>
+          <a:bodyPr rtlCol="0" anchor="ctr"/>
+          <a:lstStyle/>
+          <a:p>
+            <a:pPr algn="ctr"/>
+            <a:r>
+              <a:rPr lang="en-US" sz="1200" dirty="0"/>
+              <a:t>Reducing financial wastes</a:t>
+            </a:r>
+          </a:p>
+        </p:txBody>
+      </p:sp>
+      <p:sp>
+        <p:nvSpPr>
+          <p:cNvPr id="36" name="Rectangle 35">
+            <a:extLst>
+              <a:ext uri="{FF2B5EF4-FFF2-40B4-BE49-F238E27FC236}">
+                <a16:creationId xmlns:a16="http://schemas.microsoft.com/office/drawing/2014/main" id="{5E3D4ABD-A2B7-463A-BF81-35EB70E9EDB6}"/>
+              </a:ext>
+            </a:extLst>
+          </p:cNvPr>
+          <p:cNvSpPr/>
+          <p:nvPr/>
+        </p:nvSpPr>
+        <p:spPr>
+          <a:xfrm>
+            <a:off x="4986688" y="1693727"/>
+            <a:ext cx="1792935" cy="633072"/>
+          </a:xfrm>
+          <a:prstGeom prst="rect">
+            <a:avLst/>
+          </a:prstGeom>
+          <a:solidFill>
+            <a:srgbClr val="0070C0"/>
+          </a:solidFill>
+        </p:spPr>
+        <p:style>
+          <a:lnRef idx="2">
+            <a:schemeClr val="accent1">
+              <a:shade val="50000"/>
+            </a:schemeClr>
+          </a:lnRef>
+          <a:fillRef idx="1">
+            <a:schemeClr val="accent1"/>
+          </a:fillRef>
+          <a:effectRef idx="0">
+            <a:schemeClr val="accent1"/>
+          </a:effectRef>
+          <a:fontRef idx="minor">
+            <a:schemeClr val="lt1"/>
+          </a:fontRef>
+        </p:style>
+        <p:txBody>
+          <a:bodyPr rtlCol="0" anchor="ctr"/>
+          <a:lstStyle/>
+          <a:p>
+            <a:pPr algn="ctr"/>
+            <a:r>
+              <a:rPr lang="en-US" sz="1200" dirty="0"/>
+              <a:t>Promote transparency</a:t>
+            </a:r>
+          </a:p>
+        </p:txBody>
+      </p:sp>
+      <p:sp>
+        <p:nvSpPr>
+          <p:cNvPr id="37" name="Rectangle 36">
+            <a:extLst>
+              <a:ext uri="{FF2B5EF4-FFF2-40B4-BE49-F238E27FC236}">
+                <a16:creationId xmlns:a16="http://schemas.microsoft.com/office/drawing/2014/main" id="{BC10FEC6-A7D8-4DE7-BC9A-CB5053238556}"/>
+              </a:ext>
+            </a:extLst>
+          </p:cNvPr>
+          <p:cNvSpPr/>
+          <p:nvPr/>
+        </p:nvSpPr>
+        <p:spPr>
+          <a:xfrm>
+            <a:off x="2842844" y="3383227"/>
+            <a:ext cx="1792935" cy="633072"/>
+          </a:xfrm>
+          <a:prstGeom prst="rect">
+            <a:avLst/>
+          </a:prstGeom>
+          <a:solidFill>
+            <a:srgbClr val="0070C0"/>
+          </a:solidFill>
+        </p:spPr>
+        <p:style>
+          <a:lnRef idx="2">
+            <a:schemeClr val="accent1">
+              <a:shade val="50000"/>
+            </a:schemeClr>
+          </a:lnRef>
+          <a:fillRef idx="1">
+            <a:schemeClr val="accent1"/>
+          </a:fillRef>
+          <a:effectRef idx="0">
+            <a:schemeClr val="accent1"/>
+          </a:effectRef>
+          <a:fontRef idx="minor">
+            <a:schemeClr val="lt1"/>
+          </a:fontRef>
+        </p:style>
+        <p:txBody>
+          <a:bodyPr rtlCol="0" anchor="ctr"/>
+          <a:lstStyle/>
+          <a:p>
+            <a:pPr algn="ctr"/>
+            <a:r>
+              <a:rPr lang="en-US" sz="1200" dirty="0"/>
+              <a:t>Periodic audit reports</a:t>
+            </a:r>
+          </a:p>
+        </p:txBody>
+      </p:sp>
+      <p:sp>
+        <p:nvSpPr>
+          <p:cNvPr id="38" name="Rectangle 37">
+            <a:extLst>
+              <a:ext uri="{FF2B5EF4-FFF2-40B4-BE49-F238E27FC236}">
+                <a16:creationId xmlns:a16="http://schemas.microsoft.com/office/drawing/2014/main" id="{9E96BB69-0792-4557-8837-715DE50CD189}"/>
+              </a:ext>
+            </a:extLst>
+          </p:cNvPr>
+          <p:cNvSpPr/>
+          <p:nvPr/>
+        </p:nvSpPr>
+        <p:spPr>
+          <a:xfrm>
+            <a:off x="6109582" y="5314548"/>
+            <a:ext cx="1792935" cy="633600"/>
+          </a:xfrm>
+          <a:prstGeom prst="rect">
+            <a:avLst/>
+          </a:prstGeom>
+          <a:solidFill>
+            <a:srgbClr val="0070C0"/>
+          </a:solidFill>
+        </p:spPr>
+        <p:style>
+          <a:lnRef idx="2">
+            <a:schemeClr val="accent1">
+              <a:shade val="50000"/>
+            </a:schemeClr>
+          </a:lnRef>
+          <a:fillRef idx="1">
+            <a:schemeClr val="accent1"/>
+          </a:fillRef>
+          <a:effectRef idx="0">
+            <a:schemeClr val="accent1"/>
+          </a:effectRef>
+          <a:fontRef idx="minor">
+            <a:schemeClr val="lt1"/>
+          </a:fontRef>
+        </p:style>
+        <p:txBody>
+          <a:bodyPr rtlCol="0" anchor="ctr"/>
+          <a:lstStyle/>
+          <a:p>
+            <a:pPr algn="ctr"/>
+            <a:r>
+              <a:rPr lang="en-US" sz="1200" dirty="0"/>
+              <a:t>Rationalize the governance of state public expenditure</a:t>
+            </a:r>
+          </a:p>
+        </p:txBody>
+      </p:sp>
+      <p:sp>
+        <p:nvSpPr>
+          <p:cNvPr id="39" name="Rectangle 38">
+            <a:extLst>
+              <a:ext uri="{FF2B5EF4-FFF2-40B4-BE49-F238E27FC236}">
+                <a16:creationId xmlns:a16="http://schemas.microsoft.com/office/drawing/2014/main" id="{9A6DDAE8-4B50-435D-848C-EDB3807A736F}"/>
+              </a:ext>
+            </a:extLst>
+          </p:cNvPr>
+          <p:cNvSpPr/>
+          <p:nvPr/>
+        </p:nvSpPr>
+        <p:spPr>
+          <a:xfrm>
+            <a:off x="9392329" y="1006903"/>
+            <a:ext cx="1792935" cy="633600"/>
+          </a:xfrm>
+          <a:prstGeom prst="rect">
+            <a:avLst/>
+          </a:prstGeom>
+          <a:solidFill>
+            <a:srgbClr val="0070C0"/>
+          </a:solidFill>
+        </p:spPr>
+        <p:style>
+          <a:lnRef idx="2">
+            <a:schemeClr val="accent1">
+              <a:shade val="50000"/>
+            </a:schemeClr>
+          </a:lnRef>
+          <a:fillRef idx="1">
+            <a:schemeClr val="accent1"/>
+          </a:fillRef>
+          <a:effectRef idx="0">
+            <a:schemeClr val="accent1"/>
+          </a:effectRef>
+          <a:fontRef idx="minor">
+            <a:schemeClr val="lt1"/>
+          </a:fontRef>
+        </p:style>
+        <p:txBody>
+          <a:bodyPr rtlCol="0" anchor="ctr"/>
+          <a:lstStyle/>
+          <a:p>
+            <a:pPr algn="ctr"/>
+            <a:r>
+              <a:rPr lang="en-US" sz="1200" dirty="0"/>
+              <a:t>Vendors</a:t>
+            </a:r>
+          </a:p>
+        </p:txBody>
+      </p:sp>
+      <p:sp>
+        <p:nvSpPr>
+          <p:cNvPr id="40" name="Rectangle 39">
+            <a:extLst>
+              <a:ext uri="{FF2B5EF4-FFF2-40B4-BE49-F238E27FC236}">
+                <a16:creationId xmlns:a16="http://schemas.microsoft.com/office/drawing/2014/main" id="{FCD3A1F4-B204-4183-BDBC-F7DB4ABE597F}"/>
+              </a:ext>
+            </a:extLst>
+          </p:cNvPr>
+          <p:cNvSpPr/>
+          <p:nvPr/>
+        </p:nvSpPr>
+        <p:spPr>
+          <a:xfrm>
+            <a:off x="9404487" y="1698255"/>
+            <a:ext cx="1792935" cy="633600"/>
+          </a:xfrm>
+          <a:prstGeom prst="rect">
+            <a:avLst/>
+          </a:prstGeom>
+          <a:solidFill>
+            <a:srgbClr val="0070C0"/>
+          </a:solidFill>
+        </p:spPr>
+        <p:style>
+          <a:lnRef idx="2">
+            <a:schemeClr val="accent1">
+              <a:shade val="50000"/>
+            </a:schemeClr>
+          </a:lnRef>
+          <a:fillRef idx="1">
+            <a:schemeClr val="accent1"/>
+          </a:fillRef>
+          <a:effectRef idx="0">
+            <a:schemeClr val="accent1"/>
+          </a:effectRef>
+          <a:fontRef idx="minor">
+            <a:schemeClr val="lt1"/>
+          </a:fontRef>
+        </p:style>
+        <p:txBody>
+          <a:bodyPr rtlCol="0" anchor="ctr"/>
+          <a:lstStyle/>
+          <a:p>
+            <a:pPr algn="ctr"/>
+            <a:r>
+              <a:rPr lang="en-US" sz="1200" dirty="0"/>
+              <a:t>Financial Services</a:t>
+            </a:r>
+          </a:p>
+        </p:txBody>
+      </p:sp>
+      <p:sp>
+        <p:nvSpPr>
+          <p:cNvPr id="41" name="Rectangle 40">
+            <a:extLst>
+              <a:ext uri="{FF2B5EF4-FFF2-40B4-BE49-F238E27FC236}">
+                <a16:creationId xmlns:a16="http://schemas.microsoft.com/office/drawing/2014/main" id="{45269380-C047-4C82-AA1E-2B4281B25C8A}"/>
+              </a:ext>
+            </a:extLst>
+          </p:cNvPr>
+          <p:cNvSpPr/>
+          <p:nvPr/>
+        </p:nvSpPr>
+        <p:spPr>
+          <a:xfrm>
+            <a:off x="9421905" y="2426398"/>
+            <a:ext cx="1792935" cy="633600"/>
+          </a:xfrm>
+          <a:prstGeom prst="rect">
+            <a:avLst/>
+          </a:prstGeom>
+          <a:solidFill>
+            <a:srgbClr val="0070C0"/>
+          </a:solidFill>
+        </p:spPr>
+        <p:style>
+          <a:lnRef idx="2">
+            <a:schemeClr val="accent1">
+              <a:shade val="50000"/>
+            </a:schemeClr>
+          </a:lnRef>
+          <a:fillRef idx="1">
+            <a:schemeClr val="accent1"/>
+          </a:fillRef>
+          <a:effectRef idx="0">
+            <a:schemeClr val="accent1"/>
+          </a:effectRef>
+          <a:fontRef idx="minor">
+            <a:schemeClr val="lt1"/>
+          </a:fontRef>
+        </p:style>
+        <p:txBody>
+          <a:bodyPr rtlCol="0" anchor="ctr"/>
+          <a:lstStyle/>
+          <a:p>
+            <a:pPr algn="ctr"/>
+            <a:r>
+              <a:rPr lang="en-US" sz="1200" dirty="0"/>
+              <a:t>Ordering party</a:t>
+            </a:r>
+          </a:p>
+        </p:txBody>
+      </p:sp>
+      <p:sp>
+        <p:nvSpPr>
+          <p:cNvPr id="42" name="Rectangle 41">
+            <a:extLst>
+              <a:ext uri="{FF2B5EF4-FFF2-40B4-BE49-F238E27FC236}">
+                <a16:creationId xmlns:a16="http://schemas.microsoft.com/office/drawing/2014/main" id="{0FC3DEFD-9B90-40CD-96E7-F87DB720A3A1}"/>
+              </a:ext>
+            </a:extLst>
+          </p:cNvPr>
+          <p:cNvSpPr/>
+          <p:nvPr/>
+        </p:nvSpPr>
+        <p:spPr>
+          <a:xfrm>
+            <a:off x="7195724" y="995777"/>
+            <a:ext cx="1792935" cy="633600"/>
+          </a:xfrm>
+          <a:prstGeom prst="rect">
+            <a:avLst/>
+          </a:prstGeom>
+          <a:solidFill>
+            <a:srgbClr val="0070C0"/>
+          </a:solidFill>
+        </p:spPr>
+        <p:style>
+          <a:lnRef idx="2">
+            <a:schemeClr val="accent1">
+              <a:shade val="50000"/>
+            </a:schemeClr>
+          </a:lnRef>
+          <a:fillRef idx="1">
+            <a:schemeClr val="accent1"/>
+          </a:fillRef>
+          <a:effectRef idx="0">
+            <a:schemeClr val="accent1"/>
+          </a:effectRef>
+          <a:fontRef idx="minor">
+            <a:schemeClr val="lt1"/>
+          </a:fontRef>
+        </p:style>
+        <p:txBody>
+          <a:bodyPr rtlCol="0" anchor="ctr"/>
+          <a:lstStyle/>
+          <a:p>
+            <a:pPr algn="ctr"/>
+            <a:r>
+              <a:rPr lang="en-US" sz="1200" dirty="0"/>
+              <a:t>Vendors trust in the business process fairness </a:t>
+            </a:r>
+          </a:p>
+        </p:txBody>
+      </p:sp>
+      <p:sp>
+        <p:nvSpPr>
+          <p:cNvPr id="43" name="Rectangle 42">
+            <a:extLst>
+              <a:ext uri="{FF2B5EF4-FFF2-40B4-BE49-F238E27FC236}">
+                <a16:creationId xmlns:a16="http://schemas.microsoft.com/office/drawing/2014/main" id="{F148C5C0-16FF-4A80-A114-1E6B3C18FF09}"/>
+              </a:ext>
+            </a:extLst>
+          </p:cNvPr>
+          <p:cNvSpPr/>
+          <p:nvPr/>
+        </p:nvSpPr>
+        <p:spPr>
+          <a:xfrm>
+            <a:off x="7190464" y="1669914"/>
+            <a:ext cx="1792935" cy="633600"/>
+          </a:xfrm>
+          <a:prstGeom prst="rect">
+            <a:avLst/>
+          </a:prstGeom>
+          <a:solidFill>
+            <a:srgbClr val="0070C0"/>
+          </a:solidFill>
+        </p:spPr>
+        <p:style>
+          <a:lnRef idx="2">
+            <a:schemeClr val="accent1">
+              <a:shade val="50000"/>
+            </a:schemeClr>
+          </a:lnRef>
+          <a:fillRef idx="1">
+            <a:schemeClr val="accent1"/>
+          </a:fillRef>
+          <a:effectRef idx="0">
+            <a:schemeClr val="accent1"/>
+          </a:effectRef>
+          <a:fontRef idx="minor">
+            <a:schemeClr val="lt1"/>
+          </a:fontRef>
+        </p:style>
+        <p:txBody>
+          <a:bodyPr rtlCol="0" anchor="ctr"/>
+          <a:lstStyle/>
+          <a:p>
+            <a:pPr algn="ctr"/>
+            <a:r>
+              <a:rPr lang="en-US" sz="1200" dirty="0"/>
+              <a:t>Financial services ensure rationalization of expenditure </a:t>
+            </a:r>
+          </a:p>
+        </p:txBody>
+      </p:sp>
+      <p:sp>
+        <p:nvSpPr>
+          <p:cNvPr id="44" name="Rectangle 43">
+            <a:extLst>
+              <a:ext uri="{FF2B5EF4-FFF2-40B4-BE49-F238E27FC236}">
+                <a16:creationId xmlns:a16="http://schemas.microsoft.com/office/drawing/2014/main" id="{51206C34-8081-4C68-9046-C4ED16C1C049}"/>
+              </a:ext>
+            </a:extLst>
+          </p:cNvPr>
+          <p:cNvSpPr/>
+          <p:nvPr/>
+        </p:nvSpPr>
+        <p:spPr>
+          <a:xfrm>
+            <a:off x="7187015" y="2351743"/>
+            <a:ext cx="1792935" cy="633600"/>
+          </a:xfrm>
+          <a:prstGeom prst="rect">
+            <a:avLst/>
+          </a:prstGeom>
+          <a:solidFill>
+            <a:srgbClr val="0070C0"/>
+          </a:solidFill>
+        </p:spPr>
+        <p:style>
+          <a:lnRef idx="2">
+            <a:schemeClr val="accent1">
+              <a:shade val="50000"/>
+            </a:schemeClr>
+          </a:lnRef>
+          <a:fillRef idx="1">
+            <a:schemeClr val="accent1"/>
+          </a:fillRef>
+          <a:effectRef idx="0">
+            <a:schemeClr val="accent1"/>
+          </a:effectRef>
+          <a:fontRef idx="minor">
+            <a:schemeClr val="lt1"/>
+          </a:fontRef>
+        </p:style>
+        <p:txBody>
+          <a:bodyPr rtlCol="0" anchor="ctr"/>
+          <a:lstStyle/>
+          <a:p>
+            <a:pPr algn="ctr"/>
+            <a:r>
+              <a:rPr lang="en-US" sz="1200" dirty="0"/>
+              <a:t>Ordering party ensure the quality of purchasing order</a:t>
+            </a:r>
+          </a:p>
+        </p:txBody>
+      </p:sp>
+      <p:sp>
+        <p:nvSpPr>
+          <p:cNvPr id="47" name="Rectangle 46">
+            <a:extLst>
+              <a:ext uri="{FF2B5EF4-FFF2-40B4-BE49-F238E27FC236}">
+                <a16:creationId xmlns:a16="http://schemas.microsoft.com/office/drawing/2014/main" id="{485B7966-8B1D-4D5D-992B-3DCCA343AFAF}"/>
+              </a:ext>
+            </a:extLst>
+          </p:cNvPr>
+          <p:cNvSpPr/>
+          <p:nvPr/>
+        </p:nvSpPr>
+        <p:spPr>
+          <a:xfrm>
+            <a:off x="2842844" y="4104044"/>
+            <a:ext cx="1792935" cy="633072"/>
+          </a:xfrm>
+          <a:prstGeom prst="rect">
+            <a:avLst/>
+          </a:prstGeom>
+          <a:solidFill>
+            <a:srgbClr val="0070C0"/>
+          </a:solidFill>
+        </p:spPr>
+        <p:style>
+          <a:lnRef idx="2">
+            <a:schemeClr val="accent1">
+              <a:shade val="50000"/>
+            </a:schemeClr>
+          </a:lnRef>
+          <a:fillRef idx="1">
+            <a:schemeClr val="accent1"/>
+          </a:fillRef>
+          <a:effectRef idx="0">
+            <a:schemeClr val="accent1"/>
+          </a:effectRef>
+          <a:fontRef idx="minor">
+            <a:schemeClr val="lt1"/>
+          </a:fontRef>
+        </p:style>
+        <p:txBody>
+          <a:bodyPr rtlCol="0" anchor="ctr"/>
+          <a:lstStyle/>
+          <a:p>
+            <a:pPr algn="ctr"/>
+            <a:r>
+              <a:rPr lang="en-US" sz="1200" dirty="0"/>
+              <a:t>Annual report of the Moroccan court of accounts</a:t>
+            </a:r>
+          </a:p>
+        </p:txBody>
+      </p:sp>
+    </p:spTree>
+    <p:extLst>
+      <p:ext uri="{BB962C8B-B14F-4D97-AF65-F5344CB8AC3E}">
+        <p14:creationId xmlns:p14="http://schemas.microsoft.com/office/powerpoint/2010/main" val="1911712189"/>
+      </p:ext>
+    </p:extLst>
+  </p:cSld>
+  <p:clrMapOvr>
+    <a:masterClrMapping/>
+  </p:clrMapOvr>
+</p:sld>
+</file>
+
+<file path=ppt/slides/slide4.xml><?xml version="1.0" encoding="utf-8"?>
+<p:sld xmlns:a="http://schemas.openxmlformats.org/drawingml/2006/main" xmlns:r="http://schemas.openxmlformats.org/officeDocument/2006/relationships" xmlns:p="http://schemas.openxmlformats.org/presentationml/2006/main">
+  <p:cSld>
+    <p:spTree>
+      <p:nvGrpSpPr>
+        <p:cNvPr id="1" name=""/>
+        <p:cNvGrpSpPr/>
+        <p:nvPr/>
+      </p:nvGrpSpPr>
+      <p:grpSpPr>
+        <a:xfrm>
+          <a:off x="0" y="0"/>
+          <a:ext cx="0" cy="0"/>
+          <a:chOff x="0" y="0"/>
+          <a:chExt cx="0" cy="0"/>
+        </a:xfrm>
+      </p:grpSpPr>
+      <p:graphicFrame>
+        <p:nvGraphicFramePr>
+          <p:cNvPr id="4" name="Diagramme 3">
+            <a:extLst>
+              <a:ext uri="{FF2B5EF4-FFF2-40B4-BE49-F238E27FC236}">
+                <a16:creationId xmlns:a16="http://schemas.microsoft.com/office/drawing/2014/main" id="{9FE47615-4FC7-405F-9F3F-E04C4E063911}"/>
+              </a:ext>
+            </a:extLst>
+          </p:cNvPr>
+          <p:cNvGraphicFramePr/>
+          <p:nvPr>
+            <p:extLst>
+              <p:ext uri="{D42A27DB-BD31-4B8C-83A1-F6EECF244321}">
+                <p14:modId xmlns:p14="http://schemas.microsoft.com/office/powerpoint/2010/main" val="3703749726"/>
+              </p:ext>
+            </p:extLst>
+          </p:nvPr>
+        </p:nvGraphicFramePr>
+        <p:xfrm>
+          <a:off x="914401" y="94132"/>
+          <a:ext cx="10065122" cy="6710081"/>
+        </p:xfrm>
+        <a:graphic>
+          <a:graphicData uri="http://schemas.openxmlformats.org/drawingml/2006/diagram">
+            <dgm:relIds xmlns:dgm="http://schemas.openxmlformats.org/drawingml/2006/diagram" xmlns:r="http://schemas.openxmlformats.org/officeDocument/2006/relationships" r:dm="rId2" r:lo="rId3" r:qs="rId4" r:cs="rId5"/>
+          </a:graphicData>
+        </a:graphic>
+      </p:graphicFrame>
+    </p:spTree>
+    <p:extLst>
+      <p:ext uri="{BB962C8B-B14F-4D97-AF65-F5344CB8AC3E}">
+        <p14:creationId xmlns:p14="http://schemas.microsoft.com/office/powerpoint/2010/main" val="2751409762"/>
+      </p:ext>
+    </p:extLst>
+  </p:cSld>
+  <p:clrMapOvr>
+    <a:masterClrMapping/>
+  </p:clrMapOvr>
+</p:sld>
+</file>
+
 <file path=ppt/theme/theme1.xml><?xml version="1.0" encoding="utf-8"?>
 <a:theme xmlns:a="http://schemas.openxmlformats.org/drawingml/2006/main" name="Thème Office">
   <a:themeElements>
@@ -6836,4 +12900,299 @@
     </a:ext>
   </a:extLst>
 </a:theme>
+</file>
+
+<file path=ppt/theme/theme2.xml><?xml version="1.0" encoding="utf-8"?>
+<a:theme xmlns:a="http://schemas.openxmlformats.org/drawingml/2006/main" name="Thème Office">
+  <a:themeElements>
+    <a:clrScheme name="Office">
+      <a:dk1>
+        <a:sysClr val="windowText" lastClr="000000"/>
+      </a:dk1>
+      <a:lt1>
+        <a:sysClr val="window" lastClr="FFFFFF"/>
+      </a:lt1>
+      <a:dk2>
+        <a:srgbClr val="44546A"/>
+      </a:dk2>
+      <a:lt2>
+        <a:srgbClr val="E7E6E6"/>
+      </a:lt2>
+      <a:accent1>
+        <a:srgbClr val="4472C4"/>
+      </a:accent1>
+      <a:accent2>
+        <a:srgbClr val="ED7D31"/>
+      </a:accent2>
+      <a:accent3>
+        <a:srgbClr val="A5A5A5"/>
+      </a:accent3>
+      <a:accent4>
+        <a:srgbClr val="FFC000"/>
+      </a:accent4>
+      <a:accent5>
+        <a:srgbClr val="5B9BD5"/>
+      </a:accent5>
+      <a:accent6>
+        <a:srgbClr val="70AD47"/>
+      </a:accent6>
+      <a:hlink>
+        <a:srgbClr val="0563C1"/>
+      </a:hlink>
+      <a:folHlink>
+        <a:srgbClr val="954F72"/>
+      </a:folHlink>
+    </a:clrScheme>
+    <a:fontScheme name="Office">
+      <a:majorFont>
+        <a:latin typeface="Calibri Light" panose="020F0302020204030204"/>
+        <a:ea typeface=""/>
+        <a:cs typeface=""/>
+        <a:font script="Jpan" typeface="游ゴシック Light"/>
+        <a:font script="Hang" typeface="맑은 고딕"/>
+        <a:font script="Hans" typeface="等线 Light"/>
+        <a:font script="Hant" typeface="新細明體"/>
+        <a:font script="Arab" typeface="Times New Roman"/>
+        <a:font script="Hebr" typeface="Times New Roman"/>
+        <a:font script="Thai" typeface="Angsana New"/>
+        <a:font script="Ethi" typeface="Nyala"/>
+        <a:font script="Beng" typeface="Vrinda"/>
+        <a:font script="Gujr" typeface="Shruti"/>
+        <a:font script="Khmr" typeface="MoolBoran"/>
+        <a:font script="Knda" typeface="Tunga"/>
+        <a:font script="Guru" typeface="Raavi"/>
+        <a:font script="Cans" typeface="Euphemia"/>
+        <a:font script="Cher" typeface="Plantagenet Cherokee"/>
+        <a:font script="Yiii" typeface="Microsoft Yi Baiti"/>
+        <a:font script="Tibt" typeface="Microsoft Himalaya"/>
+        <a:font script="Thaa" typeface="MV Boli"/>
+        <a:font script="Deva" typeface="Mangal"/>
+        <a:font script="Telu" typeface="Gautami"/>
+        <a:font script="Taml" typeface="Latha"/>
+        <a:font script="Syrc" typeface="Estrangelo Edessa"/>
+        <a:font script="Orya" typeface="Kalinga"/>
+        <a:font script="Mlym" typeface="Kartika"/>
+        <a:font script="Laoo" typeface="DokChampa"/>
+        <a:font script="Sinh" typeface="Iskoola Pota"/>
+        <a:font script="Mong" typeface="Mongolian Baiti"/>
+        <a:font script="Viet" typeface="Times New Roman"/>
+        <a:font script="Uigh" typeface="Microsoft Uighur"/>
+        <a:font script="Geor" typeface="Sylfaen"/>
+        <a:font script="Armn" typeface="Arial"/>
+        <a:font script="Bugi" typeface="Leelawadee UI"/>
+        <a:font script="Bopo" typeface="Microsoft JhengHei"/>
+        <a:font script="Java" typeface="Javanese Text"/>
+        <a:font script="Lisu" typeface="Segoe UI"/>
+        <a:font script="Mymr" typeface="Myanmar Text"/>
+        <a:font script="Nkoo" typeface="Ebrima"/>
+        <a:font script="Olck" typeface="Nirmala UI"/>
+        <a:font script="Osma" typeface="Ebrima"/>
+        <a:font script="Phag" typeface="Phagspa"/>
+        <a:font script="Syrn" typeface="Estrangelo Edessa"/>
+        <a:font script="Syrj" typeface="Estrangelo Edessa"/>
+        <a:font script="Syre" typeface="Estrangelo Edessa"/>
+        <a:font script="Sora" typeface="Nirmala UI"/>
+        <a:font script="Tale" typeface="Microsoft Tai Le"/>
+        <a:font script="Talu" typeface="Microsoft New Tai Lue"/>
+        <a:font script="Tfng" typeface="Ebrima"/>
+      </a:majorFont>
+      <a:minorFont>
+        <a:latin typeface="Calibri" panose="020F0502020204030204"/>
+        <a:ea typeface=""/>
+        <a:cs typeface=""/>
+        <a:font script="Jpan" typeface="游ゴシック"/>
+        <a:font script="Hang" typeface="맑은 고딕"/>
+        <a:font script="Hans" typeface="等线"/>
+        <a:font script="Hant" typeface="新細明體"/>
+        <a:font script="Arab" typeface="Arial"/>
+        <a:font script="Hebr" typeface="Arial"/>
+        <a:font script="Thai" typeface="Cordia New"/>
+        <a:font script="Ethi" typeface="Nyala"/>
+        <a:font script="Beng" typeface="Vrinda"/>
+        <a:font script="Gujr" typeface="Shruti"/>
+        <a:font script="Khmr" typeface="DaunPenh"/>
+        <a:font script="Knda" typeface="Tunga"/>
+        <a:font script="Guru" typeface="Raavi"/>
+        <a:font script="Cans" typeface="Euphemia"/>
+        <a:font script="Cher" typeface="Plantagenet Cherokee"/>
+        <a:font script="Yiii" typeface="Microsoft Yi Baiti"/>
+        <a:font script="Tibt" typeface="Microsoft Himalaya"/>
+        <a:font script="Thaa" typeface="MV Boli"/>
+        <a:font script="Deva" typeface="Mangal"/>
+        <a:font script="Telu" typeface="Gautami"/>
+        <a:font script="Taml" typeface="Latha"/>
+        <a:font script="Syrc" typeface="Estrangelo Edessa"/>
+        <a:font script="Orya" typeface="Kalinga"/>
+        <a:font script="Mlym" typeface="Kartika"/>
+        <a:font script="Laoo" typeface="DokChampa"/>
+        <a:font script="Sinh" typeface="Iskoola Pota"/>
+        <a:font script="Mong" typeface="Mongolian Baiti"/>
+        <a:font script="Viet" typeface="Arial"/>
+        <a:font script="Uigh" typeface="Microsoft Uighur"/>
+        <a:font script="Geor" typeface="Sylfaen"/>
+        <a:font script="Armn" typeface="Arial"/>
+        <a:font script="Bugi" typeface="Leelawadee UI"/>
+        <a:font script="Bopo" typeface="Microsoft JhengHei"/>
+        <a:font script="Java" typeface="Javanese Text"/>
+        <a:font script="Lisu" typeface="Segoe UI"/>
+        <a:font script="Mymr" typeface="Myanmar Text"/>
+        <a:font script="Nkoo" typeface="Ebrima"/>
+        <a:font script="Olck" typeface="Nirmala UI"/>
+        <a:font script="Osma" typeface="Ebrima"/>
+        <a:font script="Phag" typeface="Phagspa"/>
+        <a:font script="Syrn" typeface="Estrangelo Edessa"/>
+        <a:font script="Syrj" typeface="Estrangelo Edessa"/>
+        <a:font script="Syre" typeface="Estrangelo Edessa"/>
+        <a:font script="Sora" typeface="Nirmala UI"/>
+        <a:font script="Tale" typeface="Microsoft Tai Le"/>
+        <a:font script="Talu" typeface="Microsoft New Tai Lue"/>
+        <a:font script="Tfng" typeface="Ebrima"/>
+      </a:minorFont>
+    </a:fontScheme>
+    <a:fmtScheme name="Office">
+      <a:fillStyleLst>
+        <a:solidFill>
+          <a:schemeClr val="phClr"/>
+        </a:solidFill>
+        <a:gradFill rotWithShape="1">
+          <a:gsLst>
+            <a:gs pos="0">
+              <a:schemeClr val="phClr">
+                <a:lumMod val="110000"/>
+                <a:satMod val="105000"/>
+                <a:tint val="67000"/>
+              </a:schemeClr>
+            </a:gs>
+            <a:gs pos="50000">
+              <a:schemeClr val="phClr">
+                <a:lumMod val="105000"/>
+                <a:satMod val="103000"/>
+                <a:tint val="73000"/>
+              </a:schemeClr>
+            </a:gs>
+            <a:gs pos="100000">
+              <a:schemeClr val="phClr">
+                <a:lumMod val="105000"/>
+                <a:satMod val="109000"/>
+                <a:tint val="81000"/>
+              </a:schemeClr>
+            </a:gs>
+          </a:gsLst>
+          <a:lin ang="5400000" scaled="0"/>
+        </a:gradFill>
+        <a:gradFill rotWithShape="1">
+          <a:gsLst>
+            <a:gs pos="0">
+              <a:schemeClr val="phClr">
+                <a:satMod val="103000"/>
+                <a:lumMod val="102000"/>
+                <a:tint val="94000"/>
+              </a:schemeClr>
+            </a:gs>
+            <a:gs pos="50000">
+              <a:schemeClr val="phClr">
+                <a:satMod val="110000"/>
+                <a:lumMod val="100000"/>
+                <a:shade val="100000"/>
+              </a:schemeClr>
+            </a:gs>
+            <a:gs pos="100000">
+              <a:schemeClr val="phClr">
+                <a:lumMod val="99000"/>
+                <a:satMod val="120000"/>
+                <a:shade val="78000"/>
+              </a:schemeClr>
+            </a:gs>
+          </a:gsLst>
+          <a:lin ang="5400000" scaled="0"/>
+        </a:gradFill>
+      </a:fillStyleLst>
+      <a:lnStyleLst>
+        <a:ln w="6350" cap="flat" cmpd="sng" algn="ctr">
+          <a:solidFill>
+            <a:schemeClr val="phClr"/>
+          </a:solidFill>
+          <a:prstDash val="solid"/>
+          <a:miter lim="800000"/>
+        </a:ln>
+        <a:ln w="12700" cap="flat" cmpd="sng" algn="ctr">
+          <a:solidFill>
+            <a:schemeClr val="phClr"/>
+          </a:solidFill>
+          <a:prstDash val="solid"/>
+          <a:miter lim="800000"/>
+        </a:ln>
+        <a:ln w="19050" cap="flat" cmpd="sng" algn="ctr">
+          <a:solidFill>
+            <a:schemeClr val="phClr"/>
+          </a:solidFill>
+          <a:prstDash val="solid"/>
+          <a:miter lim="800000"/>
+        </a:ln>
+      </a:lnStyleLst>
+      <a:effectStyleLst>
+        <a:effectStyle>
+          <a:effectLst/>
+        </a:effectStyle>
+        <a:effectStyle>
+          <a:effectLst/>
+        </a:effectStyle>
+        <a:effectStyle>
+          <a:effectLst>
+            <a:outerShdw blurRad="57150" dist="19050" dir="5400000" algn="ctr" rotWithShape="0">
+              <a:srgbClr val="000000">
+                <a:alpha val="63000"/>
+              </a:srgbClr>
+            </a:outerShdw>
+          </a:effectLst>
+        </a:effectStyle>
+      </a:effectStyleLst>
+      <a:bgFillStyleLst>
+        <a:solidFill>
+          <a:schemeClr val="phClr"/>
+        </a:solidFill>
+        <a:solidFill>
+          <a:schemeClr val="phClr">
+            <a:tint val="95000"/>
+            <a:satMod val="170000"/>
+          </a:schemeClr>
+        </a:solidFill>
+        <a:gradFill rotWithShape="1">
+          <a:gsLst>
+            <a:gs pos="0">
+              <a:schemeClr val="phClr">
+                <a:tint val="93000"/>
+                <a:satMod val="150000"/>
+                <a:shade val="98000"/>
+                <a:lumMod val="102000"/>
+              </a:schemeClr>
+            </a:gs>
+            <a:gs pos="50000">
+              <a:schemeClr val="phClr">
+                <a:tint val="98000"/>
+                <a:satMod val="130000"/>
+                <a:shade val="90000"/>
+                <a:lumMod val="103000"/>
+              </a:schemeClr>
+            </a:gs>
+            <a:gs pos="100000">
+              <a:schemeClr val="phClr">
+                <a:shade val="63000"/>
+                <a:satMod val="120000"/>
+              </a:schemeClr>
+            </a:gs>
+          </a:gsLst>
+          <a:lin ang="5400000" scaled="0"/>
+        </a:gradFill>
+      </a:bgFillStyleLst>
+    </a:fmtScheme>
+  </a:themeElements>
+  <a:objectDefaults/>
+  <a:extraClrSchemeLst/>
+  <a:extLst>
+    <a:ext uri="{05A4C25C-085E-4340-85A3-A5531E510DB2}">
+      <thm15:themeFamily xmlns:thm15="http://schemas.microsoft.com/office/thememl/2012/main" name="Office Theme" id="{62F939B6-93AF-4DB8-9C6B-D6C7DFDC589F}" vid="{4A3C46E8-61CC-4603-A589-7422A47A8E4A}"/>
+    </a:ext>
+  </a:extLst>
+</a:theme>
 </file>